--- a/doc/StationMeteo_Soutenance.pptx
+++ b/doc/StationMeteo_Soutenance.pptx
@@ -5,10 +5,10 @@
     <p:sldMasterId id="2147483673" r:id="rId1"/>
   </p:sldMasterIdLst>
   <p:notesMasterIdLst>
-    <p:notesMasterId r:id="rId31"/>
+    <p:notesMasterId r:id="rId37"/>
   </p:notesMasterIdLst>
   <p:handoutMasterIdLst>
-    <p:handoutMasterId r:id="rId32"/>
+    <p:handoutMasterId r:id="rId38"/>
   </p:handoutMasterIdLst>
   <p:sldIdLst>
     <p:sldId id="257" r:id="rId2"/>
@@ -20,10 +20,10 @@
     <p:sldId id="289" r:id="rId8"/>
     <p:sldId id="265" r:id="rId9"/>
     <p:sldId id="272" r:id="rId10"/>
-    <p:sldId id="273" r:id="rId11"/>
-    <p:sldId id="277" r:id="rId12"/>
-    <p:sldId id="278" r:id="rId13"/>
-    <p:sldId id="274" r:id="rId14"/>
+    <p:sldId id="274" r:id="rId11"/>
+    <p:sldId id="273" r:id="rId12"/>
+    <p:sldId id="277" r:id="rId13"/>
+    <p:sldId id="278" r:id="rId14"/>
     <p:sldId id="264" r:id="rId15"/>
     <p:sldId id="290" r:id="rId16"/>
     <p:sldId id="275" r:id="rId17"/>
@@ -36,10 +36,16 @@
     <p:sldId id="284" r:id="rId24"/>
     <p:sldId id="283" r:id="rId25"/>
     <p:sldId id="267" r:id="rId26"/>
-    <p:sldId id="291" r:id="rId27"/>
-    <p:sldId id="269" r:id="rId28"/>
-    <p:sldId id="271" r:id="rId29"/>
-    <p:sldId id="270" r:id="rId30"/>
+    <p:sldId id="294" r:id="rId27"/>
+    <p:sldId id="296" r:id="rId28"/>
+    <p:sldId id="297" r:id="rId29"/>
+    <p:sldId id="295" r:id="rId30"/>
+    <p:sldId id="291" r:id="rId31"/>
+    <p:sldId id="292" r:id="rId32"/>
+    <p:sldId id="293" r:id="rId33"/>
+    <p:sldId id="269" r:id="rId34"/>
+    <p:sldId id="271" r:id="rId35"/>
+    <p:sldId id="270" r:id="rId36"/>
   </p:sldIdLst>
   <p:sldSz cx="12192000" cy="6858000"/>
   <p:notesSz cx="6858000" cy="9144000"/>
@@ -5350,6 +5356,910 @@
           <p:cNvPr id="2" name="Titre 1">
             <a:extLst>
               <a:ext uri="{FF2B5EF4-FFF2-40B4-BE49-F238E27FC236}">
+                <a16:creationId xmlns:a16="http://schemas.microsoft.com/office/drawing/2014/main" id="{5D0722A4-E90F-41FF-85C0-2B8A0F6F1D7B}"/>
+              </a:ext>
+            </a:extLst>
+          </p:cNvPr>
+          <p:cNvSpPr>
+            <a:spLocks noGrp="1"/>
+          </p:cNvSpPr>
+          <p:nvPr>
+            <p:ph type="title"/>
+          </p:nvPr>
+        </p:nvSpPr>
+        <p:spPr>
+          <a:xfrm>
+            <a:off x="1066800" y="642594"/>
+            <a:ext cx="10058400" cy="1002072"/>
+          </a:xfrm>
+        </p:spPr>
+        <p:txBody>
+          <a:bodyPr>
+            <a:normAutofit fontScale="90000"/>
+          </a:bodyPr>
+          <a:lstStyle/>
+          <a:p>
+            <a:r>
+              <a:rPr lang="fr-FR" dirty="0"/>
+              <a:t>? A retravailler pour introduire les slides suivant </a:t>
+            </a:r>
+          </a:p>
+        </p:txBody>
+      </p:sp>
+      <p:sp>
+        <p:nvSpPr>
+          <p:cNvPr id="3" name="Espace réservé de la date 2">
+            <a:extLst>
+              <a:ext uri="{FF2B5EF4-FFF2-40B4-BE49-F238E27FC236}">
+                <a16:creationId xmlns:a16="http://schemas.microsoft.com/office/drawing/2014/main" id="{1AB8B9F2-2652-4A90-8751-F175BCE4DB80}"/>
+              </a:ext>
+            </a:extLst>
+          </p:cNvPr>
+          <p:cNvSpPr>
+            <a:spLocks noGrp="1"/>
+          </p:cNvSpPr>
+          <p:nvPr>
+            <p:ph type="dt" sz="half" idx="10"/>
+          </p:nvPr>
+        </p:nvSpPr>
+        <p:spPr/>
+        <p:txBody>
+          <a:bodyPr/>
+          <a:lstStyle/>
+          <a:p>
+            <a:pPr rtl="0"/>
+            <a:fld id="{25FB4F25-64BB-460E-8192-B4AC51BA66FC}" type="datetime1">
+              <a:rPr lang="fr-FR" smtClean="0"/>
+              <a:t>22/06/2021</a:t>
+            </a:fld>
+            <a:endParaRPr lang="en-US"/>
+          </a:p>
+        </p:txBody>
+      </p:sp>
+      <p:sp>
+        <p:nvSpPr>
+          <p:cNvPr id="4" name="Rectangle 3">
+            <a:extLst>
+              <a:ext uri="{FF2B5EF4-FFF2-40B4-BE49-F238E27FC236}">
+                <a16:creationId xmlns:a16="http://schemas.microsoft.com/office/drawing/2014/main" id="{C2A87361-6729-4522-9367-CA9670AA2BCC}"/>
+              </a:ext>
+            </a:extLst>
+          </p:cNvPr>
+          <p:cNvSpPr/>
+          <p:nvPr/>
+        </p:nvSpPr>
+        <p:spPr>
+          <a:xfrm>
+            <a:off x="4635500" y="1445322"/>
+            <a:ext cx="1600200" cy="736600"/>
+          </a:xfrm>
+          <a:prstGeom prst="rect">
+            <a:avLst/>
+          </a:prstGeom>
+          <a:ln>
+            <a:noFill/>
+          </a:ln>
+        </p:spPr>
+        <p:style>
+          <a:lnRef idx="2">
+            <a:schemeClr val="accent1">
+              <a:shade val="50000"/>
+            </a:schemeClr>
+          </a:lnRef>
+          <a:fillRef idx="1">
+            <a:schemeClr val="accent1"/>
+          </a:fillRef>
+          <a:effectRef idx="0">
+            <a:schemeClr val="accent1"/>
+          </a:effectRef>
+          <a:fontRef idx="minor">
+            <a:schemeClr val="lt1"/>
+          </a:fontRef>
+        </p:style>
+        <p:txBody>
+          <a:bodyPr rtlCol="0" anchor="ctr"/>
+          <a:lstStyle/>
+          <a:p>
+            <a:pPr algn="ctr"/>
+            <a:r>
+              <a:rPr lang="fr-FR" dirty="0"/>
+              <a:t>Application Client</a:t>
+            </a:r>
+          </a:p>
+        </p:txBody>
+      </p:sp>
+      <p:sp>
+        <p:nvSpPr>
+          <p:cNvPr id="5" name="Rectangle 4">
+            <a:extLst>
+              <a:ext uri="{FF2B5EF4-FFF2-40B4-BE49-F238E27FC236}">
+                <a16:creationId xmlns:a16="http://schemas.microsoft.com/office/drawing/2014/main" id="{DD60C427-2AA6-4C97-88BD-412265E54EFD}"/>
+              </a:ext>
+            </a:extLst>
+          </p:cNvPr>
+          <p:cNvSpPr/>
+          <p:nvPr/>
+        </p:nvSpPr>
+        <p:spPr>
+          <a:xfrm>
+            <a:off x="1291435" y="3949716"/>
+            <a:ext cx="1600200" cy="736600"/>
+          </a:xfrm>
+          <a:prstGeom prst="rect">
+            <a:avLst/>
+          </a:prstGeom>
+          <a:ln>
+            <a:noFill/>
+          </a:ln>
+        </p:spPr>
+        <p:style>
+          <a:lnRef idx="2">
+            <a:schemeClr val="accent1">
+              <a:shade val="50000"/>
+            </a:schemeClr>
+          </a:lnRef>
+          <a:fillRef idx="1">
+            <a:schemeClr val="accent1"/>
+          </a:fillRef>
+          <a:effectRef idx="0">
+            <a:schemeClr val="accent1"/>
+          </a:effectRef>
+          <a:fontRef idx="minor">
+            <a:schemeClr val="lt1"/>
+          </a:fontRef>
+        </p:style>
+        <p:txBody>
+          <a:bodyPr rtlCol="0" anchor="ctr"/>
+          <a:lstStyle/>
+          <a:p>
+            <a:pPr algn="ctr"/>
+            <a:r>
+              <a:rPr lang="fr-FR" dirty="0"/>
+              <a:t>Application Serveur</a:t>
+            </a:r>
+          </a:p>
+        </p:txBody>
+      </p:sp>
+      <p:cxnSp>
+        <p:nvCxnSpPr>
+          <p:cNvPr id="6" name="Connecteur droit avec flèche 5">
+            <a:extLst>
+              <a:ext uri="{FF2B5EF4-FFF2-40B4-BE49-F238E27FC236}">
+                <a16:creationId xmlns:a16="http://schemas.microsoft.com/office/drawing/2014/main" id="{C4AEACD9-4F51-41E1-8A0D-92791299562E}"/>
+              </a:ext>
+            </a:extLst>
+          </p:cNvPr>
+          <p:cNvCxnSpPr>
+            <a:cxnSpLocks/>
+          </p:cNvCxnSpPr>
+          <p:nvPr/>
+        </p:nvCxnSpPr>
+        <p:spPr>
+          <a:xfrm flipH="1">
+            <a:off x="1866900" y="2181922"/>
+            <a:ext cx="2996045" cy="1767794"/>
+          </a:xfrm>
+          <a:prstGeom prst="straightConnector1">
+            <a:avLst/>
+          </a:prstGeom>
+          <a:ln w="28575">
+            <a:solidFill>
+              <a:srgbClr val="1FBB3D"/>
+            </a:solidFill>
+            <a:tailEnd type="triangle"/>
+          </a:ln>
+        </p:spPr>
+        <p:style>
+          <a:lnRef idx="1">
+            <a:schemeClr val="accent1"/>
+          </a:lnRef>
+          <a:fillRef idx="0">
+            <a:schemeClr val="accent1"/>
+          </a:fillRef>
+          <a:effectRef idx="0">
+            <a:schemeClr val="accent1"/>
+          </a:effectRef>
+          <a:fontRef idx="minor">
+            <a:schemeClr val="tx1"/>
+          </a:fontRef>
+        </p:style>
+      </p:cxnSp>
+      <p:cxnSp>
+        <p:nvCxnSpPr>
+          <p:cNvPr id="7" name="Connecteur droit avec flèche 6">
+            <a:extLst>
+              <a:ext uri="{FF2B5EF4-FFF2-40B4-BE49-F238E27FC236}">
+                <a16:creationId xmlns:a16="http://schemas.microsoft.com/office/drawing/2014/main" id="{ABC01062-0F86-489E-9F7E-A7A32DFB91B0}"/>
+              </a:ext>
+            </a:extLst>
+          </p:cNvPr>
+          <p:cNvCxnSpPr>
+            <a:cxnSpLocks/>
+          </p:cNvCxnSpPr>
+          <p:nvPr/>
+        </p:nvCxnSpPr>
+        <p:spPr>
+          <a:xfrm flipV="1">
+            <a:off x="2551978" y="2181922"/>
+            <a:ext cx="2588987" cy="1767794"/>
+          </a:xfrm>
+          <a:prstGeom prst="straightConnector1">
+            <a:avLst/>
+          </a:prstGeom>
+          <a:ln w="28575">
+            <a:solidFill>
+              <a:srgbClr val="FF2D2D"/>
+            </a:solidFill>
+            <a:tailEnd type="triangle"/>
+          </a:ln>
+        </p:spPr>
+        <p:style>
+          <a:lnRef idx="1">
+            <a:schemeClr val="accent1"/>
+          </a:lnRef>
+          <a:fillRef idx="0">
+            <a:schemeClr val="accent1"/>
+          </a:fillRef>
+          <a:effectRef idx="0">
+            <a:schemeClr val="accent1"/>
+          </a:effectRef>
+          <a:fontRef idx="minor">
+            <a:schemeClr val="tx1"/>
+          </a:fontRef>
+        </p:style>
+      </p:cxnSp>
+      <p:sp>
+        <p:nvSpPr>
+          <p:cNvPr id="8" name="Rectangle 7">
+            <a:extLst>
+              <a:ext uri="{FF2B5EF4-FFF2-40B4-BE49-F238E27FC236}">
+                <a16:creationId xmlns:a16="http://schemas.microsoft.com/office/drawing/2014/main" id="{CD7ADD3A-C374-4E09-968C-7092B1836103}"/>
+              </a:ext>
+            </a:extLst>
+          </p:cNvPr>
+          <p:cNvSpPr/>
+          <p:nvPr/>
+        </p:nvSpPr>
+        <p:spPr>
+          <a:xfrm>
+            <a:off x="1066800" y="3695715"/>
+            <a:ext cx="4696406" cy="2519691"/>
+          </a:xfrm>
+          <a:prstGeom prst="rect">
+            <a:avLst/>
+          </a:prstGeom>
+          <a:noFill/>
+          <a:ln w="19050">
+            <a:solidFill>
+              <a:srgbClr val="A60AA6"/>
+            </a:solidFill>
+            <a:prstDash val="dash"/>
+          </a:ln>
+        </p:spPr>
+        <p:style>
+          <a:lnRef idx="2">
+            <a:schemeClr val="accent1">
+              <a:shade val="50000"/>
+            </a:schemeClr>
+          </a:lnRef>
+          <a:fillRef idx="1">
+            <a:schemeClr val="accent1"/>
+          </a:fillRef>
+          <a:effectRef idx="0">
+            <a:schemeClr val="accent1"/>
+          </a:effectRef>
+          <a:fontRef idx="minor">
+            <a:schemeClr val="lt1"/>
+          </a:fontRef>
+        </p:style>
+        <p:txBody>
+          <a:bodyPr rtlCol="0" anchor="ctr"/>
+          <a:lstStyle/>
+          <a:p>
+            <a:pPr algn="ctr"/>
+            <a:endParaRPr lang="en-US"/>
+          </a:p>
+        </p:txBody>
+      </p:sp>
+      <p:sp>
+        <p:nvSpPr>
+          <p:cNvPr id="9" name="ZoneTexte 8">
+            <a:extLst>
+              <a:ext uri="{FF2B5EF4-FFF2-40B4-BE49-F238E27FC236}">
+                <a16:creationId xmlns:a16="http://schemas.microsoft.com/office/drawing/2014/main" id="{8606CDBF-AB8D-4457-8779-031C3614E46A}"/>
+              </a:ext>
+            </a:extLst>
+          </p:cNvPr>
+          <p:cNvSpPr txBox="1"/>
+          <p:nvPr/>
+        </p:nvSpPr>
+        <p:spPr>
+          <a:xfrm>
+            <a:off x="1061060" y="5876852"/>
+            <a:ext cx="1030475" cy="338554"/>
+          </a:xfrm>
+          <a:prstGeom prst="rect">
+            <a:avLst/>
+          </a:prstGeom>
+          <a:noFill/>
+        </p:spPr>
+        <p:txBody>
+          <a:bodyPr wrap="none" rtlCol="0">
+            <a:spAutoFit/>
+          </a:bodyPr>
+          <a:lstStyle/>
+          <a:p>
+            <a:r>
+              <a:rPr lang="fr-FR" sz="1600" dirty="0">
+                <a:solidFill>
+                  <a:srgbClr val="A60AA6"/>
+                </a:solidFill>
+              </a:rPr>
+              <a:t>Raspberry</a:t>
+            </a:r>
+          </a:p>
+        </p:txBody>
+      </p:sp>
+      <p:sp>
+        <p:nvSpPr>
+          <p:cNvPr id="14" name="Rectangle 13">
+            <a:extLst>
+              <a:ext uri="{FF2B5EF4-FFF2-40B4-BE49-F238E27FC236}">
+                <a16:creationId xmlns:a16="http://schemas.microsoft.com/office/drawing/2014/main" id="{D5B72942-688D-4B2F-BDED-4A0973B74861}"/>
+              </a:ext>
+            </a:extLst>
+          </p:cNvPr>
+          <p:cNvSpPr/>
+          <p:nvPr/>
+        </p:nvSpPr>
+        <p:spPr>
+          <a:xfrm>
+            <a:off x="10238133" y="1751440"/>
+            <a:ext cx="1037534" cy="467677"/>
+          </a:xfrm>
+          <a:prstGeom prst="rect">
+            <a:avLst/>
+          </a:prstGeom>
+          <a:solidFill>
+            <a:srgbClr val="A60AA6"/>
+          </a:solidFill>
+          <a:ln>
+            <a:noFill/>
+          </a:ln>
+        </p:spPr>
+        <p:style>
+          <a:lnRef idx="2">
+            <a:schemeClr val="accent1">
+              <a:shade val="50000"/>
+            </a:schemeClr>
+          </a:lnRef>
+          <a:fillRef idx="1">
+            <a:schemeClr val="accent1"/>
+          </a:fillRef>
+          <a:effectRef idx="0">
+            <a:schemeClr val="accent1"/>
+          </a:effectRef>
+          <a:fontRef idx="minor">
+            <a:schemeClr val="lt1"/>
+          </a:fontRef>
+        </p:style>
+        <p:txBody>
+          <a:bodyPr rtlCol="0" anchor="ctr"/>
+          <a:lstStyle/>
+          <a:p>
+            <a:pPr algn="ctr"/>
+            <a:r>
+              <a:rPr lang="fr-FR" sz="1400" dirty="0"/>
+              <a:t>Matériel</a:t>
+            </a:r>
+          </a:p>
+        </p:txBody>
+      </p:sp>
+      <p:sp>
+        <p:nvSpPr>
+          <p:cNvPr id="15" name="Rectangle 14">
+            <a:extLst>
+              <a:ext uri="{FF2B5EF4-FFF2-40B4-BE49-F238E27FC236}">
+                <a16:creationId xmlns:a16="http://schemas.microsoft.com/office/drawing/2014/main" id="{A991627D-CF84-4366-9B99-8E5ED66EDC4E}"/>
+              </a:ext>
+            </a:extLst>
+          </p:cNvPr>
+          <p:cNvSpPr/>
+          <p:nvPr/>
+        </p:nvSpPr>
+        <p:spPr>
+          <a:xfrm>
+            <a:off x="10238134" y="2210793"/>
+            <a:ext cx="1037533" cy="467677"/>
+          </a:xfrm>
+          <a:prstGeom prst="rect">
+            <a:avLst/>
+          </a:prstGeom>
+          <a:ln>
+            <a:noFill/>
+          </a:ln>
+        </p:spPr>
+        <p:style>
+          <a:lnRef idx="2">
+            <a:schemeClr val="accent1">
+              <a:shade val="50000"/>
+            </a:schemeClr>
+          </a:lnRef>
+          <a:fillRef idx="1">
+            <a:schemeClr val="accent1"/>
+          </a:fillRef>
+          <a:effectRef idx="0">
+            <a:schemeClr val="accent1"/>
+          </a:effectRef>
+          <a:fontRef idx="minor">
+            <a:schemeClr val="lt1"/>
+          </a:fontRef>
+        </p:style>
+        <p:txBody>
+          <a:bodyPr rtlCol="0" anchor="ctr"/>
+          <a:lstStyle/>
+          <a:p>
+            <a:pPr algn="ctr"/>
+            <a:r>
+              <a:rPr lang="fr-FR" sz="1400" dirty="0"/>
+              <a:t>Logiciel</a:t>
+            </a:r>
+          </a:p>
+        </p:txBody>
+      </p:sp>
+      <p:sp>
+        <p:nvSpPr>
+          <p:cNvPr id="18" name="Rectangle 17">
+            <a:extLst>
+              <a:ext uri="{FF2B5EF4-FFF2-40B4-BE49-F238E27FC236}">
+                <a16:creationId xmlns:a16="http://schemas.microsoft.com/office/drawing/2014/main" id="{FC2A11B8-72A4-438D-BC8C-ECF6BE2B8B5A}"/>
+              </a:ext>
+            </a:extLst>
+          </p:cNvPr>
+          <p:cNvSpPr/>
+          <p:nvPr/>
+        </p:nvSpPr>
+        <p:spPr>
+          <a:xfrm>
+            <a:off x="6428795" y="3682270"/>
+            <a:ext cx="3419263" cy="2519691"/>
+          </a:xfrm>
+          <a:prstGeom prst="rect">
+            <a:avLst/>
+          </a:prstGeom>
+          <a:solidFill>
+            <a:srgbClr val="3DCBBA"/>
+          </a:solidFill>
+          <a:ln>
+            <a:noFill/>
+          </a:ln>
+        </p:spPr>
+        <p:style>
+          <a:lnRef idx="2">
+            <a:schemeClr val="accent1">
+              <a:shade val="50000"/>
+            </a:schemeClr>
+          </a:lnRef>
+          <a:fillRef idx="1">
+            <a:schemeClr val="accent1"/>
+          </a:fillRef>
+          <a:effectRef idx="0">
+            <a:schemeClr val="accent1"/>
+          </a:effectRef>
+          <a:fontRef idx="minor">
+            <a:schemeClr val="lt1"/>
+          </a:fontRef>
+        </p:style>
+        <p:txBody>
+          <a:bodyPr rtlCol="0" anchor="ctr"/>
+          <a:lstStyle/>
+          <a:p>
+            <a:pPr algn="ctr"/>
+            <a:r>
+              <a:rPr lang="fr-FR" dirty="0"/>
+              <a:t>API web</a:t>
+            </a:r>
+          </a:p>
+        </p:txBody>
+      </p:sp>
+      <p:cxnSp>
+        <p:nvCxnSpPr>
+          <p:cNvPr id="19" name="Connecteur droit avec flèche 18">
+            <a:extLst>
+              <a:ext uri="{FF2B5EF4-FFF2-40B4-BE49-F238E27FC236}">
+                <a16:creationId xmlns:a16="http://schemas.microsoft.com/office/drawing/2014/main" id="{FC70DC38-AB66-4A85-A3C2-688218353266}"/>
+              </a:ext>
+            </a:extLst>
+          </p:cNvPr>
+          <p:cNvCxnSpPr>
+            <a:cxnSpLocks/>
+            <a:endCxn id="18" idx="0"/>
+          </p:cNvCxnSpPr>
+          <p:nvPr/>
+        </p:nvCxnSpPr>
+        <p:spPr>
+          <a:xfrm>
+            <a:off x="5869334" y="2181922"/>
+            <a:ext cx="2269093" cy="1500348"/>
+          </a:xfrm>
+          <a:prstGeom prst="straightConnector1">
+            <a:avLst/>
+          </a:prstGeom>
+          <a:ln w="28575">
+            <a:solidFill>
+              <a:srgbClr val="1FBB3D"/>
+            </a:solidFill>
+            <a:tailEnd type="triangle"/>
+          </a:ln>
+        </p:spPr>
+        <p:style>
+          <a:lnRef idx="1">
+            <a:schemeClr val="accent1"/>
+          </a:lnRef>
+          <a:fillRef idx="0">
+            <a:schemeClr val="accent1"/>
+          </a:fillRef>
+          <a:effectRef idx="0">
+            <a:schemeClr val="accent1"/>
+          </a:effectRef>
+          <a:fontRef idx="minor">
+            <a:schemeClr val="tx1"/>
+          </a:fontRef>
+        </p:style>
+      </p:cxnSp>
+      <p:cxnSp>
+        <p:nvCxnSpPr>
+          <p:cNvPr id="20" name="Connecteur droit avec flèche 19">
+            <a:extLst>
+              <a:ext uri="{FF2B5EF4-FFF2-40B4-BE49-F238E27FC236}">
+                <a16:creationId xmlns:a16="http://schemas.microsoft.com/office/drawing/2014/main" id="{A72AD73F-7162-48EB-8CD0-B52C4547FC99}"/>
+              </a:ext>
+            </a:extLst>
+          </p:cNvPr>
+          <p:cNvCxnSpPr>
+            <a:cxnSpLocks/>
+          </p:cNvCxnSpPr>
+          <p:nvPr/>
+        </p:nvCxnSpPr>
+        <p:spPr>
+          <a:xfrm flipH="1" flipV="1">
+            <a:off x="5591314" y="2181922"/>
+            <a:ext cx="1795138" cy="1500348"/>
+          </a:xfrm>
+          <a:prstGeom prst="straightConnector1">
+            <a:avLst/>
+          </a:prstGeom>
+          <a:ln w="28575">
+            <a:solidFill>
+              <a:srgbClr val="FF2D2D"/>
+            </a:solidFill>
+            <a:tailEnd type="triangle"/>
+          </a:ln>
+        </p:spPr>
+        <p:style>
+          <a:lnRef idx="1">
+            <a:schemeClr val="accent1"/>
+          </a:lnRef>
+          <a:fillRef idx="0">
+            <a:schemeClr val="accent1"/>
+          </a:fillRef>
+          <a:effectRef idx="0">
+            <a:schemeClr val="accent1"/>
+          </a:effectRef>
+          <a:fontRef idx="minor">
+            <a:schemeClr val="tx1"/>
+          </a:fontRef>
+        </p:style>
+      </p:cxnSp>
+      <p:sp>
+        <p:nvSpPr>
+          <p:cNvPr id="21" name="Rectangle 20">
+            <a:extLst>
+              <a:ext uri="{FF2B5EF4-FFF2-40B4-BE49-F238E27FC236}">
+                <a16:creationId xmlns:a16="http://schemas.microsoft.com/office/drawing/2014/main" id="{8AD39835-7BA2-4915-AEEE-9C2AFEC71AE0}"/>
+              </a:ext>
+            </a:extLst>
+          </p:cNvPr>
+          <p:cNvSpPr/>
+          <p:nvPr/>
+        </p:nvSpPr>
+        <p:spPr>
+          <a:xfrm>
+            <a:off x="10238133" y="2675637"/>
+            <a:ext cx="1037534" cy="467677"/>
+          </a:xfrm>
+          <a:prstGeom prst="rect">
+            <a:avLst/>
+          </a:prstGeom>
+          <a:solidFill>
+            <a:srgbClr val="3DCBBA"/>
+          </a:solidFill>
+          <a:ln>
+            <a:noFill/>
+          </a:ln>
+        </p:spPr>
+        <p:style>
+          <a:lnRef idx="2">
+            <a:schemeClr val="accent1">
+              <a:shade val="50000"/>
+            </a:schemeClr>
+          </a:lnRef>
+          <a:fillRef idx="1">
+            <a:schemeClr val="accent1"/>
+          </a:fillRef>
+          <a:effectRef idx="0">
+            <a:schemeClr val="accent1"/>
+          </a:effectRef>
+          <a:fontRef idx="minor">
+            <a:schemeClr val="lt1"/>
+          </a:fontRef>
+        </p:style>
+        <p:txBody>
+          <a:bodyPr rtlCol="0" anchor="ctr"/>
+          <a:lstStyle/>
+          <a:p>
+            <a:pPr algn="ctr"/>
+            <a:r>
+              <a:rPr lang="fr-FR" sz="1400" dirty="0"/>
+              <a:t>Service web</a:t>
+            </a:r>
+          </a:p>
+        </p:txBody>
+      </p:sp>
+      <p:cxnSp>
+        <p:nvCxnSpPr>
+          <p:cNvPr id="22" name="Connecteur droit avec flèche 21">
+            <a:extLst>
+              <a:ext uri="{FF2B5EF4-FFF2-40B4-BE49-F238E27FC236}">
+                <a16:creationId xmlns:a16="http://schemas.microsoft.com/office/drawing/2014/main" id="{C8C07296-CEC8-4E6F-9FBB-B478F205E7AF}"/>
+              </a:ext>
+            </a:extLst>
+          </p:cNvPr>
+          <p:cNvCxnSpPr>
+            <a:cxnSpLocks/>
+          </p:cNvCxnSpPr>
+          <p:nvPr/>
+        </p:nvCxnSpPr>
+        <p:spPr>
+          <a:xfrm>
+            <a:off x="10238133" y="3299594"/>
+            <a:ext cx="476101" cy="0"/>
+          </a:xfrm>
+          <a:prstGeom prst="straightConnector1">
+            <a:avLst/>
+          </a:prstGeom>
+          <a:ln w="28575">
+            <a:solidFill>
+              <a:srgbClr val="1FBB3D"/>
+            </a:solidFill>
+            <a:tailEnd type="triangle"/>
+          </a:ln>
+        </p:spPr>
+        <p:style>
+          <a:lnRef idx="1">
+            <a:schemeClr val="accent1"/>
+          </a:lnRef>
+          <a:fillRef idx="0">
+            <a:schemeClr val="accent1"/>
+          </a:fillRef>
+          <a:effectRef idx="0">
+            <a:schemeClr val="accent1"/>
+          </a:effectRef>
+          <a:fontRef idx="minor">
+            <a:schemeClr val="tx1"/>
+          </a:fontRef>
+        </p:style>
+      </p:cxnSp>
+      <p:sp>
+        <p:nvSpPr>
+          <p:cNvPr id="23" name="ZoneTexte 22">
+            <a:extLst>
+              <a:ext uri="{FF2B5EF4-FFF2-40B4-BE49-F238E27FC236}">
+                <a16:creationId xmlns:a16="http://schemas.microsoft.com/office/drawing/2014/main" id="{47674E7D-F572-4E5A-B61B-DAE99FF962DF}"/>
+              </a:ext>
+            </a:extLst>
+          </p:cNvPr>
+          <p:cNvSpPr txBox="1"/>
+          <p:nvPr/>
+        </p:nvSpPr>
+        <p:spPr>
+          <a:xfrm>
+            <a:off x="10756900" y="3146493"/>
+            <a:ext cx="676788" cy="261610"/>
+          </a:xfrm>
+          <a:prstGeom prst="rect">
+            <a:avLst/>
+          </a:prstGeom>
+          <a:noFill/>
+        </p:spPr>
+        <p:txBody>
+          <a:bodyPr wrap="none" rtlCol="0">
+            <a:spAutoFit/>
+          </a:bodyPr>
+          <a:lstStyle/>
+          <a:p>
+            <a:r>
+              <a:rPr lang="fr-FR" sz="1100" b="1" dirty="0">
+                <a:solidFill>
+                  <a:srgbClr val="1FBB3D"/>
+                </a:solidFill>
+              </a:rPr>
+              <a:t>Requête</a:t>
+            </a:r>
+          </a:p>
+        </p:txBody>
+      </p:sp>
+      <p:cxnSp>
+        <p:nvCxnSpPr>
+          <p:cNvPr id="24" name="Connecteur droit avec flèche 23">
+            <a:extLst>
+              <a:ext uri="{FF2B5EF4-FFF2-40B4-BE49-F238E27FC236}">
+                <a16:creationId xmlns:a16="http://schemas.microsoft.com/office/drawing/2014/main" id="{C8DCFF0B-0F69-48D8-90D0-8E3CD1CCA3C5}"/>
+              </a:ext>
+            </a:extLst>
+          </p:cNvPr>
+          <p:cNvCxnSpPr>
+            <a:cxnSpLocks/>
+          </p:cNvCxnSpPr>
+          <p:nvPr/>
+        </p:nvCxnSpPr>
+        <p:spPr>
+          <a:xfrm>
+            <a:off x="10238647" y="3484039"/>
+            <a:ext cx="476101" cy="0"/>
+          </a:xfrm>
+          <a:prstGeom prst="straightConnector1">
+            <a:avLst/>
+          </a:prstGeom>
+          <a:ln w="28575">
+            <a:solidFill>
+              <a:srgbClr val="FF2D2D"/>
+            </a:solidFill>
+            <a:headEnd type="triangle" w="med" len="med"/>
+            <a:tailEnd type="none" w="med" len="med"/>
+          </a:ln>
+        </p:spPr>
+        <p:style>
+          <a:lnRef idx="1">
+            <a:schemeClr val="accent1"/>
+          </a:lnRef>
+          <a:fillRef idx="0">
+            <a:schemeClr val="accent1"/>
+          </a:fillRef>
+          <a:effectRef idx="0">
+            <a:schemeClr val="accent1"/>
+          </a:effectRef>
+          <a:fontRef idx="minor">
+            <a:schemeClr val="tx1"/>
+          </a:fontRef>
+        </p:style>
+      </p:cxnSp>
+      <p:sp>
+        <p:nvSpPr>
+          <p:cNvPr id="25" name="ZoneTexte 24">
+            <a:extLst>
+              <a:ext uri="{FF2B5EF4-FFF2-40B4-BE49-F238E27FC236}">
+                <a16:creationId xmlns:a16="http://schemas.microsoft.com/office/drawing/2014/main" id="{FD9E9D23-3DB9-4976-8288-62145456F116}"/>
+              </a:ext>
+            </a:extLst>
+          </p:cNvPr>
+          <p:cNvSpPr txBox="1"/>
+          <p:nvPr/>
+        </p:nvSpPr>
+        <p:spPr>
+          <a:xfrm>
+            <a:off x="10757414" y="3330938"/>
+            <a:ext cx="506870" cy="261610"/>
+          </a:xfrm>
+          <a:prstGeom prst="rect">
+            <a:avLst/>
+          </a:prstGeom>
+          <a:noFill/>
+        </p:spPr>
+        <p:txBody>
+          <a:bodyPr wrap="none" rtlCol="0">
+            <a:spAutoFit/>
+          </a:bodyPr>
+          <a:lstStyle/>
+          <a:p>
+            <a:r>
+              <a:rPr lang="fr-FR" sz="1100" b="1" dirty="0">
+                <a:solidFill>
+                  <a:srgbClr val="FF0000"/>
+                </a:solidFill>
+              </a:rPr>
+              <a:t>Envoi</a:t>
+            </a:r>
+          </a:p>
+        </p:txBody>
+      </p:sp>
+      <p:sp>
+        <p:nvSpPr>
+          <p:cNvPr id="35" name="Rectangle 34">
+            <a:extLst>
+              <a:ext uri="{FF2B5EF4-FFF2-40B4-BE49-F238E27FC236}">
+                <a16:creationId xmlns:a16="http://schemas.microsoft.com/office/drawing/2014/main" id="{26445C7C-1418-4ABC-AEDD-A457390362ED}"/>
+              </a:ext>
+            </a:extLst>
+          </p:cNvPr>
+          <p:cNvSpPr/>
+          <p:nvPr/>
+        </p:nvSpPr>
+        <p:spPr>
+          <a:xfrm>
+            <a:off x="3426872" y="3949716"/>
+            <a:ext cx="1600200" cy="736600"/>
+          </a:xfrm>
+          <a:prstGeom prst="rect">
+            <a:avLst/>
+          </a:prstGeom>
+          <a:ln>
+            <a:noFill/>
+          </a:ln>
+        </p:spPr>
+        <p:style>
+          <a:lnRef idx="2">
+            <a:schemeClr val="accent1">
+              <a:shade val="50000"/>
+            </a:schemeClr>
+          </a:lnRef>
+          <a:fillRef idx="1">
+            <a:schemeClr val="accent1"/>
+          </a:fillRef>
+          <a:effectRef idx="0">
+            <a:schemeClr val="accent1"/>
+          </a:effectRef>
+          <a:fontRef idx="minor">
+            <a:schemeClr val="lt1"/>
+          </a:fontRef>
+        </p:style>
+        <p:txBody>
+          <a:bodyPr rtlCol="0" anchor="ctr"/>
+          <a:lstStyle/>
+          <a:p>
+            <a:pPr algn="ctr"/>
+            <a:r>
+              <a:rPr lang="fr-FR" dirty="0"/>
+              <a:t>Historique des mesure</a:t>
+            </a:r>
+          </a:p>
+        </p:txBody>
+      </p:sp>
+    </p:spTree>
+    <p:extLst>
+      <p:ext uri="{BB962C8B-B14F-4D97-AF65-F5344CB8AC3E}">
+        <p14:creationId xmlns:p14="http://schemas.microsoft.com/office/powerpoint/2010/main" val="1584584965"/>
+      </p:ext>
+    </p:extLst>
+  </p:cSld>
+  <p:clrMapOvr>
+    <a:masterClrMapping/>
+  </p:clrMapOvr>
+</p:sld>
+</file>
+
+<file path=ppt/slides/slide11.xml><?xml version="1.0" encoding="utf-8"?>
+<p:sld xmlns:a="http://schemas.openxmlformats.org/drawingml/2006/main" xmlns:r="http://schemas.openxmlformats.org/officeDocument/2006/relationships" xmlns:p="http://schemas.openxmlformats.org/presentationml/2006/main">
+  <p:cSld>
+    <p:spTree>
+      <p:nvGrpSpPr>
+        <p:cNvPr id="1" name=""/>
+        <p:cNvGrpSpPr/>
+        <p:nvPr/>
+      </p:nvGrpSpPr>
+      <p:grpSpPr>
+        <a:xfrm>
+          <a:off x="0" y="0"/>
+          <a:ext cx="0" cy="0"/>
+          <a:chOff x="0" y="0"/>
+          <a:chExt cx="0" cy="0"/>
+        </a:xfrm>
+      </p:grpSpPr>
+      <p:sp>
+        <p:nvSpPr>
+          <p:cNvPr id="2" name="Titre 1">
+            <a:extLst>
+              <a:ext uri="{FF2B5EF4-FFF2-40B4-BE49-F238E27FC236}">
                 <a16:creationId xmlns:a16="http://schemas.microsoft.com/office/drawing/2014/main" id="{296ABAF4-16BB-455B-A989-DDDA21C0064D}"/>
               </a:ext>
             </a:extLst>
@@ -5553,7 +6463,7 @@
             <a:pPr algn="ctr"/>
             <a:r>
               <a:rPr lang="fr-FR" sz="1400" dirty="0"/>
-              <a:t>Mise a jour</a:t>
+              <a:t>Mise à jour</a:t>
             </a:r>
           </a:p>
         </p:txBody>
@@ -5600,7 +6510,7 @@
             <a:pPr algn="ctr"/>
             <a:r>
               <a:rPr lang="fr-FR" sz="1400" dirty="0"/>
-              <a:t>Envoi Requête aux serveur</a:t>
+              <a:t>Envoi Requête aux serveurs</a:t>
             </a:r>
           </a:p>
         </p:txBody>
@@ -7106,7 +8016,7 @@
 </p:sld>
 </file>
 
-<file path=ppt/slides/slide11.xml><?xml version="1.0" encoding="utf-8"?>
+<file path=ppt/slides/slide12.xml><?xml version="1.0" encoding="utf-8"?>
 <p:sld xmlns:a="http://schemas.openxmlformats.org/drawingml/2006/main" xmlns:r="http://schemas.openxmlformats.org/officeDocument/2006/relationships" xmlns:p="http://schemas.openxmlformats.org/presentationml/2006/main">
   <p:cSld>
     <p:spTree>
@@ -8368,7 +9278,7 @@
             <a:pPr algn="ctr"/>
             <a:r>
               <a:rPr lang="fr-FR" sz="1400" dirty="0"/>
-              <a:t>Récupération des données du la BD</a:t>
+              <a:t>Récupération des données de la BD</a:t>
             </a:r>
           </a:p>
         </p:txBody>
@@ -8648,7 +9558,7 @@
 </p:sld>
 </file>
 
-<file path=ppt/slides/slide12.xml><?xml version="1.0" encoding="utf-8"?>
+<file path=ppt/slides/slide13.xml><?xml version="1.0" encoding="utf-8"?>
 <p:sld xmlns:a="http://schemas.openxmlformats.org/drawingml/2006/main" xmlns:r="http://schemas.openxmlformats.org/officeDocument/2006/relationships" xmlns:p="http://schemas.openxmlformats.org/presentationml/2006/main">
   <p:cSld>
     <p:spTree>
@@ -8744,7 +9654,7 @@
         </p:nvSpPr>
         <p:spPr>
           <a:xfrm>
-            <a:off x="10824358" y="962938"/>
+            <a:off x="10830296" y="750806"/>
             <a:ext cx="925644" cy="243041"/>
           </a:xfrm>
           <a:prstGeom prst="rect">
@@ -8791,7 +9701,7 @@
         </p:nvSpPr>
         <p:spPr>
           <a:xfrm>
-            <a:off x="10824356" y="684400"/>
+            <a:off x="10830294" y="472268"/>
             <a:ext cx="925645" cy="243041"/>
           </a:xfrm>
           <a:prstGeom prst="rect">
@@ -8826,53 +9736,6 @@
       </p:sp>
       <p:sp>
         <p:nvSpPr>
-          <p:cNvPr id="314" name="Rectangle 313">
-            <a:extLst>
-              <a:ext uri="{FF2B5EF4-FFF2-40B4-BE49-F238E27FC236}">
-                <a16:creationId xmlns:a16="http://schemas.microsoft.com/office/drawing/2014/main" id="{3E0A4216-081A-46EF-85A6-0008E988A272}"/>
-              </a:ext>
-            </a:extLst>
-          </p:cNvPr>
-          <p:cNvSpPr/>
-          <p:nvPr/>
-        </p:nvSpPr>
-        <p:spPr>
-          <a:xfrm>
-            <a:off x="10824356" y="409940"/>
-            <a:ext cx="925644" cy="243041"/>
-          </a:xfrm>
-          <a:prstGeom prst="rect">
-            <a:avLst/>
-          </a:prstGeom>
-        </p:spPr>
-        <p:style>
-          <a:lnRef idx="0">
-            <a:schemeClr val="accent4"/>
-          </a:lnRef>
-          <a:fillRef idx="3">
-            <a:schemeClr val="accent4"/>
-          </a:fillRef>
-          <a:effectRef idx="3">
-            <a:schemeClr val="accent4"/>
-          </a:effectRef>
-          <a:fontRef idx="minor">
-            <a:schemeClr val="lt1"/>
-          </a:fontRef>
-        </p:style>
-        <p:txBody>
-          <a:bodyPr rtlCol="0" anchor="ctr"/>
-          <a:lstStyle/>
-          <a:p>
-            <a:pPr algn="ctr"/>
-            <a:r>
-              <a:rPr lang="fr-FR" sz="1100" dirty="0"/>
-              <a:t>Vue</a:t>
-            </a:r>
-          </a:p>
-        </p:txBody>
-      </p:sp>
-      <p:sp>
-        <p:nvSpPr>
           <p:cNvPr id="44" name="Rectangle 43">
             <a:extLst>
               <a:ext uri="{FF2B5EF4-FFF2-40B4-BE49-F238E27FC236}">
@@ -8979,7 +9842,7 @@
         </p:nvSpPr>
         <p:spPr>
           <a:xfrm>
-            <a:off x="10824356" y="1237398"/>
+            <a:off x="10830294" y="1025266"/>
             <a:ext cx="925644" cy="243041"/>
           </a:xfrm>
           <a:prstGeom prst="rect">
@@ -9444,1138 +10307,6 @@
     <p:extLst>
       <p:ext uri="{BB962C8B-B14F-4D97-AF65-F5344CB8AC3E}">
         <p14:creationId xmlns:p14="http://schemas.microsoft.com/office/powerpoint/2010/main" val="1385922647"/>
-      </p:ext>
-    </p:extLst>
-  </p:cSld>
-  <p:clrMapOvr>
-    <a:masterClrMapping/>
-  </p:clrMapOvr>
-</p:sld>
-</file>
-
-<file path=ppt/slides/slide13.xml><?xml version="1.0" encoding="utf-8"?>
-<p:sld xmlns:a="http://schemas.openxmlformats.org/drawingml/2006/main" xmlns:r="http://schemas.openxmlformats.org/officeDocument/2006/relationships" xmlns:p="http://schemas.openxmlformats.org/presentationml/2006/main">
-  <p:cSld>
-    <p:spTree>
-      <p:nvGrpSpPr>
-        <p:cNvPr id="1" name=""/>
-        <p:cNvGrpSpPr/>
-        <p:nvPr/>
-      </p:nvGrpSpPr>
-      <p:grpSpPr>
-        <a:xfrm>
-          <a:off x="0" y="0"/>
-          <a:ext cx="0" cy="0"/>
-          <a:chOff x="0" y="0"/>
-          <a:chExt cx="0" cy="0"/>
-        </a:xfrm>
-      </p:grpSpPr>
-      <p:sp>
-        <p:nvSpPr>
-          <p:cNvPr id="2" name="Titre 1">
-            <a:extLst>
-              <a:ext uri="{FF2B5EF4-FFF2-40B4-BE49-F238E27FC236}">
-                <a16:creationId xmlns:a16="http://schemas.microsoft.com/office/drawing/2014/main" id="{5D0722A4-E90F-41FF-85C0-2B8A0F6F1D7B}"/>
-              </a:ext>
-            </a:extLst>
-          </p:cNvPr>
-          <p:cNvSpPr>
-            <a:spLocks noGrp="1"/>
-          </p:cNvSpPr>
-          <p:nvPr>
-            <p:ph type="title"/>
-          </p:nvPr>
-        </p:nvSpPr>
-        <p:spPr>
-          <a:xfrm>
-            <a:off x="1066800" y="642594"/>
-            <a:ext cx="10058400" cy="681175"/>
-          </a:xfrm>
-        </p:spPr>
-        <p:txBody>
-          <a:bodyPr/>
-          <a:lstStyle/>
-          <a:p>
-            <a:r>
-              <a:rPr lang="fr-FR" dirty="0"/>
-              <a:t>?</a:t>
-            </a:r>
-          </a:p>
-        </p:txBody>
-      </p:sp>
-      <p:sp>
-        <p:nvSpPr>
-          <p:cNvPr id="3" name="Espace réservé de la date 2">
-            <a:extLst>
-              <a:ext uri="{FF2B5EF4-FFF2-40B4-BE49-F238E27FC236}">
-                <a16:creationId xmlns:a16="http://schemas.microsoft.com/office/drawing/2014/main" id="{1AB8B9F2-2652-4A90-8751-F175BCE4DB80}"/>
-              </a:ext>
-            </a:extLst>
-          </p:cNvPr>
-          <p:cNvSpPr>
-            <a:spLocks noGrp="1"/>
-          </p:cNvSpPr>
-          <p:nvPr>
-            <p:ph type="dt" sz="half" idx="10"/>
-          </p:nvPr>
-        </p:nvSpPr>
-        <p:spPr/>
-        <p:txBody>
-          <a:bodyPr/>
-          <a:lstStyle/>
-          <a:p>
-            <a:pPr rtl="0"/>
-            <a:fld id="{25FB4F25-64BB-460E-8192-B4AC51BA66FC}" type="datetime1">
-              <a:rPr lang="fr-FR" smtClean="0"/>
-              <a:t>22/06/2021</a:t>
-            </a:fld>
-            <a:endParaRPr lang="en-US"/>
-          </a:p>
-        </p:txBody>
-      </p:sp>
-      <p:sp>
-        <p:nvSpPr>
-          <p:cNvPr id="4" name="Rectangle 3">
-            <a:extLst>
-              <a:ext uri="{FF2B5EF4-FFF2-40B4-BE49-F238E27FC236}">
-                <a16:creationId xmlns:a16="http://schemas.microsoft.com/office/drawing/2014/main" id="{C2A87361-6729-4522-9367-CA9670AA2BCC}"/>
-              </a:ext>
-            </a:extLst>
-          </p:cNvPr>
-          <p:cNvSpPr/>
-          <p:nvPr/>
-        </p:nvSpPr>
-        <p:spPr>
-          <a:xfrm>
-            <a:off x="1435100" y="2222516"/>
-            <a:ext cx="1600200" cy="736600"/>
-          </a:xfrm>
-          <a:prstGeom prst="rect">
-            <a:avLst/>
-          </a:prstGeom>
-          <a:ln>
-            <a:noFill/>
-          </a:ln>
-        </p:spPr>
-        <p:style>
-          <a:lnRef idx="2">
-            <a:schemeClr val="accent1">
-              <a:shade val="50000"/>
-            </a:schemeClr>
-          </a:lnRef>
-          <a:fillRef idx="1">
-            <a:schemeClr val="accent1"/>
-          </a:fillRef>
-          <a:effectRef idx="0">
-            <a:schemeClr val="accent1"/>
-          </a:effectRef>
-          <a:fontRef idx="minor">
-            <a:schemeClr val="lt1"/>
-          </a:fontRef>
-        </p:style>
-        <p:txBody>
-          <a:bodyPr rtlCol="0" anchor="ctr"/>
-          <a:lstStyle/>
-          <a:p>
-            <a:pPr algn="ctr"/>
-            <a:r>
-              <a:rPr lang="fr-FR" dirty="0"/>
-              <a:t>Application Client</a:t>
-            </a:r>
-          </a:p>
-        </p:txBody>
-      </p:sp>
-      <p:sp>
-        <p:nvSpPr>
-          <p:cNvPr id="5" name="Rectangle 4">
-            <a:extLst>
-              <a:ext uri="{FF2B5EF4-FFF2-40B4-BE49-F238E27FC236}">
-                <a16:creationId xmlns:a16="http://schemas.microsoft.com/office/drawing/2014/main" id="{DD60C427-2AA6-4C97-88BD-412265E54EFD}"/>
-              </a:ext>
-            </a:extLst>
-          </p:cNvPr>
-          <p:cNvSpPr/>
-          <p:nvPr/>
-        </p:nvSpPr>
-        <p:spPr>
-          <a:xfrm>
-            <a:off x="1291435" y="3949716"/>
-            <a:ext cx="1600200" cy="736600"/>
-          </a:xfrm>
-          <a:prstGeom prst="rect">
-            <a:avLst/>
-          </a:prstGeom>
-          <a:ln>
-            <a:noFill/>
-          </a:ln>
-        </p:spPr>
-        <p:style>
-          <a:lnRef idx="2">
-            <a:schemeClr val="accent1">
-              <a:shade val="50000"/>
-            </a:schemeClr>
-          </a:lnRef>
-          <a:fillRef idx="1">
-            <a:schemeClr val="accent1"/>
-          </a:fillRef>
-          <a:effectRef idx="0">
-            <a:schemeClr val="accent1"/>
-          </a:effectRef>
-          <a:fontRef idx="minor">
-            <a:schemeClr val="lt1"/>
-          </a:fontRef>
-        </p:style>
-        <p:txBody>
-          <a:bodyPr rtlCol="0" anchor="ctr"/>
-          <a:lstStyle/>
-          <a:p>
-            <a:pPr algn="ctr"/>
-            <a:r>
-              <a:rPr lang="fr-FR" dirty="0"/>
-              <a:t>Application Serveur</a:t>
-            </a:r>
-          </a:p>
-        </p:txBody>
-      </p:sp>
-      <p:cxnSp>
-        <p:nvCxnSpPr>
-          <p:cNvPr id="6" name="Connecteur droit avec flèche 5">
-            <a:extLst>
-              <a:ext uri="{FF2B5EF4-FFF2-40B4-BE49-F238E27FC236}">
-                <a16:creationId xmlns:a16="http://schemas.microsoft.com/office/drawing/2014/main" id="{C4AEACD9-4F51-41E1-8A0D-92791299562E}"/>
-              </a:ext>
-            </a:extLst>
-          </p:cNvPr>
-          <p:cNvCxnSpPr>
-            <a:cxnSpLocks/>
-          </p:cNvCxnSpPr>
-          <p:nvPr/>
-        </p:nvCxnSpPr>
-        <p:spPr>
-          <a:xfrm>
-            <a:off x="1866900" y="2959116"/>
-            <a:ext cx="0" cy="990600"/>
-          </a:xfrm>
-          <a:prstGeom prst="straightConnector1">
-            <a:avLst/>
-          </a:prstGeom>
-          <a:ln w="28575">
-            <a:solidFill>
-              <a:srgbClr val="1FBB3D"/>
-            </a:solidFill>
-            <a:tailEnd type="triangle"/>
-          </a:ln>
-        </p:spPr>
-        <p:style>
-          <a:lnRef idx="1">
-            <a:schemeClr val="accent1"/>
-          </a:lnRef>
-          <a:fillRef idx="0">
-            <a:schemeClr val="accent1"/>
-          </a:fillRef>
-          <a:effectRef idx="0">
-            <a:schemeClr val="accent1"/>
-          </a:effectRef>
-          <a:fontRef idx="minor">
-            <a:schemeClr val="tx1"/>
-          </a:fontRef>
-        </p:style>
-      </p:cxnSp>
-      <p:cxnSp>
-        <p:nvCxnSpPr>
-          <p:cNvPr id="7" name="Connecteur droit avec flèche 6">
-            <a:extLst>
-              <a:ext uri="{FF2B5EF4-FFF2-40B4-BE49-F238E27FC236}">
-                <a16:creationId xmlns:a16="http://schemas.microsoft.com/office/drawing/2014/main" id="{ABC01062-0F86-489E-9F7E-A7A32DFB91B0}"/>
-              </a:ext>
-            </a:extLst>
-          </p:cNvPr>
-          <p:cNvCxnSpPr>
-            <a:cxnSpLocks/>
-          </p:cNvCxnSpPr>
-          <p:nvPr/>
-        </p:nvCxnSpPr>
-        <p:spPr>
-          <a:xfrm flipV="1">
-            <a:off x="2476500" y="2959116"/>
-            <a:ext cx="0" cy="990600"/>
-          </a:xfrm>
-          <a:prstGeom prst="straightConnector1">
-            <a:avLst/>
-          </a:prstGeom>
-          <a:ln w="28575">
-            <a:solidFill>
-              <a:srgbClr val="FF2D2D"/>
-            </a:solidFill>
-            <a:tailEnd type="triangle"/>
-          </a:ln>
-        </p:spPr>
-        <p:style>
-          <a:lnRef idx="1">
-            <a:schemeClr val="accent1"/>
-          </a:lnRef>
-          <a:fillRef idx="0">
-            <a:schemeClr val="accent1"/>
-          </a:fillRef>
-          <a:effectRef idx="0">
-            <a:schemeClr val="accent1"/>
-          </a:effectRef>
-          <a:fontRef idx="minor">
-            <a:schemeClr val="tx1"/>
-          </a:fontRef>
-        </p:style>
-      </p:cxnSp>
-      <p:sp>
-        <p:nvSpPr>
-          <p:cNvPr id="8" name="Rectangle 7">
-            <a:extLst>
-              <a:ext uri="{FF2B5EF4-FFF2-40B4-BE49-F238E27FC236}">
-                <a16:creationId xmlns:a16="http://schemas.microsoft.com/office/drawing/2014/main" id="{CD7ADD3A-C374-4E09-968C-7092B1836103}"/>
-              </a:ext>
-            </a:extLst>
-          </p:cNvPr>
-          <p:cNvSpPr/>
-          <p:nvPr/>
-        </p:nvSpPr>
-        <p:spPr>
-          <a:xfrm>
-            <a:off x="1066800" y="3695715"/>
-            <a:ext cx="4696406" cy="2519691"/>
-          </a:xfrm>
-          <a:prstGeom prst="rect">
-            <a:avLst/>
-          </a:prstGeom>
-          <a:noFill/>
-          <a:ln w="19050">
-            <a:solidFill>
-              <a:srgbClr val="A60AA6"/>
-            </a:solidFill>
-            <a:prstDash val="dash"/>
-          </a:ln>
-        </p:spPr>
-        <p:style>
-          <a:lnRef idx="2">
-            <a:schemeClr val="accent1">
-              <a:shade val="50000"/>
-            </a:schemeClr>
-          </a:lnRef>
-          <a:fillRef idx="1">
-            <a:schemeClr val="accent1"/>
-          </a:fillRef>
-          <a:effectRef idx="0">
-            <a:schemeClr val="accent1"/>
-          </a:effectRef>
-          <a:fontRef idx="minor">
-            <a:schemeClr val="lt1"/>
-          </a:fontRef>
-        </p:style>
-        <p:txBody>
-          <a:bodyPr rtlCol="0" anchor="ctr"/>
-          <a:lstStyle/>
-          <a:p>
-            <a:pPr algn="ctr"/>
-            <a:endParaRPr lang="en-US"/>
-          </a:p>
-        </p:txBody>
-      </p:sp>
-      <p:sp>
-        <p:nvSpPr>
-          <p:cNvPr id="9" name="ZoneTexte 8">
-            <a:extLst>
-              <a:ext uri="{FF2B5EF4-FFF2-40B4-BE49-F238E27FC236}">
-                <a16:creationId xmlns:a16="http://schemas.microsoft.com/office/drawing/2014/main" id="{8606CDBF-AB8D-4457-8779-031C3614E46A}"/>
-              </a:ext>
-            </a:extLst>
-          </p:cNvPr>
-          <p:cNvSpPr txBox="1"/>
-          <p:nvPr/>
-        </p:nvSpPr>
-        <p:spPr>
-          <a:xfrm>
-            <a:off x="1061060" y="5876852"/>
-            <a:ext cx="1030475" cy="338554"/>
-          </a:xfrm>
-          <a:prstGeom prst="rect">
-            <a:avLst/>
-          </a:prstGeom>
-          <a:noFill/>
-        </p:spPr>
-        <p:txBody>
-          <a:bodyPr wrap="none" rtlCol="0">
-            <a:spAutoFit/>
-          </a:bodyPr>
-          <a:lstStyle/>
-          <a:p>
-            <a:r>
-              <a:rPr lang="fr-FR" sz="1600" dirty="0">
-                <a:solidFill>
-                  <a:srgbClr val="A60AA6"/>
-                </a:solidFill>
-              </a:rPr>
-              <a:t>Raspberry</a:t>
-            </a:r>
-          </a:p>
-        </p:txBody>
-      </p:sp>
-      <p:sp>
-        <p:nvSpPr>
-          <p:cNvPr id="10" name="Rectangle 9">
-            <a:extLst>
-              <a:ext uri="{FF2B5EF4-FFF2-40B4-BE49-F238E27FC236}">
-                <a16:creationId xmlns:a16="http://schemas.microsoft.com/office/drawing/2014/main" id="{93ED7391-ED43-462B-A167-459E75111D3A}"/>
-              </a:ext>
-            </a:extLst>
-          </p:cNvPr>
-          <p:cNvSpPr/>
-          <p:nvPr/>
-        </p:nvSpPr>
-        <p:spPr>
-          <a:xfrm>
-            <a:off x="3695354" y="5242259"/>
-            <a:ext cx="1600200" cy="736600"/>
-          </a:xfrm>
-          <a:prstGeom prst="rect">
-            <a:avLst/>
-          </a:prstGeom>
-          <a:solidFill>
-            <a:srgbClr val="A60AA6"/>
-          </a:solidFill>
-          <a:ln>
-            <a:noFill/>
-          </a:ln>
-        </p:spPr>
-        <p:style>
-          <a:lnRef idx="2">
-            <a:schemeClr val="accent1">
-              <a:shade val="50000"/>
-            </a:schemeClr>
-          </a:lnRef>
-          <a:fillRef idx="1">
-            <a:schemeClr val="accent1"/>
-          </a:fillRef>
-          <a:effectRef idx="0">
-            <a:schemeClr val="accent1"/>
-          </a:effectRef>
-          <a:fontRef idx="minor">
-            <a:schemeClr val="lt1"/>
-          </a:fontRef>
-        </p:style>
-        <p:txBody>
-          <a:bodyPr rtlCol="0" anchor="ctr"/>
-          <a:lstStyle/>
-          <a:p>
-            <a:pPr algn="ctr"/>
-            <a:r>
-              <a:rPr lang="fr-FR" dirty="0"/>
-              <a:t>Capteur BME280</a:t>
-            </a:r>
-          </a:p>
-        </p:txBody>
-      </p:sp>
-      <p:cxnSp>
-        <p:nvCxnSpPr>
-          <p:cNvPr id="11" name="Connecteur droit avec flèche 10">
-            <a:extLst>
-              <a:ext uri="{FF2B5EF4-FFF2-40B4-BE49-F238E27FC236}">
-                <a16:creationId xmlns:a16="http://schemas.microsoft.com/office/drawing/2014/main" id="{FCCDD629-EE97-4F77-B567-0AB160EABB0A}"/>
-              </a:ext>
-            </a:extLst>
-          </p:cNvPr>
-          <p:cNvCxnSpPr>
-            <a:cxnSpLocks/>
-          </p:cNvCxnSpPr>
-          <p:nvPr/>
-        </p:nvCxnSpPr>
-        <p:spPr>
-          <a:xfrm flipH="1">
-            <a:off x="2901624" y="4085226"/>
-            <a:ext cx="770677" cy="1"/>
-          </a:xfrm>
-          <a:prstGeom prst="straightConnector1">
-            <a:avLst/>
-          </a:prstGeom>
-          <a:ln w="28575">
-            <a:solidFill>
-              <a:srgbClr val="FF2D2D"/>
-            </a:solidFill>
-            <a:tailEnd type="triangle"/>
-          </a:ln>
-        </p:spPr>
-        <p:style>
-          <a:lnRef idx="1">
-            <a:schemeClr val="accent1"/>
-          </a:lnRef>
-          <a:fillRef idx="0">
-            <a:schemeClr val="accent1"/>
-          </a:fillRef>
-          <a:effectRef idx="0">
-            <a:schemeClr val="accent1"/>
-          </a:effectRef>
-          <a:fontRef idx="minor">
-            <a:schemeClr val="tx1"/>
-          </a:fontRef>
-        </p:style>
-      </p:cxnSp>
-      <p:sp>
-        <p:nvSpPr>
-          <p:cNvPr id="12" name="Rectangle 11">
-            <a:extLst>
-              <a:ext uri="{FF2B5EF4-FFF2-40B4-BE49-F238E27FC236}">
-                <a16:creationId xmlns:a16="http://schemas.microsoft.com/office/drawing/2014/main" id="{AFF97F6F-CFA7-4C2C-AC5E-A2088788E2F3}"/>
-              </a:ext>
-            </a:extLst>
-          </p:cNvPr>
-          <p:cNvSpPr/>
-          <p:nvPr/>
-        </p:nvSpPr>
-        <p:spPr>
-          <a:xfrm>
-            <a:off x="3695354" y="3941194"/>
-            <a:ext cx="1600200" cy="736600"/>
-          </a:xfrm>
-          <a:prstGeom prst="rect">
-            <a:avLst/>
-          </a:prstGeom>
-          <a:ln>
-            <a:noFill/>
-          </a:ln>
-        </p:spPr>
-        <p:style>
-          <a:lnRef idx="2">
-            <a:schemeClr val="accent1">
-              <a:shade val="50000"/>
-            </a:schemeClr>
-          </a:lnRef>
-          <a:fillRef idx="1">
-            <a:schemeClr val="accent1"/>
-          </a:fillRef>
-          <a:effectRef idx="0">
-            <a:schemeClr val="accent1"/>
-          </a:effectRef>
-          <a:fontRef idx="minor">
-            <a:schemeClr val="lt1"/>
-          </a:fontRef>
-        </p:style>
-        <p:txBody>
-          <a:bodyPr rtlCol="0" anchor="ctr"/>
-          <a:lstStyle/>
-          <a:p>
-            <a:pPr algn="ctr"/>
-            <a:r>
-              <a:rPr lang="fr-FR" dirty="0"/>
-              <a:t>Application capteur</a:t>
-            </a:r>
-          </a:p>
-        </p:txBody>
-      </p:sp>
-      <p:cxnSp>
-        <p:nvCxnSpPr>
-          <p:cNvPr id="13" name="Connecteur droit avec flèche 12">
-            <a:extLst>
-              <a:ext uri="{FF2B5EF4-FFF2-40B4-BE49-F238E27FC236}">
-                <a16:creationId xmlns:a16="http://schemas.microsoft.com/office/drawing/2014/main" id="{823E5E3B-4A14-4575-886E-94254CCE3784}"/>
-              </a:ext>
-            </a:extLst>
-          </p:cNvPr>
-          <p:cNvCxnSpPr>
-            <a:cxnSpLocks/>
-          </p:cNvCxnSpPr>
-          <p:nvPr/>
-        </p:nvCxnSpPr>
-        <p:spPr>
-          <a:xfrm>
-            <a:off x="2901624" y="4488452"/>
-            <a:ext cx="770677" cy="0"/>
-          </a:xfrm>
-          <a:prstGeom prst="straightConnector1">
-            <a:avLst/>
-          </a:prstGeom>
-          <a:ln w="28575">
-            <a:solidFill>
-              <a:srgbClr val="1FBB3D"/>
-            </a:solidFill>
-            <a:tailEnd type="triangle"/>
-          </a:ln>
-        </p:spPr>
-        <p:style>
-          <a:lnRef idx="1">
-            <a:schemeClr val="accent1"/>
-          </a:lnRef>
-          <a:fillRef idx="0">
-            <a:schemeClr val="accent1"/>
-          </a:fillRef>
-          <a:effectRef idx="0">
-            <a:schemeClr val="accent1"/>
-          </a:effectRef>
-          <a:fontRef idx="minor">
-            <a:schemeClr val="tx1"/>
-          </a:fontRef>
-        </p:style>
-      </p:cxnSp>
-      <p:sp>
-        <p:nvSpPr>
-          <p:cNvPr id="14" name="Rectangle 13">
-            <a:extLst>
-              <a:ext uri="{FF2B5EF4-FFF2-40B4-BE49-F238E27FC236}">
-                <a16:creationId xmlns:a16="http://schemas.microsoft.com/office/drawing/2014/main" id="{D5B72942-688D-4B2F-BDED-4A0973B74861}"/>
-              </a:ext>
-            </a:extLst>
-          </p:cNvPr>
-          <p:cNvSpPr/>
-          <p:nvPr/>
-        </p:nvSpPr>
-        <p:spPr>
-          <a:xfrm>
-            <a:off x="8375459" y="2235794"/>
-            <a:ext cx="1037534" cy="467677"/>
-          </a:xfrm>
-          <a:prstGeom prst="rect">
-            <a:avLst/>
-          </a:prstGeom>
-          <a:solidFill>
-            <a:srgbClr val="A60AA6"/>
-          </a:solidFill>
-          <a:ln>
-            <a:noFill/>
-          </a:ln>
-        </p:spPr>
-        <p:style>
-          <a:lnRef idx="2">
-            <a:schemeClr val="accent1">
-              <a:shade val="50000"/>
-            </a:schemeClr>
-          </a:lnRef>
-          <a:fillRef idx="1">
-            <a:schemeClr val="accent1"/>
-          </a:fillRef>
-          <a:effectRef idx="0">
-            <a:schemeClr val="accent1"/>
-          </a:effectRef>
-          <a:fontRef idx="minor">
-            <a:schemeClr val="lt1"/>
-          </a:fontRef>
-        </p:style>
-        <p:txBody>
-          <a:bodyPr rtlCol="0" anchor="ctr"/>
-          <a:lstStyle/>
-          <a:p>
-            <a:pPr algn="ctr"/>
-            <a:r>
-              <a:rPr lang="fr-FR" sz="1400" dirty="0"/>
-              <a:t>Matériel</a:t>
-            </a:r>
-          </a:p>
-        </p:txBody>
-      </p:sp>
-      <p:sp>
-        <p:nvSpPr>
-          <p:cNvPr id="15" name="Rectangle 14">
-            <a:extLst>
-              <a:ext uri="{FF2B5EF4-FFF2-40B4-BE49-F238E27FC236}">
-                <a16:creationId xmlns:a16="http://schemas.microsoft.com/office/drawing/2014/main" id="{A991627D-CF84-4366-9B99-8E5ED66EDC4E}"/>
-              </a:ext>
-            </a:extLst>
-          </p:cNvPr>
-          <p:cNvSpPr/>
-          <p:nvPr/>
-        </p:nvSpPr>
-        <p:spPr>
-          <a:xfrm>
-            <a:off x="8375459" y="2703471"/>
-            <a:ext cx="1037533" cy="467677"/>
-          </a:xfrm>
-          <a:prstGeom prst="rect">
-            <a:avLst/>
-          </a:prstGeom>
-          <a:ln>
-            <a:noFill/>
-          </a:ln>
-        </p:spPr>
-        <p:style>
-          <a:lnRef idx="2">
-            <a:schemeClr val="accent1">
-              <a:shade val="50000"/>
-            </a:schemeClr>
-          </a:lnRef>
-          <a:fillRef idx="1">
-            <a:schemeClr val="accent1"/>
-          </a:fillRef>
-          <a:effectRef idx="0">
-            <a:schemeClr val="accent1"/>
-          </a:effectRef>
-          <a:fontRef idx="minor">
-            <a:schemeClr val="lt1"/>
-          </a:fontRef>
-        </p:style>
-        <p:txBody>
-          <a:bodyPr rtlCol="0" anchor="ctr"/>
-          <a:lstStyle/>
-          <a:p>
-            <a:pPr algn="ctr"/>
-            <a:r>
-              <a:rPr lang="fr-FR" sz="1400" dirty="0"/>
-              <a:t>Logiciel</a:t>
-            </a:r>
-          </a:p>
-        </p:txBody>
-      </p:sp>
-      <p:cxnSp>
-        <p:nvCxnSpPr>
-          <p:cNvPr id="16" name="Connecteur droit avec flèche 15">
-            <a:extLst>
-              <a:ext uri="{FF2B5EF4-FFF2-40B4-BE49-F238E27FC236}">
-                <a16:creationId xmlns:a16="http://schemas.microsoft.com/office/drawing/2014/main" id="{262914F7-1C89-4417-8418-260F479F224C}"/>
-              </a:ext>
-            </a:extLst>
-          </p:cNvPr>
-          <p:cNvCxnSpPr>
-            <a:cxnSpLocks/>
-          </p:cNvCxnSpPr>
-          <p:nvPr/>
-        </p:nvCxnSpPr>
-        <p:spPr>
-          <a:xfrm>
-            <a:off x="4285904" y="4677794"/>
-            <a:ext cx="0" cy="564465"/>
-          </a:xfrm>
-          <a:prstGeom prst="straightConnector1">
-            <a:avLst/>
-          </a:prstGeom>
-          <a:ln w="28575">
-            <a:solidFill>
-              <a:srgbClr val="1FBB3D"/>
-            </a:solidFill>
-            <a:tailEnd type="triangle"/>
-          </a:ln>
-        </p:spPr>
-        <p:style>
-          <a:lnRef idx="1">
-            <a:schemeClr val="accent1"/>
-          </a:lnRef>
-          <a:fillRef idx="0">
-            <a:schemeClr val="accent1"/>
-          </a:fillRef>
-          <a:effectRef idx="0">
-            <a:schemeClr val="accent1"/>
-          </a:effectRef>
-          <a:fontRef idx="minor">
-            <a:schemeClr val="tx1"/>
-          </a:fontRef>
-        </p:style>
-      </p:cxnSp>
-      <p:cxnSp>
-        <p:nvCxnSpPr>
-          <p:cNvPr id="17" name="Connecteur droit avec flèche 16">
-            <a:extLst>
-              <a:ext uri="{FF2B5EF4-FFF2-40B4-BE49-F238E27FC236}">
-                <a16:creationId xmlns:a16="http://schemas.microsoft.com/office/drawing/2014/main" id="{ED75F946-8733-4F5F-8C76-D8C4AA32F424}"/>
-              </a:ext>
-            </a:extLst>
-          </p:cNvPr>
-          <p:cNvCxnSpPr>
-            <a:cxnSpLocks/>
-          </p:cNvCxnSpPr>
-          <p:nvPr/>
-        </p:nvCxnSpPr>
-        <p:spPr>
-          <a:xfrm flipV="1">
-            <a:off x="4682799" y="4686316"/>
-            <a:ext cx="0" cy="555943"/>
-          </a:xfrm>
-          <a:prstGeom prst="straightConnector1">
-            <a:avLst/>
-          </a:prstGeom>
-          <a:ln w="28575">
-            <a:solidFill>
-              <a:srgbClr val="FF2D2D"/>
-            </a:solidFill>
-            <a:tailEnd type="triangle"/>
-          </a:ln>
-        </p:spPr>
-        <p:style>
-          <a:lnRef idx="1">
-            <a:schemeClr val="accent1"/>
-          </a:lnRef>
-          <a:fillRef idx="0">
-            <a:schemeClr val="accent1"/>
-          </a:fillRef>
-          <a:effectRef idx="0">
-            <a:schemeClr val="accent1"/>
-          </a:effectRef>
-          <a:fontRef idx="minor">
-            <a:schemeClr val="tx1"/>
-          </a:fontRef>
-        </p:style>
-      </p:cxnSp>
-      <p:sp>
-        <p:nvSpPr>
-          <p:cNvPr id="18" name="Rectangle 17">
-            <a:extLst>
-              <a:ext uri="{FF2B5EF4-FFF2-40B4-BE49-F238E27FC236}">
-                <a16:creationId xmlns:a16="http://schemas.microsoft.com/office/drawing/2014/main" id="{FC2A11B8-72A4-438D-BC8C-ECF6BE2B8B5A}"/>
-              </a:ext>
-            </a:extLst>
-          </p:cNvPr>
-          <p:cNvSpPr/>
-          <p:nvPr/>
-        </p:nvSpPr>
-        <p:spPr>
-          <a:xfrm>
-            <a:off x="4682799" y="2219117"/>
-            <a:ext cx="1600200" cy="736600"/>
-          </a:xfrm>
-          <a:prstGeom prst="rect">
-            <a:avLst/>
-          </a:prstGeom>
-          <a:solidFill>
-            <a:srgbClr val="3DCBBA"/>
-          </a:solidFill>
-          <a:ln>
-            <a:noFill/>
-          </a:ln>
-        </p:spPr>
-        <p:style>
-          <a:lnRef idx="2">
-            <a:schemeClr val="accent1">
-              <a:shade val="50000"/>
-            </a:schemeClr>
-          </a:lnRef>
-          <a:fillRef idx="1">
-            <a:schemeClr val="accent1"/>
-          </a:fillRef>
-          <a:effectRef idx="0">
-            <a:schemeClr val="accent1"/>
-          </a:effectRef>
-          <a:fontRef idx="minor">
-            <a:schemeClr val="lt1"/>
-          </a:fontRef>
-        </p:style>
-        <p:txBody>
-          <a:bodyPr rtlCol="0" anchor="ctr"/>
-          <a:lstStyle/>
-          <a:p>
-            <a:pPr algn="ctr"/>
-            <a:r>
-              <a:rPr lang="fr-FR" dirty="0"/>
-              <a:t>API web</a:t>
-            </a:r>
-          </a:p>
-        </p:txBody>
-      </p:sp>
-      <p:cxnSp>
-        <p:nvCxnSpPr>
-          <p:cNvPr id="19" name="Connecteur droit avec flèche 18">
-            <a:extLst>
-              <a:ext uri="{FF2B5EF4-FFF2-40B4-BE49-F238E27FC236}">
-                <a16:creationId xmlns:a16="http://schemas.microsoft.com/office/drawing/2014/main" id="{FC70DC38-AB66-4A85-A3C2-688218353266}"/>
-              </a:ext>
-            </a:extLst>
-          </p:cNvPr>
-          <p:cNvCxnSpPr>
-            <a:cxnSpLocks/>
-          </p:cNvCxnSpPr>
-          <p:nvPr/>
-        </p:nvCxnSpPr>
-        <p:spPr>
-          <a:xfrm>
-            <a:off x="3029149" y="2381266"/>
-            <a:ext cx="1653650" cy="0"/>
-          </a:xfrm>
-          <a:prstGeom prst="straightConnector1">
-            <a:avLst/>
-          </a:prstGeom>
-          <a:ln w="28575">
-            <a:solidFill>
-              <a:srgbClr val="1FBB3D"/>
-            </a:solidFill>
-            <a:tailEnd type="triangle"/>
-          </a:ln>
-        </p:spPr>
-        <p:style>
-          <a:lnRef idx="1">
-            <a:schemeClr val="accent1"/>
-          </a:lnRef>
-          <a:fillRef idx="0">
-            <a:schemeClr val="accent1"/>
-          </a:fillRef>
-          <a:effectRef idx="0">
-            <a:schemeClr val="accent1"/>
-          </a:effectRef>
-          <a:fontRef idx="minor">
-            <a:schemeClr val="tx1"/>
-          </a:fontRef>
-        </p:style>
-      </p:cxnSp>
-      <p:cxnSp>
-        <p:nvCxnSpPr>
-          <p:cNvPr id="20" name="Connecteur droit avec flèche 19">
-            <a:extLst>
-              <a:ext uri="{FF2B5EF4-FFF2-40B4-BE49-F238E27FC236}">
-                <a16:creationId xmlns:a16="http://schemas.microsoft.com/office/drawing/2014/main" id="{A72AD73F-7162-48EB-8CD0-B52C4547FC99}"/>
-              </a:ext>
-            </a:extLst>
-          </p:cNvPr>
-          <p:cNvCxnSpPr>
-            <a:cxnSpLocks/>
-          </p:cNvCxnSpPr>
-          <p:nvPr/>
-        </p:nvCxnSpPr>
-        <p:spPr>
-          <a:xfrm flipH="1">
-            <a:off x="3029149" y="2800366"/>
-            <a:ext cx="1653651" cy="0"/>
-          </a:xfrm>
-          <a:prstGeom prst="straightConnector1">
-            <a:avLst/>
-          </a:prstGeom>
-          <a:ln w="28575">
-            <a:solidFill>
-              <a:srgbClr val="FF2D2D"/>
-            </a:solidFill>
-            <a:tailEnd type="triangle"/>
-          </a:ln>
-        </p:spPr>
-        <p:style>
-          <a:lnRef idx="1">
-            <a:schemeClr val="accent1"/>
-          </a:lnRef>
-          <a:fillRef idx="0">
-            <a:schemeClr val="accent1"/>
-          </a:fillRef>
-          <a:effectRef idx="0">
-            <a:schemeClr val="accent1"/>
-          </a:effectRef>
-          <a:fontRef idx="minor">
-            <a:schemeClr val="tx1"/>
-          </a:fontRef>
-        </p:style>
-      </p:cxnSp>
-      <p:sp>
-        <p:nvSpPr>
-          <p:cNvPr id="21" name="Rectangle 20">
-            <a:extLst>
-              <a:ext uri="{FF2B5EF4-FFF2-40B4-BE49-F238E27FC236}">
-                <a16:creationId xmlns:a16="http://schemas.microsoft.com/office/drawing/2014/main" id="{8AD39835-7BA2-4915-AEEE-9C2AFEC71AE0}"/>
-              </a:ext>
-            </a:extLst>
-          </p:cNvPr>
-          <p:cNvSpPr/>
-          <p:nvPr/>
-        </p:nvSpPr>
-        <p:spPr>
-          <a:xfrm>
-            <a:off x="8375458" y="3168315"/>
-            <a:ext cx="1037534" cy="467677"/>
-          </a:xfrm>
-          <a:prstGeom prst="rect">
-            <a:avLst/>
-          </a:prstGeom>
-          <a:solidFill>
-            <a:srgbClr val="3DCBBA"/>
-          </a:solidFill>
-          <a:ln>
-            <a:noFill/>
-          </a:ln>
-        </p:spPr>
-        <p:style>
-          <a:lnRef idx="2">
-            <a:schemeClr val="accent1">
-              <a:shade val="50000"/>
-            </a:schemeClr>
-          </a:lnRef>
-          <a:fillRef idx="1">
-            <a:schemeClr val="accent1"/>
-          </a:fillRef>
-          <a:effectRef idx="0">
-            <a:schemeClr val="accent1"/>
-          </a:effectRef>
-          <a:fontRef idx="minor">
-            <a:schemeClr val="lt1"/>
-          </a:fontRef>
-        </p:style>
-        <p:txBody>
-          <a:bodyPr rtlCol="0" anchor="ctr"/>
-          <a:lstStyle/>
-          <a:p>
-            <a:pPr algn="ctr"/>
-            <a:r>
-              <a:rPr lang="fr-FR" sz="1400" dirty="0"/>
-              <a:t>Service web</a:t>
-            </a:r>
-          </a:p>
-        </p:txBody>
-      </p:sp>
-      <p:cxnSp>
-        <p:nvCxnSpPr>
-          <p:cNvPr id="22" name="Connecteur droit avec flèche 21">
-            <a:extLst>
-              <a:ext uri="{FF2B5EF4-FFF2-40B4-BE49-F238E27FC236}">
-                <a16:creationId xmlns:a16="http://schemas.microsoft.com/office/drawing/2014/main" id="{C8C07296-CEC8-4E6F-9FBB-B478F205E7AF}"/>
-              </a:ext>
-            </a:extLst>
-          </p:cNvPr>
-          <p:cNvCxnSpPr>
-            <a:cxnSpLocks/>
-          </p:cNvCxnSpPr>
-          <p:nvPr/>
-        </p:nvCxnSpPr>
-        <p:spPr>
-          <a:xfrm>
-            <a:off x="8375458" y="3792272"/>
-            <a:ext cx="476101" cy="0"/>
-          </a:xfrm>
-          <a:prstGeom prst="straightConnector1">
-            <a:avLst/>
-          </a:prstGeom>
-          <a:ln w="28575">
-            <a:solidFill>
-              <a:srgbClr val="1FBB3D"/>
-            </a:solidFill>
-            <a:tailEnd type="triangle"/>
-          </a:ln>
-        </p:spPr>
-        <p:style>
-          <a:lnRef idx="1">
-            <a:schemeClr val="accent1"/>
-          </a:lnRef>
-          <a:fillRef idx="0">
-            <a:schemeClr val="accent1"/>
-          </a:fillRef>
-          <a:effectRef idx="0">
-            <a:schemeClr val="accent1"/>
-          </a:effectRef>
-          <a:fontRef idx="minor">
-            <a:schemeClr val="tx1"/>
-          </a:fontRef>
-        </p:style>
-      </p:cxnSp>
-      <p:sp>
-        <p:nvSpPr>
-          <p:cNvPr id="23" name="ZoneTexte 22">
-            <a:extLst>
-              <a:ext uri="{FF2B5EF4-FFF2-40B4-BE49-F238E27FC236}">
-                <a16:creationId xmlns:a16="http://schemas.microsoft.com/office/drawing/2014/main" id="{47674E7D-F572-4E5A-B61B-DAE99FF962DF}"/>
-              </a:ext>
-            </a:extLst>
-          </p:cNvPr>
-          <p:cNvSpPr txBox="1"/>
-          <p:nvPr/>
-        </p:nvSpPr>
-        <p:spPr>
-          <a:xfrm>
-            <a:off x="8894225" y="3639171"/>
-            <a:ext cx="676788" cy="261610"/>
-          </a:xfrm>
-          <a:prstGeom prst="rect">
-            <a:avLst/>
-          </a:prstGeom>
-          <a:noFill/>
-        </p:spPr>
-        <p:txBody>
-          <a:bodyPr wrap="none" rtlCol="0">
-            <a:spAutoFit/>
-          </a:bodyPr>
-          <a:lstStyle/>
-          <a:p>
-            <a:r>
-              <a:rPr lang="fr-FR" sz="1100" b="1" dirty="0">
-                <a:solidFill>
-                  <a:srgbClr val="1FBB3D"/>
-                </a:solidFill>
-              </a:rPr>
-              <a:t>Requête</a:t>
-            </a:r>
-          </a:p>
-        </p:txBody>
-      </p:sp>
-      <p:cxnSp>
-        <p:nvCxnSpPr>
-          <p:cNvPr id="24" name="Connecteur droit avec flèche 23">
-            <a:extLst>
-              <a:ext uri="{FF2B5EF4-FFF2-40B4-BE49-F238E27FC236}">
-                <a16:creationId xmlns:a16="http://schemas.microsoft.com/office/drawing/2014/main" id="{C8DCFF0B-0F69-48D8-90D0-8E3CD1CCA3C5}"/>
-              </a:ext>
-            </a:extLst>
-          </p:cNvPr>
-          <p:cNvCxnSpPr>
-            <a:cxnSpLocks/>
-          </p:cNvCxnSpPr>
-          <p:nvPr/>
-        </p:nvCxnSpPr>
-        <p:spPr>
-          <a:xfrm>
-            <a:off x="8375972" y="3976717"/>
-            <a:ext cx="476101" cy="0"/>
-          </a:xfrm>
-          <a:prstGeom prst="straightConnector1">
-            <a:avLst/>
-          </a:prstGeom>
-          <a:ln w="28575">
-            <a:solidFill>
-              <a:srgbClr val="FF2D2D"/>
-            </a:solidFill>
-            <a:headEnd type="triangle" w="med" len="med"/>
-            <a:tailEnd type="none" w="med" len="med"/>
-          </a:ln>
-        </p:spPr>
-        <p:style>
-          <a:lnRef idx="1">
-            <a:schemeClr val="accent1"/>
-          </a:lnRef>
-          <a:fillRef idx="0">
-            <a:schemeClr val="accent1"/>
-          </a:fillRef>
-          <a:effectRef idx="0">
-            <a:schemeClr val="accent1"/>
-          </a:effectRef>
-          <a:fontRef idx="minor">
-            <a:schemeClr val="tx1"/>
-          </a:fontRef>
-        </p:style>
-      </p:cxnSp>
-      <p:sp>
-        <p:nvSpPr>
-          <p:cNvPr id="25" name="ZoneTexte 24">
-            <a:extLst>
-              <a:ext uri="{FF2B5EF4-FFF2-40B4-BE49-F238E27FC236}">
-                <a16:creationId xmlns:a16="http://schemas.microsoft.com/office/drawing/2014/main" id="{FD9E9D23-3DB9-4976-8288-62145456F116}"/>
-              </a:ext>
-            </a:extLst>
-          </p:cNvPr>
-          <p:cNvSpPr txBox="1"/>
-          <p:nvPr/>
-        </p:nvSpPr>
-        <p:spPr>
-          <a:xfrm>
-            <a:off x="8894739" y="3823616"/>
-            <a:ext cx="506870" cy="261610"/>
-          </a:xfrm>
-          <a:prstGeom prst="rect">
-            <a:avLst/>
-          </a:prstGeom>
-          <a:noFill/>
-        </p:spPr>
-        <p:txBody>
-          <a:bodyPr wrap="none" rtlCol="0">
-            <a:spAutoFit/>
-          </a:bodyPr>
-          <a:lstStyle/>
-          <a:p>
-            <a:r>
-              <a:rPr lang="fr-FR" sz="1100" b="1" dirty="0">
-                <a:solidFill>
-                  <a:srgbClr val="FF0000"/>
-                </a:solidFill>
-              </a:rPr>
-              <a:t>Envoi</a:t>
-            </a:r>
-          </a:p>
-        </p:txBody>
-      </p:sp>
-    </p:spTree>
-    <p:extLst>
-      <p:ext uri="{BB962C8B-B14F-4D97-AF65-F5344CB8AC3E}">
-        <p14:creationId xmlns:p14="http://schemas.microsoft.com/office/powerpoint/2010/main" val="1584584965"/>
       </p:ext>
     </p:extLst>
   </p:cSld>
@@ -10779,6 +10510,9 @@
           <a:bodyPr/>
           <a:lstStyle/>
           <a:p>
+            <a:endParaRPr lang="fr-FR" dirty="0"/>
+          </a:p>
+          <a:p>
             <a:r>
               <a:rPr lang="fr-FR" dirty="0"/>
               <a:t>Lucas SANER</a:t>
@@ -11056,8 +10790,8 @@
         </p:nvSpPr>
         <p:spPr>
           <a:xfrm>
-            <a:off x="2529444" y="2381003"/>
-            <a:ext cx="6078908" cy="3139321"/>
+            <a:off x="2036618" y="1941616"/>
+            <a:ext cx="6000361" cy="3693319"/>
           </a:xfrm>
           <a:prstGeom prst="rect">
             <a:avLst/>
@@ -11154,8 +10888,33 @@
           </a:p>
           <a:p>
             <a:r>
+              <a:rPr lang="fr-FR" dirty="0" err="1"/>
+              <a:t>Mobaxterm</a:t>
+            </a:r>
+            <a:r>
+              <a:rPr lang="fr-FR" dirty="0"/>
+              <a:t> : connexion en </a:t>
+            </a:r>
+            <a:r>
+              <a:rPr lang="fr-FR" dirty="0" err="1"/>
+              <a:t>ssh</a:t>
+            </a:r>
+            <a:endParaRPr lang="fr-FR" dirty="0"/>
+          </a:p>
+          <a:p>
+            <a:r>
               <a:rPr lang="fr-FR" dirty="0"/>
               <a:t>Capteur BME280 : Température / Pression / Humidité</a:t>
+            </a:r>
+          </a:p>
+          <a:p>
+            <a:r>
+              <a:rPr lang="fr-FR" dirty="0" err="1"/>
+              <a:t>Api’s</a:t>
+            </a:r>
+            <a:r>
+              <a:rPr lang="fr-FR" dirty="0"/>
+              <a:t> Web</a:t>
             </a:r>
           </a:p>
         </p:txBody>
@@ -11370,31 +11129,33 @@
             <a:pPr lvl="1"/>
             <a:r>
               <a:rPr lang="fr-FR" dirty="0"/>
-              <a:t>Des donnée température / humidité / pression en </a:t>
-            </a:r>
-            <a:r>
-              <a:rPr lang="fr-FR" dirty="0" err="1"/>
-              <a:t>celsius</a:t>
-            </a:r>
+              <a:t>Des donnée température / humidité / pression</a:t>
+            </a:r>
+          </a:p>
+          <a:p>
+            <a:pPr lvl="1"/>
+            <a:r>
+              <a:rPr lang="fr-FR" dirty="0"/>
+              <a:t>Temps / icone</a:t>
+            </a:r>
+          </a:p>
+          <a:p>
+            <a:pPr lvl="1"/>
+            <a:r>
+              <a:rPr lang="fr-FR" dirty="0"/>
+              <a:t>Prévisions 5 jours</a:t>
+            </a:r>
+          </a:p>
+          <a:p>
+            <a:pPr lvl="1"/>
+            <a:r>
+              <a:rPr lang="fr-FR" dirty="0"/>
+              <a:t>Choix de la ville</a:t>
+            </a:r>
+          </a:p>
+          <a:p>
+            <a:pPr lvl="1"/>
             <a:endParaRPr lang="fr-FR" dirty="0"/>
-          </a:p>
-          <a:p>
-            <a:pPr lvl="1"/>
-            <a:r>
-              <a:rPr lang="fr-FR" dirty="0"/>
-              <a:t>Temps / icone</a:t>
-            </a:r>
-          </a:p>
-          <a:p>
-            <a:pPr lvl="1"/>
-            <a:r>
-              <a:rPr lang="fr-FR" dirty="0" err="1"/>
-              <a:t>Previsions</a:t>
-            </a:r>
-            <a:r>
-              <a:rPr lang="fr-FR" dirty="0"/>
-              <a:t> 5 jours</a:t>
-            </a:r>
           </a:p>
           <a:p>
             <a:pPr lvl="1"/>
@@ -11647,7 +11408,7 @@
           <a:p>
             <a:r>
               <a:rPr lang="fr-FR" dirty="0"/>
-              <a:t>Serveur NGINX + App CGI : trop lourd pour ce qu’il y a faire, pas besoin du HTTPS</a:t>
+              <a:t>Serveur NGINX/APACHE2 + App CGI : trop lourd pour ce qu’il y a faire, pas besoin du HTTPS</a:t>
             </a:r>
           </a:p>
           <a:p>
@@ -11734,7 +11495,7 @@
             </a:r>
             <a:r>
               <a:rPr lang="fr-FR" dirty="0" err="1"/>
-              <a:t>nodejs</a:t>
+              <a:t>node-js</a:t>
             </a:r>
             <a:endParaRPr lang="fr-FR" dirty="0"/>
           </a:p>
@@ -11761,12 +11522,9 @@
             </a:r>
             <a:r>
               <a:rPr lang="fr-FR" dirty="0" err="1"/>
-              <a:t>debianUv-cpp</a:t>
-            </a:r>
-            <a:r>
-              <a:rPr lang="fr-FR" dirty="0"/>
-              <a:t> :</a:t>
-            </a:r>
+              <a:t>debian</a:t>
+            </a:r>
+            <a:endParaRPr lang="fr-FR" dirty="0"/>
           </a:p>
           <a:p>
             <a:pPr lvl="1"/>
@@ -11978,7 +11736,7 @@
           <a:p>
             <a:r>
               <a:rPr lang="fr-FR" dirty="0"/>
-              <a:t>capteur BME280</a:t>
+              <a:t>Capteur BME280</a:t>
             </a:r>
           </a:p>
         </p:txBody>
@@ -12783,12 +12541,9 @@
             </a:r>
             <a:r>
               <a:rPr lang="fr-FR" dirty="0" err="1"/>
-              <a:t>debianUv-cpp</a:t>
-            </a:r>
-            <a:r>
-              <a:rPr lang="fr-FR" dirty="0"/>
-              <a:t> :</a:t>
-            </a:r>
+              <a:t>debian</a:t>
+            </a:r>
+            <a:endParaRPr lang="fr-FR" dirty="0"/>
           </a:p>
           <a:p>
             <a:pPr lvl="1"/>
@@ -12825,12 +12580,8 @@
           <a:p>
             <a:pPr lvl="2"/>
             <a:r>
-              <a:rPr lang="fr-FR" dirty="0" err="1"/>
-              <a:t>Dispoiltié</a:t>
-            </a:r>
-            <a:r>
-              <a:rPr lang="fr-FR" dirty="0"/>
-              <a:t> </a:t>
+              <a:rPr lang="fr-FR" dirty="0"/>
+              <a:t>Disponibilité </a:t>
             </a:r>
             <a:r>
               <a:rPr lang="fr-FR" dirty="0" err="1"/>
@@ -12844,30 +12595,16 @@
           <a:p>
             <a:pPr lvl="2"/>
             <a:r>
-              <a:rPr lang="fr-FR" dirty="0" err="1"/>
-              <a:t>Fonctionnment</a:t>
-            </a:r>
-            <a:r>
-              <a:rPr lang="fr-FR" dirty="0"/>
-              <a:t> moderne </a:t>
-            </a:r>
-            <a:r>
-              <a:rPr lang="fr-FR" dirty="0" err="1"/>
-              <a:t>asynchorne</a:t>
-            </a:r>
-            <a:endParaRPr lang="fr-FR" dirty="0"/>
+              <a:rPr lang="fr-FR" dirty="0"/>
+              <a:t>Fonctionnement moderne asynchrone (? Doit on mettre ces termes ou les expliquer)</a:t>
+            </a:r>
           </a:p>
           <a:p>
             <a:pPr lvl="2"/>
             <a:r>
               <a:rPr lang="fr-FR" dirty="0"/>
-              <a:t>Fonction lambda pour les </a:t>
-            </a:r>
-            <a:r>
-              <a:rPr lang="fr-FR" dirty="0" err="1"/>
-              <a:t>cakllback</a:t>
-            </a:r>
-            <a:endParaRPr lang="fr-FR" dirty="0"/>
+              <a:t>Fonction lambda pour les callback (? Doit on mettre ces termes ou les expliquer)</a:t>
+            </a:r>
           </a:p>
           <a:p>
             <a:pPr lvl="1"/>
@@ -12883,12 +12620,8 @@
           <a:p>
             <a:pPr lvl="2"/>
             <a:r>
-              <a:rPr lang="fr-FR" dirty="0" err="1"/>
-              <a:t>dependant</a:t>
-            </a:r>
-            <a:r>
-              <a:rPr lang="fr-FR" dirty="0"/>
-              <a:t> de boost</a:t>
+              <a:rPr lang="fr-FR" dirty="0"/>
+              <a:t>dépendant de boost</a:t>
             </a:r>
           </a:p>
           <a:p>
@@ -12910,8 +12643,12 @@
             </a:r>
             <a:r>
               <a:rPr lang="fr-FR" dirty="0"/>
-              <a:t>, temps de compilation rallongé, usine a gaz,</a:t>
-            </a:r>
+              <a:t>, temps de compilation rallongé, usine a gaz. (? Doit on mettre ces termes ou les expliquer, pas très objectif)</a:t>
+            </a:r>
+          </a:p>
+          <a:p>
+            <a:pPr lvl="2"/>
+            <a:endParaRPr lang="fr-FR" dirty="0"/>
           </a:p>
         </p:txBody>
       </p:sp>
@@ -13005,13 +12742,8 @@
           <a:p>
             <a:r>
               <a:rPr lang="fr-FR" dirty="0"/>
-              <a:t>Format de donnée d’</a:t>
-            </a:r>
-            <a:r>
-              <a:rPr lang="fr-FR" dirty="0" err="1"/>
-              <a:t>echanges</a:t>
-            </a:r>
-            <a:endParaRPr lang="fr-FR" dirty="0"/>
+              <a:t>Format de donnée d’échanges</a:t>
+            </a:r>
           </a:p>
         </p:txBody>
       </p:sp>
@@ -13065,7 +12797,15 @@
             <a:pPr lvl="1"/>
             <a:r>
               <a:rPr lang="fr-FR" dirty="0"/>
-              <a:t>Plus Compliqué a génèrera et a analyser</a:t>
+              <a:t>Plus Compliqué a </a:t>
+            </a:r>
+            <a:r>
+              <a:rPr lang="fr-FR" dirty="0" err="1"/>
+              <a:t>génèrer</a:t>
+            </a:r>
+            <a:r>
+              <a:rPr lang="fr-FR" dirty="0"/>
+              <a:t> et a analyser</a:t>
             </a:r>
           </a:p>
           <a:p>
@@ -13079,20 +12819,20 @@
             <a:pPr lvl="1"/>
             <a:r>
               <a:rPr lang="fr-FR" dirty="0"/>
-              <a:t>Format ASCII</a:t>
-            </a:r>
-          </a:p>
-          <a:p>
-            <a:r>
-              <a:rPr lang="fr-FR" dirty="0"/>
-              <a:t>JSON :</a:t>
+              <a:t>Format ASCII / Texte</a:t>
+            </a:r>
+          </a:p>
+          <a:p>
+            <a:r>
+              <a:rPr lang="fr-FR" dirty="0"/>
+              <a:t>JSON : </a:t>
             </a:r>
           </a:p>
           <a:p>
             <a:pPr lvl="1"/>
             <a:r>
               <a:rPr lang="fr-FR" dirty="0"/>
-              <a:t>Orienté données</a:t>
+              <a:t>Orienté données </a:t>
             </a:r>
           </a:p>
           <a:p>
@@ -13106,7 +12846,7 @@
             <a:pPr lvl="1"/>
             <a:r>
               <a:rPr lang="fr-FR" dirty="0"/>
-              <a:t>Format ASCII</a:t>
+              <a:t>Format ASCII / Texte</a:t>
             </a:r>
           </a:p>
           <a:p>
@@ -13154,7 +12894,7 @@
             <a:pPr lvl="2"/>
             <a:r>
               <a:rPr lang="fr-FR" dirty="0"/>
-              <a:t>Pas vraiment utile vu la quantité de donné a échanger par le réseau.</a:t>
+              <a:t>Pas vraiment utile vu la quantité de donnée a échanger par le réseau dans notre cas</a:t>
             </a:r>
           </a:p>
           <a:p>
@@ -13291,120 +13031,48 @@
           <a:p>
             <a:r>
               <a:rPr lang="fr-FR" dirty="0"/>
-              <a:t>Envoi/</a:t>
+              <a:t>Envoi/Réception requête a un serveur web :</a:t>
+            </a:r>
+          </a:p>
+          <a:p>
+            <a:pPr lvl="1"/>
+            <a:r>
+              <a:rPr lang="fr-FR" dirty="0"/>
+              <a:t>Module QT Network : supporte la communication synchrone / asynchrone</a:t>
+            </a:r>
+          </a:p>
+          <a:p>
+            <a:r>
+              <a:rPr lang="fr-FR" dirty="0"/>
+              <a:t>Support de diffèrent langage français / anglais</a:t>
+            </a:r>
+          </a:p>
+          <a:p>
+            <a:pPr lvl="1"/>
+            <a:r>
+              <a:rPr lang="fr-FR" dirty="0"/>
+              <a:t>Module QT Translator : support facile via </a:t>
             </a:r>
             <a:r>
               <a:rPr lang="fr-FR" dirty="0" err="1"/>
-              <a:t>reception</a:t>
-            </a:r>
-            <a:r>
-              <a:rPr lang="fr-FR" dirty="0"/>
-              <a:t> </a:t>
-            </a:r>
-            <a:r>
-              <a:rPr lang="fr-FR" dirty="0" err="1"/>
-              <a:t>requete</a:t>
-            </a:r>
-            <a:r>
-              <a:rPr lang="fr-FR" dirty="0"/>
-              <a:t> a un serveur web :</a:t>
+              <a:t>QtLinguist</a:t>
+            </a:r>
+            <a:r>
+              <a:rPr lang="fr-FR" dirty="0"/>
+              <a:t> (logiciel pour gérer les traductions), très facile a mettre en place</a:t>
+            </a:r>
+          </a:p>
+          <a:p>
+            <a:r>
+              <a:rPr lang="fr-FR" dirty="0"/>
+              <a:t>Affichage de graphique :</a:t>
             </a:r>
           </a:p>
           <a:p>
             <a:pPr lvl="1"/>
             <a:r>
               <a:rPr lang="fr-FR" dirty="0"/>
-              <a:t>QT network : supporte la communication synchrone / asynchrone</a:t>
-            </a:r>
-          </a:p>
-          <a:p>
-            <a:r>
-              <a:rPr lang="fr-FR" dirty="0"/>
-              <a:t>Support de </a:t>
-            </a:r>
-            <a:r>
-              <a:rPr lang="fr-FR" dirty="0" err="1"/>
-              <a:t>different</a:t>
-            </a:r>
-            <a:r>
-              <a:rPr lang="fr-FR" dirty="0"/>
-              <a:t> langage </a:t>
-            </a:r>
-            <a:r>
-              <a:rPr lang="fr-FR" dirty="0" err="1"/>
-              <a:t>francais</a:t>
-            </a:r>
-            <a:r>
-              <a:rPr lang="fr-FR" dirty="0"/>
-              <a:t> / anglais</a:t>
-            </a:r>
-          </a:p>
-          <a:p>
-            <a:pPr lvl="1"/>
-            <a:r>
-              <a:rPr lang="fr-FR" dirty="0"/>
-              <a:t>QT </a:t>
-            </a:r>
-            <a:r>
-              <a:rPr lang="fr-FR" dirty="0" err="1"/>
-              <a:t>trnanslator</a:t>
-            </a:r>
-            <a:r>
-              <a:rPr lang="fr-FR" dirty="0"/>
-              <a:t> : support </a:t>
-            </a:r>
-            <a:r>
-              <a:rPr lang="fr-FR" dirty="0" err="1"/>
-              <a:t>faiclita</a:t>
-            </a:r>
-            <a:r>
-              <a:rPr lang="fr-FR" dirty="0"/>
-              <a:t> via </a:t>
-            </a:r>
-            <a:r>
-              <a:rPr lang="fr-FR" dirty="0" err="1"/>
-              <a:t>Qtlinguist</a:t>
-            </a:r>
-            <a:r>
-              <a:rPr lang="fr-FR" dirty="0"/>
-              <a:t>, </a:t>
-            </a:r>
-            <a:r>
-              <a:rPr lang="fr-FR" dirty="0" err="1"/>
-              <a:t>tres</a:t>
-            </a:r>
-            <a:r>
-              <a:rPr lang="fr-FR" dirty="0"/>
-              <a:t> facile a mettre en place</a:t>
-            </a:r>
-          </a:p>
-          <a:p>
-            <a:r>
-              <a:rPr lang="fr-FR" dirty="0"/>
-              <a:t>Affichage de graphique :</a:t>
-            </a:r>
-          </a:p>
-          <a:p>
-            <a:pPr lvl="1"/>
-            <a:r>
-              <a:rPr lang="fr-FR" dirty="0"/>
-              <a:t>QT charts : plein de possibilité mais ne supporte pas tout les styles et </a:t>
-            </a:r>
-            <a:r>
-              <a:rPr lang="fr-FR" dirty="0" err="1"/>
-              <a:t>apres</a:t>
-            </a:r>
-            <a:r>
-              <a:rPr lang="fr-FR" dirty="0"/>
-              <a:t> plusieurs test ne semble pas </a:t>
-            </a:r>
-            <a:r>
-              <a:rPr lang="fr-FR" dirty="0" err="1"/>
-              <a:t>pres</a:t>
-            </a:r>
-            <a:r>
-              <a:rPr lang="fr-FR" dirty="0"/>
-              <a:t> a tout faire, ex, ne sait pas afficher de gradient, difficulté de placer les labels ou on veut</a:t>
+              <a:t>QT charts : plein de possibilité mais ne supporte pas tout les styles et après plusieurs test ne semble pas près a tout faire, ex, ne sait pas afficher de gradient, difficulté de placer les labels ou on veut</a:t>
             </a:r>
           </a:p>
           <a:p>
@@ -13419,29 +13087,77 @@
             </a:r>
             <a:r>
               <a:rPr lang="fr-FR" dirty="0"/>
-              <a:t> : avantage on pourra faire ce qu’on veut, peut </a:t>
+              <a:t> : avantage on pourra faire ce qu’on veut, peut être difficile a mettre en œuvre</a:t>
+            </a:r>
+          </a:p>
+          <a:p>
+            <a:pPr lvl="1"/>
+            <a:r>
+              <a:rPr lang="fr-FR" dirty="0"/>
+              <a:t>Autre lib a usage plus scientifique QWT : semble capable de tout faire, mais moins joli visuellement</a:t>
+            </a:r>
+          </a:p>
+          <a:p>
+            <a:pPr lvl="1"/>
+            <a:r>
+              <a:rPr lang="fr-FR" dirty="0"/>
+              <a:t>Via un </a:t>
             </a:r>
             <a:r>
               <a:rPr lang="fr-FR" dirty="0" err="1"/>
-              <a:t>etre</a:t>
-            </a:r>
-            <a:r>
-              <a:rPr lang="fr-FR" dirty="0"/>
-              <a:t> difficile a mettre en œuvre</a:t>
-            </a:r>
-          </a:p>
-          <a:p>
-            <a:pPr lvl="1"/>
-            <a:r>
-              <a:rPr lang="fr-FR" dirty="0"/>
-              <a:t>Autre lib a usage plus scientifique : semble capable de tout faire, mais moins joli visuellement</a:t>
-            </a:r>
-          </a:p>
-          <a:p>
-            <a:pPr lvl="1"/>
-            <a:r>
-              <a:rPr lang="fr-FR" dirty="0"/>
-              <a:t>Via un </a:t>
+              <a:t>Shader</a:t>
+            </a:r>
+            <a:r>
+              <a:rPr lang="fr-FR" dirty="0"/>
+              <a:t>, </a:t>
+            </a:r>
+            <a:r>
+              <a:rPr lang="fr-FR" dirty="0" err="1"/>
+              <a:t>qvec</a:t>
+            </a:r>
+            <a:r>
+              <a:rPr lang="fr-FR" dirty="0"/>
+              <a:t> un </a:t>
+            </a:r>
+            <a:r>
+              <a:rPr lang="fr-FR" dirty="0" err="1"/>
+              <a:t>QOpenglWIdget</a:t>
+            </a:r>
+            <a:r>
+              <a:rPr lang="fr-FR" dirty="0"/>
+              <a:t> : </a:t>
+            </a:r>
+            <a:r>
+              <a:rPr lang="fr-FR" dirty="0" err="1"/>
+              <a:t>nécéssite</a:t>
+            </a:r>
+            <a:r>
+              <a:rPr lang="fr-FR" dirty="0"/>
+              <a:t> un </a:t>
+            </a:r>
+            <a:r>
+              <a:rPr lang="fr-FR" dirty="0" err="1"/>
+              <a:t>gpu</a:t>
+            </a:r>
+            <a:r>
+              <a:rPr lang="fr-FR" dirty="0"/>
+              <a:t> donc une carte 3d avec </a:t>
+            </a:r>
+            <a:r>
+              <a:rPr lang="fr-FR" dirty="0" err="1"/>
+              <a:t>opengl</a:t>
+            </a:r>
+            <a:r>
+              <a:rPr lang="fr-FR" dirty="0"/>
+              <a:t>, supporte les animations poussées temps réel, mais pas de </a:t>
+            </a:r>
+            <a:r>
+              <a:rPr lang="fr-FR" dirty="0" err="1"/>
+              <a:t>débug</a:t>
+            </a:r>
+            <a:r>
+              <a:rPr lang="fr-FR" dirty="0"/>
+              <a:t> pour l’écriture du </a:t>
             </a:r>
             <a:r>
               <a:rPr lang="fr-FR" dirty="0" err="1"/>
@@ -13449,95 +13165,7 @@
             </a:r>
             <a:r>
               <a:rPr lang="fr-FR" dirty="0"/>
-              <a:t>, </a:t>
-            </a:r>
-            <a:r>
-              <a:rPr lang="fr-FR" dirty="0" err="1"/>
-              <a:t>qvec</a:t>
-            </a:r>
-            <a:r>
-              <a:rPr lang="fr-FR" dirty="0"/>
-              <a:t> un </a:t>
-            </a:r>
-            <a:r>
-              <a:rPr lang="fr-FR" dirty="0" err="1"/>
-              <a:t>QOpenglWIdget</a:t>
-            </a:r>
-            <a:r>
-              <a:rPr lang="fr-FR" dirty="0"/>
-              <a:t> : </a:t>
-            </a:r>
-            <a:r>
-              <a:rPr lang="fr-FR" dirty="0" err="1"/>
-              <a:t>necessite</a:t>
-            </a:r>
-            <a:r>
-              <a:rPr lang="fr-FR" dirty="0"/>
-              <a:t> un </a:t>
-            </a:r>
-            <a:r>
-              <a:rPr lang="fr-FR" dirty="0" err="1"/>
-              <a:t>gpu</a:t>
-            </a:r>
-            <a:r>
-              <a:rPr lang="fr-FR" dirty="0"/>
-              <a:t> donc une carte 3d avec </a:t>
-            </a:r>
-            <a:r>
-              <a:rPr lang="fr-FR" dirty="0" err="1"/>
-              <a:t>opengl</a:t>
-            </a:r>
-            <a:r>
-              <a:rPr lang="fr-FR" dirty="0"/>
-              <a:t>, supporte les animations poussées temps </a:t>
-            </a:r>
-            <a:r>
-              <a:rPr lang="fr-FR" dirty="0" err="1"/>
-              <a:t>reel</a:t>
-            </a:r>
-            <a:r>
-              <a:rPr lang="fr-FR" dirty="0"/>
-              <a:t>, mais pas de </a:t>
-            </a:r>
-            <a:r>
-              <a:rPr lang="fr-FR" dirty="0" err="1"/>
-              <a:t>debug</a:t>
-            </a:r>
-            <a:r>
-              <a:rPr lang="fr-FR" dirty="0"/>
-              <a:t> pour l’</a:t>
-            </a:r>
-            <a:r>
-              <a:rPr lang="fr-FR" dirty="0" err="1"/>
-              <a:t>ecriture</a:t>
-            </a:r>
-            <a:r>
-              <a:rPr lang="fr-FR" dirty="0"/>
-              <a:t> du </a:t>
-            </a:r>
-            <a:r>
-              <a:rPr lang="fr-FR" dirty="0" err="1"/>
-              <a:t>sahder</a:t>
-            </a:r>
-            <a:r>
-              <a:rPr lang="fr-FR" dirty="0"/>
-              <a:t> et peut </a:t>
-            </a:r>
-            <a:r>
-              <a:rPr lang="fr-FR" dirty="0" err="1"/>
-              <a:t>etre</a:t>
-            </a:r>
-            <a:r>
-              <a:rPr lang="fr-FR" dirty="0"/>
-              <a:t> difficile a </a:t>
-            </a:r>
-            <a:r>
-              <a:rPr lang="fr-FR" dirty="0" err="1"/>
-              <a:t>mettte</a:t>
-            </a:r>
-            <a:r>
-              <a:rPr lang="fr-FR" dirty="0"/>
-              <a:t> en place</a:t>
+              <a:t> et peut être difficile a mettre en place</a:t>
             </a:r>
           </a:p>
           <a:p>
@@ -13570,25 +13198,16 @@
           </a:p>
           <a:p>
             <a:r>
-              <a:rPr lang="fr-FR" dirty="0" err="1"/>
-              <a:t>Creation</a:t>
-            </a:r>
-            <a:r>
-              <a:rPr lang="fr-FR" dirty="0"/>
-              <a:t> d’une interface graphique :</a:t>
+              <a:rPr lang="fr-FR" dirty="0"/>
+              <a:t>Création d’une interface graphique :</a:t>
             </a:r>
           </a:p>
           <a:p>
             <a:pPr lvl="1"/>
             <a:r>
               <a:rPr lang="fr-FR" dirty="0"/>
-              <a:t>Qt avec son designer de composant graphique </a:t>
-            </a:r>
-            <a:r>
-              <a:rPr lang="fr-FR" dirty="0" err="1"/>
-              <a:t>integré</a:t>
-            </a:r>
-            <a:endParaRPr lang="fr-FR" dirty="0"/>
+              <a:t>Qt avec son designer de composant graphique intégré</a:t>
+            </a:r>
           </a:p>
         </p:txBody>
       </p:sp>
@@ -13780,6 +13399,216 @@
       </p:grpSpPr>
       <p:sp>
         <p:nvSpPr>
+          <p:cNvPr id="3" name="Espace réservé du contenu 2">
+            <a:extLst>
+              <a:ext uri="{FF2B5EF4-FFF2-40B4-BE49-F238E27FC236}">
+                <a16:creationId xmlns:a16="http://schemas.microsoft.com/office/drawing/2014/main" id="{5837093E-200E-45C2-A38D-202DB399C72A}"/>
+              </a:ext>
+            </a:extLst>
+          </p:cNvPr>
+          <p:cNvSpPr>
+            <a:spLocks noGrp="1"/>
+          </p:cNvSpPr>
+          <p:nvPr>
+            <p:ph idx="1"/>
+          </p:nvPr>
+        </p:nvSpPr>
+        <p:spPr>
+          <a:xfrm>
+            <a:off x="1066800" y="1300348"/>
+            <a:ext cx="10058400" cy="4652396"/>
+          </a:xfrm>
+        </p:spPr>
+        <p:txBody>
+          <a:bodyPr>
+            <a:normAutofit/>
+          </a:bodyPr>
+          <a:lstStyle/>
+          <a:p>
+            <a:pPr lvl="2"/>
+            <a:endParaRPr lang="fr-FR" dirty="0"/>
+          </a:p>
+          <a:p>
+            <a:pPr marL="777240" lvl="2" indent="-228600">
+              <a:buFont typeface="+mj-lt"/>
+              <a:buAutoNum type="arabicPeriod"/>
+            </a:pPr>
+            <a:r>
+              <a:rPr lang="fr-FR" dirty="0"/>
+              <a:t>Création d’un projet cross platform UNIX/WINDOWS</a:t>
+            </a:r>
+          </a:p>
+          <a:p>
+            <a:pPr marL="777240" lvl="2" indent="-228600">
+              <a:buFont typeface="+mj-lt"/>
+              <a:buAutoNum type="arabicPeriod"/>
+            </a:pPr>
+            <a:r>
+              <a:rPr lang="fr-FR" dirty="0"/>
+              <a:t>Tester le déploiement coté </a:t>
+            </a:r>
+            <a:r>
+              <a:rPr lang="fr-FR" dirty="0" err="1"/>
+              <a:t>Window</a:t>
+            </a:r>
+            <a:r>
+              <a:rPr lang="fr-FR" dirty="0"/>
+              <a:t> et Linux pour valider la viabilité projet</a:t>
+            </a:r>
+          </a:p>
+          <a:p>
+            <a:pPr marL="777240" lvl="2" indent="-228600">
+              <a:buFont typeface="+mj-lt"/>
+              <a:buAutoNum type="arabicPeriod"/>
+            </a:pPr>
+            <a:r>
+              <a:rPr lang="fr-FR" dirty="0"/>
+              <a:t>Sur Windows :</a:t>
+            </a:r>
+          </a:p>
+          <a:p>
+            <a:pPr marL="822960" lvl="3" indent="0">
+              <a:buNone/>
+            </a:pPr>
+            <a:r>
+              <a:rPr lang="fr-FR" dirty="0"/>
+              <a:t>3.1 Mettre en place les diffèrent modules </a:t>
+            </a:r>
+          </a:p>
+          <a:p>
+            <a:pPr marL="822960" lvl="3" indent="0">
+              <a:buNone/>
+            </a:pPr>
+            <a:r>
+              <a:rPr lang="fr-FR" dirty="0"/>
+              <a:t>3.2 Créer la logique d’interconnexion des différents modules</a:t>
+            </a:r>
+          </a:p>
+          <a:p>
+            <a:pPr marL="822960" lvl="3" indent="0">
+              <a:buNone/>
+            </a:pPr>
+            <a:r>
+              <a:rPr lang="fr-FR" dirty="0"/>
+              <a:t>3.3 Mettre au point les modules possible (le capteur n’est pas dispo sur Windows) avec navigateurs externe en IP locale</a:t>
+            </a:r>
+          </a:p>
+          <a:p>
+            <a:pPr marL="822960" lvl="3" indent="0">
+              <a:buNone/>
+            </a:pPr>
+            <a:r>
+              <a:rPr lang="fr-FR" dirty="0"/>
+              <a:t>3.4 Identifier les cas possible de mise en échec.</a:t>
+            </a:r>
+          </a:p>
+          <a:p>
+            <a:pPr marL="822960" lvl="3" indent="0">
+              <a:buNone/>
+            </a:pPr>
+            <a:r>
+              <a:rPr lang="fr-FR" dirty="0"/>
+              <a:t>3.5 Mettre en place les système de récupération/traitement d’erreurs</a:t>
+            </a:r>
+          </a:p>
+          <a:p>
+            <a:pPr marL="822960" lvl="3" indent="0">
+              <a:buNone/>
+            </a:pPr>
+            <a:r>
+              <a:rPr lang="fr-FR" dirty="0"/>
+              <a:t>3.6 Profilage / analyse des fuites mémoire</a:t>
+            </a:r>
+          </a:p>
+          <a:p>
+            <a:pPr marL="548640" lvl="2" indent="0">
+              <a:buNone/>
+            </a:pPr>
+            <a:r>
+              <a:rPr lang="fr-FR" dirty="0"/>
+              <a:t>4. Sur Linux :</a:t>
+            </a:r>
+          </a:p>
+          <a:p>
+            <a:pPr marL="822960" lvl="3" indent="0">
+              <a:buNone/>
+            </a:pPr>
+            <a:r>
+              <a:rPr lang="fr-FR" dirty="0"/>
+              <a:t>4.1 Mettre au point le module du capteur</a:t>
+            </a:r>
+          </a:p>
+          <a:p>
+            <a:pPr marL="822960" lvl="3" indent="0">
+              <a:buNone/>
+            </a:pPr>
+            <a:r>
+              <a:rPr lang="fr-FR" dirty="0"/>
+              <a:t>4.2 Tester l’accès au données depuis l’extérieur du Raspberry pi</a:t>
+            </a:r>
+          </a:p>
+          <a:p>
+            <a:pPr marL="822960" lvl="3" indent="0">
+              <a:buNone/>
+            </a:pPr>
+            <a:r>
+              <a:rPr lang="fr-FR" dirty="0"/>
+              <a:t>4.3 Tester l’utilisation du serveur via la ligne de commande</a:t>
+            </a:r>
+          </a:p>
+          <a:p>
+            <a:pPr marL="822960" lvl="3" indent="0">
+              <a:buNone/>
+            </a:pPr>
+            <a:r>
+              <a:rPr lang="fr-FR" dirty="0"/>
+              <a:t>4.4 Installer le serveur en tant que service</a:t>
+            </a:r>
+          </a:p>
+          <a:p>
+            <a:pPr lvl="3"/>
+            <a:endParaRPr lang="fr-FR" dirty="0"/>
+          </a:p>
+          <a:p>
+            <a:pPr marL="0" indent="0">
+              <a:buNone/>
+            </a:pPr>
+            <a:endParaRPr lang="fr-FR" dirty="0"/>
+          </a:p>
+        </p:txBody>
+      </p:sp>
+      <p:sp>
+        <p:nvSpPr>
+          <p:cNvPr id="4" name="Espace réservé de la date 3">
+            <a:extLst>
+              <a:ext uri="{FF2B5EF4-FFF2-40B4-BE49-F238E27FC236}">
+                <a16:creationId xmlns:a16="http://schemas.microsoft.com/office/drawing/2014/main" id="{60BDC591-8D09-4D49-88A2-408CD1604F69}"/>
+              </a:ext>
+            </a:extLst>
+          </p:cNvPr>
+          <p:cNvSpPr>
+            <a:spLocks noGrp="1"/>
+          </p:cNvSpPr>
+          <p:nvPr>
+            <p:ph type="dt" sz="half" idx="10"/>
+          </p:nvPr>
+        </p:nvSpPr>
+        <p:spPr/>
+        <p:txBody>
+          <a:bodyPr/>
+          <a:lstStyle/>
+          <a:p>
+            <a:pPr rtl="0"/>
+            <a:fld id="{802FE938-1586-4780-B61A-DD3B60BAB93C}" type="datetime1">
+              <a:rPr lang="fr-FR" smtClean="0"/>
+              <a:t>22/06/2021</a:t>
+            </a:fld>
+            <a:endParaRPr lang="en-US"/>
+          </a:p>
+        </p:txBody>
+      </p:sp>
+      <p:sp>
+        <p:nvSpPr>
           <p:cNvPr id="2" name="Titre 1">
             <a:extLst>
               <a:ext uri="{FF2B5EF4-FFF2-40B4-BE49-F238E27FC236}">
@@ -13808,103 +13637,15 @@
           <a:p>
             <a:r>
               <a:rPr lang="fr-FR" dirty="0"/>
-              <a:t>Conception du Serveur</a:t>
-            </a:r>
-          </a:p>
-        </p:txBody>
-      </p:sp>
-      <p:sp>
-        <p:nvSpPr>
-          <p:cNvPr id="3" name="Espace réservé du contenu 2">
-            <a:extLst>
-              <a:ext uri="{FF2B5EF4-FFF2-40B4-BE49-F238E27FC236}">
-                <a16:creationId xmlns:a16="http://schemas.microsoft.com/office/drawing/2014/main" id="{5837093E-200E-45C2-A38D-202DB399C72A}"/>
-              </a:ext>
-            </a:extLst>
-          </p:cNvPr>
-          <p:cNvSpPr>
-            <a:spLocks noGrp="1"/>
-          </p:cNvSpPr>
-          <p:nvPr>
-            <p:ph idx="1"/>
-          </p:nvPr>
-        </p:nvSpPr>
-        <p:spPr>
-          <a:xfrm>
-            <a:off x="1066800" y="1300348"/>
-            <a:ext cx="10058400" cy="4652396"/>
-          </a:xfrm>
-        </p:spPr>
-        <p:txBody>
-          <a:bodyPr/>
-          <a:lstStyle/>
-          <a:p>
-            <a:pPr marL="0" indent="0">
-              <a:buNone/>
-            </a:pPr>
-            <a:r>
-              <a:rPr lang="fr-FR" dirty="0" err="1"/>
-              <a:t>Repartition</a:t>
-            </a:r>
-            <a:r>
-              <a:rPr lang="fr-FR" dirty="0"/>
-              <a:t> des taches en modules :</a:t>
-            </a:r>
-          </a:p>
-          <a:p>
-            <a:pPr marL="0" indent="0">
-              <a:buNone/>
-            </a:pPr>
-            <a:endParaRPr lang="fr-FR"/>
-          </a:p>
-          <a:p>
-            <a:pPr marL="0" indent="0">
-              <a:buNone/>
-            </a:pPr>
-            <a:endParaRPr lang="fr-FR" dirty="0"/>
-          </a:p>
-          <a:p>
-            <a:pPr marL="0" indent="0">
-              <a:buNone/>
-            </a:pPr>
-            <a:endParaRPr lang="fr-FR" dirty="0"/>
-          </a:p>
-        </p:txBody>
-      </p:sp>
-      <p:sp>
-        <p:nvSpPr>
-          <p:cNvPr id="4" name="Espace réservé de la date 3">
-            <a:extLst>
-              <a:ext uri="{FF2B5EF4-FFF2-40B4-BE49-F238E27FC236}">
-                <a16:creationId xmlns:a16="http://schemas.microsoft.com/office/drawing/2014/main" id="{60BDC591-8D09-4D49-88A2-408CD1604F69}"/>
-              </a:ext>
-            </a:extLst>
-          </p:cNvPr>
-          <p:cNvSpPr>
-            <a:spLocks noGrp="1"/>
-          </p:cNvSpPr>
-          <p:nvPr>
-            <p:ph type="dt" sz="half" idx="10"/>
-          </p:nvPr>
-        </p:nvSpPr>
-        <p:spPr/>
-        <p:txBody>
-          <a:bodyPr/>
-          <a:lstStyle/>
-          <a:p>
-            <a:pPr rtl="0"/>
-            <a:fld id="{802FE938-1586-4780-B61A-DD3B60BAB93C}" type="datetime1">
-              <a:rPr lang="fr-FR" smtClean="0"/>
-              <a:t>22/06/2021</a:t>
-            </a:fld>
-            <a:endParaRPr lang="en-US"/>
+              <a:t>Conception du Serveur : les grande étapes</a:t>
+            </a:r>
           </a:p>
         </p:txBody>
       </p:sp>
     </p:spTree>
     <p:extLst>
       <p:ext uri="{BB962C8B-B14F-4D97-AF65-F5344CB8AC3E}">
-        <p14:creationId xmlns:p14="http://schemas.microsoft.com/office/powerpoint/2010/main" val="2089308026"/>
+        <p14:creationId xmlns:p14="http://schemas.microsoft.com/office/powerpoint/2010/main" val="2555099777"/>
       </p:ext>
     </p:extLst>
   </p:cSld>
@@ -13933,10 +13674,10 @@
       </p:grpSpPr>
       <p:sp>
         <p:nvSpPr>
-          <p:cNvPr id="5" name="Titre 4">
-            <a:extLst>
-              <a:ext uri="{FF2B5EF4-FFF2-40B4-BE49-F238E27FC236}">
-                <a16:creationId xmlns:a16="http://schemas.microsoft.com/office/drawing/2014/main" id="{B535D397-2E1B-4C1E-A392-E2A43916D949}"/>
+          <p:cNvPr id="2" name="Titre 1">
+            <a:extLst>
+              <a:ext uri="{FF2B5EF4-FFF2-40B4-BE49-F238E27FC236}">
+                <a16:creationId xmlns:a16="http://schemas.microsoft.com/office/drawing/2014/main" id="{EA53D9FC-3044-40B7-A8EB-EAB80F26D6FE}"/>
               </a:ext>
             </a:extLst>
           </p:cNvPr>
@@ -13944,27 +13685,34 @@
             <a:spLocks noGrp="1"/>
           </p:cNvSpPr>
           <p:nvPr>
-            <p:ph type="ctrTitle"/>
+            <p:ph type="title"/>
           </p:nvPr>
         </p:nvSpPr>
-        <p:spPr/>
-        <p:txBody>
-          <a:bodyPr/>
-          <a:lstStyle/>
-          <a:p>
-            <a:r>
-              <a:rPr lang="fr-FR" dirty="0"/>
-              <a:t>LA FINITION</a:t>
-            </a:r>
-          </a:p>
-        </p:txBody>
-      </p:sp>
-      <p:sp>
-        <p:nvSpPr>
-          <p:cNvPr id="6" name="Sous-titre 5">
-            <a:extLst>
-              <a:ext uri="{FF2B5EF4-FFF2-40B4-BE49-F238E27FC236}">
-                <a16:creationId xmlns:a16="http://schemas.microsoft.com/office/drawing/2014/main" id="{42DF712F-84EC-48F3-B510-83E590DD97F0}"/>
+        <p:spPr>
+          <a:xfrm>
+            <a:off x="1066800" y="642594"/>
+            <a:ext cx="10058400" cy="556814"/>
+          </a:xfrm>
+        </p:spPr>
+        <p:txBody>
+          <a:bodyPr>
+            <a:normAutofit/>
+          </a:bodyPr>
+          <a:lstStyle/>
+          <a:p>
+            <a:r>
+              <a:rPr lang="fr-FR" sz="2800" dirty="0"/>
+              <a:t>Création d’un projet cross platform UNIX/WINDOWS</a:t>
+            </a:r>
+          </a:p>
+        </p:txBody>
+      </p:sp>
+      <p:sp>
+        <p:nvSpPr>
+          <p:cNvPr id="3" name="Espace réservé du contenu 2">
+            <a:extLst>
+              <a:ext uri="{FF2B5EF4-FFF2-40B4-BE49-F238E27FC236}">
+                <a16:creationId xmlns:a16="http://schemas.microsoft.com/office/drawing/2014/main" id="{5837093E-200E-45C2-A38D-202DB399C72A}"/>
               </a:ext>
             </a:extLst>
           </p:cNvPr>
@@ -13972,18 +13720,300 @@
             <a:spLocks noGrp="1"/>
           </p:cNvSpPr>
           <p:nvPr>
-            <p:ph type="subTitle" idx="1"/>
+            <p:ph idx="1"/>
           </p:nvPr>
         </p:nvSpPr>
-        <p:spPr/>
-        <p:txBody>
-          <a:bodyPr/>
-          <a:lstStyle/>
-          <a:p>
-            <a:r>
-              <a:rPr lang="fr-FR" dirty="0"/>
-              <a:t>DESIGN / OPTIMISATION / SIMPLIFCATION</a:t>
-            </a:r>
+        <p:spPr>
+          <a:xfrm>
+            <a:off x="1066800" y="1199408"/>
+            <a:ext cx="10058400" cy="5100452"/>
+          </a:xfrm>
+        </p:spPr>
+        <p:txBody>
+          <a:bodyPr>
+            <a:normAutofit fontScale="92500" lnSpcReduction="10000"/>
+          </a:bodyPr>
+          <a:lstStyle/>
+          <a:p>
+            <a:pPr marL="0" indent="0">
+              <a:buNone/>
+            </a:pPr>
+            <a:r>
+              <a:rPr lang="fr-FR" dirty="0"/>
+              <a:t>Utilisation du générateur de projet </a:t>
+            </a:r>
+            <a:r>
+              <a:rPr lang="fr-FR" dirty="0" err="1"/>
+              <a:t>Cmake</a:t>
+            </a:r>
+            <a:r>
+              <a:rPr lang="fr-FR" dirty="0"/>
+              <a:t>.</a:t>
+            </a:r>
+          </a:p>
+          <a:p>
+            <a:pPr lvl="1"/>
+            <a:r>
+              <a:rPr lang="fr-FR" dirty="0"/>
+              <a:t>Utilisation d’un fichier de configuration qui décrit les composant du projet</a:t>
+            </a:r>
+          </a:p>
+          <a:p>
+            <a:pPr lvl="1"/>
+            <a:r>
+              <a:rPr lang="fr-FR" dirty="0"/>
+              <a:t>Puis génération avec des fichier projet selon le system visé </a:t>
+            </a:r>
+          </a:p>
+          <a:p>
+            <a:pPr lvl="2"/>
+            <a:r>
+              <a:rPr lang="fr-FR" dirty="0"/>
+              <a:t>Ici : Projet VC++ sur Windows ou </a:t>
+            </a:r>
+            <a:r>
+              <a:rPr lang="fr-FR" dirty="0" err="1"/>
+              <a:t>Makefile</a:t>
+            </a:r>
+            <a:r>
+              <a:rPr lang="fr-FR" dirty="0"/>
+              <a:t> pour Unix</a:t>
+            </a:r>
+          </a:p>
+          <a:p>
+            <a:pPr lvl="1"/>
+            <a:endParaRPr lang="fr-FR" dirty="0"/>
+          </a:p>
+          <a:p>
+            <a:pPr lvl="1"/>
+            <a:r>
+              <a:rPr lang="fr-FR" dirty="0"/>
+              <a:t>Ajout dans le projet de tierces parties :</a:t>
+            </a:r>
+          </a:p>
+          <a:p>
+            <a:pPr lvl="2"/>
+            <a:r>
+              <a:rPr lang="fr-FR" dirty="0"/>
+              <a:t>Du code source du Driver BME 280</a:t>
+            </a:r>
+          </a:p>
+          <a:p>
+            <a:pPr lvl="2"/>
+            <a:r>
+              <a:rPr lang="fr-FR" dirty="0"/>
+              <a:t>Du code source de </a:t>
+            </a:r>
+            <a:r>
+              <a:rPr lang="fr-FR" dirty="0" err="1"/>
+              <a:t>BuildInc</a:t>
+            </a:r>
+            <a:r>
+              <a:rPr lang="fr-FR" dirty="0"/>
+              <a:t> : petit utilitaire perso qui permet d’</a:t>
+            </a:r>
+            <a:r>
+              <a:rPr lang="fr-FR" dirty="0" err="1"/>
+              <a:t>incrementer</a:t>
+            </a:r>
+            <a:r>
+              <a:rPr lang="fr-FR" dirty="0"/>
+              <a:t> un numéro de </a:t>
+            </a:r>
+            <a:r>
+              <a:rPr lang="fr-FR" dirty="0" err="1"/>
+              <a:t>build</a:t>
+            </a:r>
+            <a:r>
+              <a:rPr lang="fr-FR" dirty="0"/>
+              <a:t> a chaque </a:t>
+            </a:r>
+            <a:r>
+              <a:rPr lang="fr-FR" dirty="0" err="1"/>
+              <a:t>build</a:t>
+            </a:r>
+            <a:endParaRPr lang="fr-FR" dirty="0"/>
+          </a:p>
+          <a:p>
+            <a:pPr lvl="2"/>
+            <a:r>
+              <a:rPr lang="fr-FR" dirty="0"/>
+              <a:t>Du code source de </a:t>
+            </a:r>
+            <a:r>
+              <a:rPr lang="fr-FR" dirty="0" err="1"/>
+              <a:t>libuv</a:t>
+            </a:r>
+            <a:r>
+              <a:rPr lang="fr-FR" dirty="0"/>
+              <a:t> : la libraire de communication réseau</a:t>
+            </a:r>
+          </a:p>
+          <a:p>
+            <a:pPr lvl="2"/>
+            <a:r>
+              <a:rPr lang="fr-FR" dirty="0"/>
+              <a:t>Du code source de SQlite3 : </a:t>
+            </a:r>
+            <a:r>
+              <a:rPr lang="fr-FR" dirty="0" err="1"/>
+              <a:t>piltoe</a:t>
+            </a:r>
+            <a:r>
+              <a:rPr lang="fr-FR" dirty="0"/>
+              <a:t> de base de </a:t>
+            </a:r>
+            <a:r>
+              <a:rPr lang="fr-FR" dirty="0" err="1"/>
+              <a:t>donéne</a:t>
+            </a:r>
+            <a:r>
+              <a:rPr lang="fr-FR" dirty="0"/>
+              <a:t> embarquée</a:t>
+            </a:r>
+          </a:p>
+          <a:p>
+            <a:pPr lvl="2"/>
+            <a:r>
+              <a:rPr lang="fr-FR" dirty="0"/>
+              <a:t>Du code source de </a:t>
+            </a:r>
+            <a:r>
+              <a:rPr lang="fr-FR" dirty="0" err="1"/>
+              <a:t>uv_cpp</a:t>
+            </a:r>
+            <a:r>
+              <a:rPr lang="fr-FR" dirty="0"/>
+              <a:t> : le </a:t>
+            </a:r>
+            <a:r>
+              <a:rPr lang="fr-FR" dirty="0" err="1"/>
+              <a:t>wrapper</a:t>
+            </a:r>
+            <a:r>
+              <a:rPr lang="fr-FR" dirty="0"/>
+              <a:t> </a:t>
+            </a:r>
+            <a:r>
+              <a:rPr lang="fr-FR" dirty="0" err="1"/>
+              <a:t>cpp</a:t>
+            </a:r>
+            <a:r>
+              <a:rPr lang="fr-FR" dirty="0"/>
+              <a:t> pour </a:t>
+            </a:r>
+            <a:r>
+              <a:rPr lang="fr-FR" dirty="0" err="1"/>
+              <a:t>libuv</a:t>
+            </a:r>
+            <a:endParaRPr lang="fr-FR" dirty="0"/>
+          </a:p>
+          <a:p>
+            <a:pPr lvl="1"/>
+            <a:r>
+              <a:rPr lang="fr-FR" dirty="0"/>
+              <a:t>Ajout dans le projet du code utile reparti en module :</a:t>
+            </a:r>
+          </a:p>
+          <a:p>
+            <a:pPr lvl="2"/>
+            <a:r>
+              <a:rPr lang="fr-FR" dirty="0"/>
+              <a:t>Un module pour gérer le serveur HTTP : réception / traitement / envoi de requête HTTP</a:t>
+            </a:r>
+          </a:p>
+          <a:p>
+            <a:pPr lvl="2"/>
+            <a:r>
+              <a:rPr lang="fr-FR" dirty="0"/>
+              <a:t>Un module pour gérer le capteur : mesure du capteur et envoi des données mesurées</a:t>
+            </a:r>
+          </a:p>
+          <a:p>
+            <a:pPr lvl="2"/>
+            <a:r>
+              <a:rPr lang="fr-FR" dirty="0"/>
+              <a:t>Un module pour gérer la base de donnée : ajout de donnée / extraction sous forme JSON</a:t>
+            </a:r>
+          </a:p>
+          <a:p>
+            <a:pPr lvl="2"/>
+            <a:r>
+              <a:rPr lang="fr-FR" dirty="0"/>
+              <a:t>Un module pour piloter la mesure et l’inscription dans la base de donnée suivant un </a:t>
+            </a:r>
+            <a:r>
+              <a:rPr lang="fr-FR" dirty="0" err="1"/>
+              <a:t>timer</a:t>
+            </a:r>
+            <a:r>
+              <a:rPr lang="fr-FR" dirty="0"/>
+              <a:t>. Ici toute les heures</a:t>
+            </a:r>
+          </a:p>
+          <a:p>
+            <a:pPr lvl="2"/>
+            <a:r>
+              <a:rPr lang="fr-FR" dirty="0"/>
+              <a:t>Un module pour extraire les infos du serveur : </a:t>
+            </a:r>
+          </a:p>
+          <a:p>
+            <a:pPr lvl="3"/>
+            <a:r>
+              <a:rPr lang="fr-FR" dirty="0"/>
+              <a:t>Infos de l’os : version, </a:t>
+            </a:r>
+            <a:r>
+              <a:rPr lang="fr-FR" dirty="0" err="1"/>
+              <a:t>cpu</a:t>
+            </a:r>
+            <a:endParaRPr lang="fr-FR" dirty="0"/>
+          </a:p>
+          <a:p>
+            <a:pPr lvl="3"/>
+            <a:r>
+              <a:rPr lang="fr-FR" dirty="0"/>
+              <a:t>Infos sur la bd : nombre d’enregistrements, version de la bd, chemin de la bd</a:t>
+            </a:r>
+          </a:p>
+          <a:p>
+            <a:pPr lvl="3"/>
+            <a:r>
+              <a:rPr lang="fr-FR" dirty="0"/>
+              <a:t>Infos sur le serveur : version, ligne de commande utilisé</a:t>
+            </a:r>
+          </a:p>
+          <a:p>
+            <a:pPr lvl="2"/>
+            <a:r>
+              <a:rPr lang="fr-FR" dirty="0"/>
+              <a:t>Ajout du point d’entrée du projet :</a:t>
+            </a:r>
+          </a:p>
+          <a:p>
+            <a:pPr lvl="3"/>
+            <a:r>
+              <a:rPr lang="fr-FR" dirty="0"/>
+              <a:t>Ajout d’une interface de ligne de commande configurable dans la logique des commande UNIX</a:t>
+            </a:r>
+          </a:p>
+          <a:p>
+            <a:pPr lvl="3"/>
+            <a:r>
+              <a:rPr lang="fr-FR" dirty="0"/>
+              <a:t>Ajout du flux logique principal</a:t>
+            </a:r>
+          </a:p>
+          <a:p>
+            <a:pPr lvl="3"/>
+            <a:endParaRPr lang="fr-FR" dirty="0"/>
+          </a:p>
+          <a:p>
+            <a:pPr marL="0" indent="0">
+              <a:buNone/>
+            </a:pPr>
+            <a:endParaRPr lang="fr-FR" dirty="0"/>
           </a:p>
         </p:txBody>
       </p:sp>
@@ -13992,7 +14022,7 @@
           <p:cNvPr id="4" name="Espace réservé de la date 3">
             <a:extLst>
               <a:ext uri="{FF2B5EF4-FFF2-40B4-BE49-F238E27FC236}">
-                <a16:creationId xmlns:a16="http://schemas.microsoft.com/office/drawing/2014/main" id="{030B0D3A-6441-43DC-BDBC-2E9EE16205E9}"/>
+                <a16:creationId xmlns:a16="http://schemas.microsoft.com/office/drawing/2014/main" id="{60BDC591-8D09-4D49-88A2-408CD1604F69}"/>
               </a:ext>
             </a:extLst>
           </p:cNvPr>
@@ -14013,14 +14043,14 @@
               <a:rPr lang="fr-FR" smtClean="0"/>
               <a:t>22/06/2021</a:t>
             </a:fld>
-            <a:endParaRPr lang="en-US"/>
+            <a:endParaRPr lang="en-US" dirty="0"/>
           </a:p>
         </p:txBody>
       </p:sp>
     </p:spTree>
     <p:extLst>
       <p:ext uri="{BB962C8B-B14F-4D97-AF65-F5344CB8AC3E}">
-        <p14:creationId xmlns:p14="http://schemas.microsoft.com/office/powerpoint/2010/main" val="1130815813"/>
+        <p14:creationId xmlns:p14="http://schemas.microsoft.com/office/powerpoint/2010/main" val="2179627063"/>
       </p:ext>
     </p:extLst>
   </p:cSld>
@@ -14049,10 +14079,10 @@
       </p:grpSpPr>
       <p:sp>
         <p:nvSpPr>
-          <p:cNvPr id="5" name="Titre 4">
-            <a:extLst>
-              <a:ext uri="{FF2B5EF4-FFF2-40B4-BE49-F238E27FC236}">
-                <a16:creationId xmlns:a16="http://schemas.microsoft.com/office/drawing/2014/main" id="{B535D397-2E1B-4C1E-A392-E2A43916D949}"/>
+          <p:cNvPr id="2" name="Titre 1">
+            <a:extLst>
+              <a:ext uri="{FF2B5EF4-FFF2-40B4-BE49-F238E27FC236}">
+                <a16:creationId xmlns:a16="http://schemas.microsoft.com/office/drawing/2014/main" id="{7E66DA7D-18FF-43FA-9114-735D5287AF90}"/>
               </a:ext>
             </a:extLst>
           </p:cNvPr>
@@ -14060,7 +14090,7 @@
             <a:spLocks noGrp="1"/>
           </p:cNvSpPr>
           <p:nvPr>
-            <p:ph type="ctrTitle"/>
+            <p:ph type="title"/>
           </p:nvPr>
         </p:nvSpPr>
         <p:spPr/>
@@ -14068,19 +14098,16 @@
           <a:bodyPr/>
           <a:lstStyle/>
           <a:p>
-            <a:r>
-              <a:rPr lang="fr-FR" dirty="0"/>
-              <a:t>DEMONSTRATION</a:t>
-            </a:r>
-          </a:p>
-        </p:txBody>
-      </p:sp>
-      <p:sp>
-        <p:nvSpPr>
-          <p:cNvPr id="6" name="Sous-titre 5">
-            <a:extLst>
-              <a:ext uri="{FF2B5EF4-FFF2-40B4-BE49-F238E27FC236}">
-                <a16:creationId xmlns:a16="http://schemas.microsoft.com/office/drawing/2014/main" id="{42DF712F-84EC-48F3-B510-83E590DD97F0}"/>
+            <a:endParaRPr lang="fr-FR"/>
+          </a:p>
+        </p:txBody>
+      </p:sp>
+      <p:sp>
+        <p:nvSpPr>
+          <p:cNvPr id="3" name="Espace réservé du contenu 2">
+            <a:extLst>
+              <a:ext uri="{FF2B5EF4-FFF2-40B4-BE49-F238E27FC236}">
+                <a16:creationId xmlns:a16="http://schemas.microsoft.com/office/drawing/2014/main" id="{6723A642-3FB2-484D-AF95-A8E825D7B1AB}"/>
               </a:ext>
             </a:extLst>
           </p:cNvPr>
@@ -14088,7 +14115,7 @@
             <a:spLocks noGrp="1"/>
           </p:cNvSpPr>
           <p:nvPr>
-            <p:ph type="subTitle" idx="1"/>
+            <p:ph idx="1"/>
           </p:nvPr>
         </p:nvSpPr>
         <p:spPr/>
@@ -14096,10 +14123,7 @@
           <a:bodyPr/>
           <a:lstStyle/>
           <a:p>
-            <a:r>
-              <a:rPr lang="fr-FR" dirty="0"/>
-              <a:t>DEMO DU LOGICIEL FINI</a:t>
-            </a:r>
+            <a:endParaRPr lang="fr-FR"/>
           </a:p>
         </p:txBody>
       </p:sp>
@@ -14108,7 +14132,7 @@
           <p:cNvPr id="4" name="Espace réservé de la date 3">
             <a:extLst>
               <a:ext uri="{FF2B5EF4-FFF2-40B4-BE49-F238E27FC236}">
-                <a16:creationId xmlns:a16="http://schemas.microsoft.com/office/drawing/2014/main" id="{030B0D3A-6441-43DC-BDBC-2E9EE16205E9}"/>
+                <a16:creationId xmlns:a16="http://schemas.microsoft.com/office/drawing/2014/main" id="{C69CF264-999B-4AE6-86E6-38F9278562E7}"/>
               </a:ext>
             </a:extLst>
           </p:cNvPr>
@@ -14136,7 +14160,7 @@
     </p:spTree>
     <p:extLst>
       <p:ext uri="{BB962C8B-B14F-4D97-AF65-F5344CB8AC3E}">
-        <p14:creationId xmlns:p14="http://schemas.microsoft.com/office/powerpoint/2010/main" val="962287830"/>
+        <p14:creationId xmlns:p14="http://schemas.microsoft.com/office/powerpoint/2010/main" val="3371592575"/>
       </p:ext>
     </p:extLst>
   </p:cSld>
@@ -14165,10 +14189,10 @@
       </p:grpSpPr>
       <p:sp>
         <p:nvSpPr>
-          <p:cNvPr id="5" name="Titre 4">
-            <a:extLst>
-              <a:ext uri="{FF2B5EF4-FFF2-40B4-BE49-F238E27FC236}">
-                <a16:creationId xmlns:a16="http://schemas.microsoft.com/office/drawing/2014/main" id="{B535D397-2E1B-4C1E-A392-E2A43916D949}"/>
+          <p:cNvPr id="2" name="Titre 1">
+            <a:extLst>
+              <a:ext uri="{FF2B5EF4-FFF2-40B4-BE49-F238E27FC236}">
+                <a16:creationId xmlns:a16="http://schemas.microsoft.com/office/drawing/2014/main" id="{EA53D9FC-3044-40B7-A8EB-EAB80F26D6FE}"/>
               </a:ext>
             </a:extLst>
           </p:cNvPr>
@@ -14176,27 +14200,34 @@
             <a:spLocks noGrp="1"/>
           </p:cNvSpPr>
           <p:nvPr>
-            <p:ph type="ctrTitle"/>
+            <p:ph type="title"/>
           </p:nvPr>
         </p:nvSpPr>
-        <p:spPr/>
-        <p:txBody>
-          <a:bodyPr/>
-          <a:lstStyle/>
-          <a:p>
-            <a:r>
-              <a:rPr lang="fr-FR" dirty="0"/>
-              <a:t>CONCLUSION</a:t>
-            </a:r>
-          </a:p>
-        </p:txBody>
-      </p:sp>
-      <p:sp>
-        <p:nvSpPr>
-          <p:cNvPr id="6" name="Sous-titre 5">
-            <a:extLst>
-              <a:ext uri="{FF2B5EF4-FFF2-40B4-BE49-F238E27FC236}">
-                <a16:creationId xmlns:a16="http://schemas.microsoft.com/office/drawing/2014/main" id="{42DF712F-84EC-48F3-B510-83E590DD97F0}"/>
+        <p:spPr>
+          <a:xfrm>
+            <a:off x="1066800" y="642594"/>
+            <a:ext cx="10058400" cy="556814"/>
+          </a:xfrm>
+        </p:spPr>
+        <p:txBody>
+          <a:bodyPr>
+            <a:normAutofit fontScale="90000"/>
+          </a:bodyPr>
+          <a:lstStyle/>
+          <a:p>
+            <a:r>
+              <a:rPr lang="fr-FR" dirty="0"/>
+              <a:t>Conception du Serveur : les grande étapes</a:t>
+            </a:r>
+          </a:p>
+        </p:txBody>
+      </p:sp>
+      <p:sp>
+        <p:nvSpPr>
+          <p:cNvPr id="3" name="Espace réservé du contenu 2">
+            <a:extLst>
+              <a:ext uri="{FF2B5EF4-FFF2-40B4-BE49-F238E27FC236}">
+                <a16:creationId xmlns:a16="http://schemas.microsoft.com/office/drawing/2014/main" id="{5837093E-200E-45C2-A38D-202DB399C72A}"/>
               </a:ext>
             </a:extLst>
           </p:cNvPr>
@@ -14204,20 +14235,180 @@
             <a:spLocks noGrp="1"/>
           </p:cNvSpPr>
           <p:nvPr>
-            <p:ph type="subTitle" idx="1"/>
+            <p:ph idx="1"/>
           </p:nvPr>
         </p:nvSpPr>
-        <p:spPr/>
+        <p:spPr>
+          <a:xfrm>
+            <a:off x="1066800" y="1300348"/>
+            <a:ext cx="10058400" cy="4652396"/>
+          </a:xfrm>
+        </p:spPr>
         <p:txBody>
           <a:bodyPr>
-            <a:normAutofit fontScale="92500"/>
+            <a:normAutofit/>
           </a:bodyPr>
           <a:lstStyle/>
           <a:p>
-            <a:r>
-              <a:rPr lang="fr-FR" dirty="0"/>
-              <a:t>PROBLEMES RENCONTRES / EVOLUTIONS POSSIBLES / APPORTS PERSONNELS </a:t>
-            </a:r>
+            <a:pPr lvl="2"/>
+            <a:endParaRPr lang="fr-FR" dirty="0"/>
+          </a:p>
+          <a:p>
+            <a:pPr lvl="2"/>
+            <a:r>
+              <a:rPr lang="fr-FR" dirty="0"/>
+              <a:t>Création d’un projet cross platform UNIX/WINDOWS</a:t>
+            </a:r>
+          </a:p>
+          <a:p>
+            <a:pPr lvl="2"/>
+            <a:r>
+              <a:rPr lang="fr-FR" dirty="0"/>
+              <a:t>Mettre en place les diffèrent modules </a:t>
+            </a:r>
+          </a:p>
+          <a:p>
+            <a:pPr lvl="3"/>
+            <a:r>
+              <a:rPr lang="fr-FR" dirty="0"/>
+              <a:t>Serveur HTTP</a:t>
+            </a:r>
+          </a:p>
+          <a:p>
+            <a:pPr lvl="3"/>
+            <a:r>
+              <a:rPr lang="fr-FR" dirty="0"/>
+              <a:t>Base de donnée</a:t>
+            </a:r>
+          </a:p>
+          <a:p>
+            <a:pPr lvl="3"/>
+            <a:r>
+              <a:rPr lang="fr-FR" dirty="0"/>
+              <a:t>Mesure capteur</a:t>
+            </a:r>
+          </a:p>
+          <a:p>
+            <a:pPr lvl="3"/>
+            <a:r>
+              <a:rPr lang="fr-FR" dirty="0"/>
+              <a:t>Historique des mesures</a:t>
+            </a:r>
+          </a:p>
+          <a:p>
+            <a:pPr lvl="3"/>
+            <a:r>
+              <a:rPr lang="fr-FR" dirty="0"/>
+              <a:t>Infos serveur</a:t>
+            </a:r>
+          </a:p>
+          <a:p>
+            <a:pPr lvl="2"/>
+            <a:r>
+              <a:rPr lang="fr-FR" dirty="0"/>
+              <a:t>Créer la logique d’interconnexion des différents modules</a:t>
+            </a:r>
+          </a:p>
+          <a:p>
+            <a:pPr lvl="2"/>
+            <a:r>
+              <a:rPr lang="fr-FR" dirty="0"/>
+              <a:t>Mettre au point les modules possible sous Windows :</a:t>
+            </a:r>
+          </a:p>
+          <a:p>
+            <a:pPr lvl="3"/>
+            <a:r>
+              <a:rPr lang="fr-FR" dirty="0"/>
+              <a:t>Serveur HTTP</a:t>
+            </a:r>
+          </a:p>
+          <a:p>
+            <a:pPr lvl="3"/>
+            <a:r>
+              <a:rPr lang="fr-FR" dirty="0" err="1"/>
+              <a:t>Pilotega</a:t>
+            </a:r>
+            <a:r>
+              <a:rPr lang="fr-FR" dirty="0"/>
+              <a:t> de la </a:t>
+            </a:r>
+            <a:r>
+              <a:rPr lang="fr-FR" dirty="0" err="1"/>
+              <a:t>abse</a:t>
+            </a:r>
+            <a:r>
+              <a:rPr lang="fr-FR" dirty="0"/>
+              <a:t> de donnée</a:t>
+            </a:r>
+          </a:p>
+          <a:p>
+            <a:pPr lvl="3"/>
+            <a:endParaRPr lang="fr-FR" dirty="0"/>
+          </a:p>
+          <a:p>
+            <a:pPr lvl="3"/>
+            <a:endParaRPr lang="fr-FR" dirty="0"/>
+          </a:p>
+          <a:p>
+            <a:pPr lvl="2"/>
+            <a:r>
+              <a:rPr lang="fr-FR" dirty="0"/>
+              <a:t> </a:t>
+            </a:r>
+            <a:r>
+              <a:rPr lang="fr-FR" dirty="0" err="1"/>
+              <a:t>etau</a:t>
+            </a:r>
+            <a:r>
+              <a:rPr lang="fr-FR" dirty="0"/>
+              <a:t> point et </a:t>
+            </a:r>
+            <a:r>
+              <a:rPr lang="fr-FR" dirty="0" err="1"/>
+              <a:t>tetser</a:t>
+            </a:r>
+            <a:r>
+              <a:rPr lang="fr-FR" dirty="0"/>
+              <a:t> les </a:t>
+            </a:r>
+            <a:r>
+              <a:rPr lang="fr-FR" dirty="0" err="1"/>
+              <a:t>different</a:t>
+            </a:r>
+            <a:r>
+              <a:rPr lang="fr-FR" dirty="0"/>
+              <a:t> composant possible </a:t>
+            </a:r>
+            <a:r>
+              <a:rPr lang="fr-FR" dirty="0" err="1"/>
+              <a:t>ctoé</a:t>
+            </a:r>
+            <a:r>
+              <a:rPr lang="fr-FR" dirty="0"/>
+              <a:t> </a:t>
+            </a:r>
+            <a:r>
+              <a:rPr lang="fr-FR" dirty="0" err="1"/>
+              <a:t>window</a:t>
+            </a:r>
+            <a:endParaRPr lang="fr-FR" dirty="0"/>
+          </a:p>
+          <a:p>
+            <a:pPr marL="0" indent="0">
+              <a:buNone/>
+            </a:pPr>
+            <a:endParaRPr lang="fr-FR" dirty="0"/>
+          </a:p>
+          <a:p>
+            <a:pPr lvl="3"/>
+            <a:endParaRPr lang="fr-FR" dirty="0"/>
+          </a:p>
+          <a:p>
+            <a:pPr marL="0" indent="0">
+              <a:buNone/>
+            </a:pPr>
+            <a:endParaRPr lang="fr-FR" dirty="0"/>
           </a:p>
         </p:txBody>
       </p:sp>
@@ -14226,7 +14417,7 @@
           <p:cNvPr id="4" name="Espace réservé de la date 3">
             <a:extLst>
               <a:ext uri="{FF2B5EF4-FFF2-40B4-BE49-F238E27FC236}">
-                <a16:creationId xmlns:a16="http://schemas.microsoft.com/office/drawing/2014/main" id="{030B0D3A-6441-43DC-BDBC-2E9EE16205E9}"/>
+                <a16:creationId xmlns:a16="http://schemas.microsoft.com/office/drawing/2014/main" id="{60BDC591-8D09-4D49-88A2-408CD1604F69}"/>
               </a:ext>
             </a:extLst>
           </p:cNvPr>
@@ -14254,7 +14445,7 @@
     </p:spTree>
     <p:extLst>
       <p:ext uri="{BB962C8B-B14F-4D97-AF65-F5344CB8AC3E}">
-        <p14:creationId xmlns:p14="http://schemas.microsoft.com/office/powerpoint/2010/main" val="2085507041"/>
+        <p14:creationId xmlns:p14="http://schemas.microsoft.com/office/powerpoint/2010/main" val="2168069617"/>
       </p:ext>
     </p:extLst>
   </p:cSld>
@@ -14265,6 +14456,228 @@
 </file>
 
 <file path=ppt/slides/slide3.xml><?xml version="1.0" encoding="utf-8"?>
+<p:sld xmlns:a="http://schemas.openxmlformats.org/drawingml/2006/main" xmlns:r="http://schemas.openxmlformats.org/officeDocument/2006/relationships" xmlns:p="http://schemas.openxmlformats.org/presentationml/2006/main">
+  <p:cSld>
+    <p:bg>
+      <p:bgPr>
+        <a:solidFill>
+          <a:schemeClr val="accent1"/>
+        </a:solidFill>
+        <a:effectLst/>
+      </p:bgPr>
+    </p:bg>
+    <p:spTree>
+      <p:nvGrpSpPr>
+        <p:cNvPr id="1" name=""/>
+        <p:cNvGrpSpPr/>
+        <p:nvPr/>
+      </p:nvGrpSpPr>
+      <p:grpSpPr>
+        <a:xfrm>
+          <a:off x="0" y="0"/>
+          <a:ext cx="0" cy="0"/>
+          <a:chOff x="0" y="0"/>
+          <a:chExt cx="0" cy="0"/>
+        </a:xfrm>
+      </p:grpSpPr>
+      <p:sp>
+        <p:nvSpPr>
+          <p:cNvPr id="2" name="Titre 1">
+            <a:extLst>
+              <a:ext uri="{FF2B5EF4-FFF2-40B4-BE49-F238E27FC236}">
+                <a16:creationId xmlns:a16="http://schemas.microsoft.com/office/drawing/2014/main" id="{4FF7EDB9-446C-41B3-A10C-73166FAF2FDA}"/>
+              </a:ext>
+            </a:extLst>
+          </p:cNvPr>
+          <p:cNvSpPr>
+            <a:spLocks noGrp="1"/>
+          </p:cNvSpPr>
+          <p:nvPr>
+            <p:ph type="title"/>
+          </p:nvPr>
+        </p:nvSpPr>
+        <p:spPr>
+          <a:xfrm>
+            <a:off x="1066800" y="642594"/>
+            <a:ext cx="10058400" cy="616190"/>
+          </a:xfrm>
+        </p:spPr>
+        <p:txBody>
+          <a:bodyPr>
+            <a:normAutofit fontScale="90000"/>
+          </a:bodyPr>
+          <a:lstStyle/>
+          <a:p>
+            <a:r>
+              <a:rPr lang="fr-FR" dirty="0"/>
+              <a:t>Intitulé du projet :</a:t>
+            </a:r>
+          </a:p>
+        </p:txBody>
+      </p:sp>
+      <p:sp>
+        <p:nvSpPr>
+          <p:cNvPr id="3" name="Espace réservé du contenu 2">
+            <a:extLst>
+              <a:ext uri="{FF2B5EF4-FFF2-40B4-BE49-F238E27FC236}">
+                <a16:creationId xmlns:a16="http://schemas.microsoft.com/office/drawing/2014/main" id="{689333BE-B370-432F-84E0-6BD6FEE6E8F0}"/>
+              </a:ext>
+            </a:extLst>
+          </p:cNvPr>
+          <p:cNvSpPr>
+            <a:spLocks noGrp="1"/>
+          </p:cNvSpPr>
+          <p:nvPr>
+            <p:ph idx="1"/>
+          </p:nvPr>
+        </p:nvSpPr>
+        <p:spPr>
+          <a:xfrm>
+            <a:off x="1066800" y="1258784"/>
+            <a:ext cx="10058400" cy="4693960"/>
+          </a:xfrm>
+        </p:spPr>
+        <p:txBody>
+          <a:bodyPr/>
+          <a:lstStyle/>
+          <a:p>
+            <a:endParaRPr lang="fr-FR" dirty="0">
+              <a:effectLst/>
+              <a:latin typeface="Arial" panose="020B0604020202020204" pitchFamily="34" charset="0"/>
+            </a:endParaRPr>
+          </a:p>
+          <a:p>
+            <a:r>
+              <a:rPr lang="fr-FR" dirty="0">
+                <a:effectLst/>
+                <a:latin typeface="Arial" panose="020B0604020202020204" pitchFamily="34" charset="0"/>
+              </a:rPr>
+              <a:t>L’objectif de ce projet est de concevoir une </a:t>
+            </a:r>
+            <a:r>
+              <a:rPr lang="fr-FR" dirty="0" err="1">
+                <a:effectLst/>
+                <a:latin typeface="Arial" panose="020B0604020202020204" pitchFamily="34" charset="0"/>
+              </a:rPr>
+              <a:t>StationMétéo</a:t>
+            </a:r>
+            <a:r>
+              <a:rPr lang="fr-FR" dirty="0">
+                <a:effectLst/>
+                <a:latin typeface="Arial" panose="020B0604020202020204" pitchFamily="34" charset="0"/>
+              </a:rPr>
+              <a:t>. </a:t>
+            </a:r>
+          </a:p>
+          <a:p>
+            <a:r>
+              <a:rPr lang="fr-FR" dirty="0">
+                <a:effectLst/>
+                <a:latin typeface="Arial" panose="020B0604020202020204" pitchFamily="34" charset="0"/>
+              </a:rPr>
+              <a:t>Cette </a:t>
+            </a:r>
+            <a:r>
+              <a:rPr lang="fr-FR" dirty="0" err="1">
+                <a:effectLst/>
+                <a:latin typeface="Arial" panose="020B0604020202020204" pitchFamily="34" charset="0"/>
+              </a:rPr>
+              <a:t>StationMétéo</a:t>
+            </a:r>
+            <a:r>
+              <a:rPr lang="fr-FR" dirty="0">
+                <a:effectLst/>
+                <a:latin typeface="Arial" panose="020B0604020202020204" pitchFamily="34" charset="0"/>
+              </a:rPr>
+              <a:t> permettra de fournir certaines informations. </a:t>
+            </a:r>
+          </a:p>
+          <a:p>
+            <a:r>
+              <a:rPr lang="fr-FR" dirty="0">
+                <a:effectLst/>
+                <a:latin typeface="Arial" panose="020B0604020202020204" pitchFamily="34" charset="0"/>
+              </a:rPr>
+              <a:t>On souhaite afficher sur cette station Météo des informations météorologiques de 2 points géographiques différents:</a:t>
+            </a:r>
+          </a:p>
+          <a:p>
+            <a:pPr lvl="1"/>
+            <a:r>
+              <a:rPr lang="fr-FR" dirty="0">
+                <a:effectLst/>
+                <a:latin typeface="Arial" panose="020B0604020202020204" pitchFamily="34" charset="0"/>
+              </a:rPr>
+              <a:t>en mer, ce qu’on appellera dans la suite du projet la Balise Mer </a:t>
+            </a:r>
+          </a:p>
+          <a:p>
+            <a:pPr lvl="1"/>
+            <a:r>
+              <a:rPr lang="fr-FR" dirty="0">
+                <a:effectLst/>
+                <a:latin typeface="Arial" panose="020B0604020202020204" pitchFamily="34" charset="0"/>
+              </a:rPr>
+              <a:t>d'une ville choisie, ce qu’on appellera dans la suite du projet la Balise Ville</a:t>
+            </a:r>
+          </a:p>
+          <a:p>
+            <a:endParaRPr lang="fr-FR" dirty="0">
+              <a:latin typeface="Arial" panose="020B0604020202020204" pitchFamily="34" charset="0"/>
+            </a:endParaRPr>
+          </a:p>
+          <a:p>
+            <a:pPr marL="0" indent="0">
+              <a:buNone/>
+            </a:pPr>
+            <a:endParaRPr lang="fr-FR" dirty="0"/>
+          </a:p>
+        </p:txBody>
+      </p:sp>
+      <p:sp>
+        <p:nvSpPr>
+          <p:cNvPr id="4" name="Espace réservé de la date 3">
+            <a:extLst>
+              <a:ext uri="{FF2B5EF4-FFF2-40B4-BE49-F238E27FC236}">
+                <a16:creationId xmlns:a16="http://schemas.microsoft.com/office/drawing/2014/main" id="{E8D4DE4B-8C07-4B00-924C-42A26DD6A3E3}"/>
+              </a:ext>
+            </a:extLst>
+          </p:cNvPr>
+          <p:cNvSpPr>
+            <a:spLocks noGrp="1"/>
+          </p:cNvSpPr>
+          <p:nvPr>
+            <p:ph type="dt" sz="half" idx="10"/>
+          </p:nvPr>
+        </p:nvSpPr>
+        <p:spPr/>
+        <p:txBody>
+          <a:bodyPr/>
+          <a:lstStyle/>
+          <a:p>
+            <a:pPr rtl="0"/>
+            <a:fld id="{802FE938-1586-4780-B61A-DD3B60BAB93C}" type="datetime1">
+              <a:rPr lang="fr-FR" smtClean="0"/>
+              <a:t>22/06/2021</a:t>
+            </a:fld>
+            <a:endParaRPr lang="en-US"/>
+          </a:p>
+        </p:txBody>
+      </p:sp>
+    </p:spTree>
+    <p:extLst>
+      <p:ext uri="{BB962C8B-B14F-4D97-AF65-F5344CB8AC3E}">
+        <p14:creationId xmlns:p14="http://schemas.microsoft.com/office/powerpoint/2010/main" val="3953630026"/>
+      </p:ext>
+    </p:extLst>
+  </p:cSld>
+  <p:clrMapOvr>
+    <a:masterClrMapping/>
+  </p:clrMapOvr>
+</p:sld>
+</file>
+
+<file path=ppt/slides/slide30.xml><?xml version="1.0" encoding="utf-8"?>
 <p:sld xmlns:a="http://schemas.openxmlformats.org/drawingml/2006/main" xmlns:r="http://schemas.openxmlformats.org/officeDocument/2006/relationships" xmlns:p="http://schemas.openxmlformats.org/presentationml/2006/main">
   <p:cSld>
     <p:spTree>
@@ -14286,7 +14699,7 @@
           <p:cNvPr id="2" name="Titre 1">
             <a:extLst>
               <a:ext uri="{FF2B5EF4-FFF2-40B4-BE49-F238E27FC236}">
-                <a16:creationId xmlns:a16="http://schemas.microsoft.com/office/drawing/2014/main" id="{4FF7EDB9-446C-41B3-A10C-73166FAF2FDA}"/>
+                <a16:creationId xmlns:a16="http://schemas.microsoft.com/office/drawing/2014/main" id="{EA53D9FC-3044-40B7-A8EB-EAB80F26D6FE}"/>
               </a:ext>
             </a:extLst>
           </p:cNvPr>
@@ -14300,7 +14713,7 @@
         <p:spPr>
           <a:xfrm>
             <a:off x="1066800" y="642594"/>
-            <a:ext cx="10058400" cy="616190"/>
+            <a:ext cx="10058400" cy="556814"/>
           </a:xfrm>
         </p:spPr>
         <p:txBody>
@@ -14311,7 +14724,7 @@
           <a:p>
             <a:r>
               <a:rPr lang="fr-FR" dirty="0"/>
-              <a:t>Intitulé du projet :</a:t>
+              <a:t>Conception du Serveur : 1 étape</a:t>
             </a:r>
           </a:p>
         </p:txBody>
@@ -14321,7 +14734,7 @@
           <p:cNvPr id="3" name="Espace réservé du contenu 2">
             <a:extLst>
               <a:ext uri="{FF2B5EF4-FFF2-40B4-BE49-F238E27FC236}">
-                <a16:creationId xmlns:a16="http://schemas.microsoft.com/office/drawing/2014/main" id="{689333BE-B370-432F-84E0-6BD6FEE6E8F0}"/>
+                <a16:creationId xmlns:a16="http://schemas.microsoft.com/office/drawing/2014/main" id="{5837093E-200E-45C2-A38D-202DB399C72A}"/>
               </a:ext>
             </a:extLst>
           </p:cNvPr>
@@ -14334,98 +14747,135 @@
         </p:nvSpPr>
         <p:spPr>
           <a:xfrm>
-            <a:off x="1066800" y="1258784"/>
-            <a:ext cx="10058400" cy="4693960"/>
-          </a:xfrm>
-        </p:spPr>
-        <p:txBody>
-          <a:bodyPr/>
-          <a:lstStyle/>
-          <a:p>
-            <a:endParaRPr lang="fr-FR" dirty="0">
-              <a:effectLst/>
-              <a:latin typeface="Arial" panose="020B0604020202020204" pitchFamily="34" charset="0"/>
-            </a:endParaRPr>
-          </a:p>
-          <a:p>
-            <a:r>
-              <a:rPr lang="fr-FR" dirty="0">
-                <a:effectLst/>
-                <a:latin typeface="Arial" panose="020B0604020202020204" pitchFamily="34" charset="0"/>
-              </a:rPr>
-              <a:t>L’objectif de ce projet est de concevoir une </a:t>
-            </a:r>
-            <a:r>
-              <a:rPr lang="fr-FR" dirty="0" err="1">
-                <a:effectLst/>
-                <a:latin typeface="Arial" panose="020B0604020202020204" pitchFamily="34" charset="0"/>
-              </a:rPr>
-              <a:t>StationMétéo</a:t>
-            </a:r>
-            <a:r>
-              <a:rPr lang="fr-FR" dirty="0">
-                <a:effectLst/>
-                <a:latin typeface="Arial" panose="020B0604020202020204" pitchFamily="34" charset="0"/>
-              </a:rPr>
-              <a:t>. </a:t>
-            </a:r>
-          </a:p>
-          <a:p>
-            <a:r>
-              <a:rPr lang="fr-FR" dirty="0">
-                <a:effectLst/>
-                <a:latin typeface="Arial" panose="020B0604020202020204" pitchFamily="34" charset="0"/>
-              </a:rPr>
-              <a:t>Cette </a:t>
-            </a:r>
-            <a:r>
-              <a:rPr lang="fr-FR" dirty="0" err="1">
-                <a:effectLst/>
-                <a:latin typeface="Arial" panose="020B0604020202020204" pitchFamily="34" charset="0"/>
-              </a:rPr>
-              <a:t>StationMétéo</a:t>
-            </a:r>
-            <a:r>
-              <a:rPr lang="fr-FR" dirty="0">
-                <a:effectLst/>
-                <a:latin typeface="Arial" panose="020B0604020202020204" pitchFamily="34" charset="0"/>
-              </a:rPr>
-              <a:t> permettra de fournir certaines informations. </a:t>
-            </a:r>
-          </a:p>
-          <a:p>
-            <a:r>
-              <a:rPr lang="fr-FR" dirty="0">
-                <a:effectLst/>
-                <a:latin typeface="Arial" panose="020B0604020202020204" pitchFamily="34" charset="0"/>
-              </a:rPr>
-              <a:t>On souhaite afficher sur cette station Météo des informations météorologiques de 2 points géographiques différents:</a:t>
-            </a:r>
-          </a:p>
-          <a:p>
-            <a:pPr lvl="1"/>
-            <a:r>
-              <a:rPr lang="fr-FR" dirty="0">
-                <a:effectLst/>
-                <a:latin typeface="Arial" panose="020B0604020202020204" pitchFamily="34" charset="0"/>
-              </a:rPr>
-              <a:t>en mer, ce qu’on appellera dans la suite du projet la Balise Mer </a:t>
-            </a:r>
-          </a:p>
-          <a:p>
-            <a:pPr lvl="1"/>
-            <a:r>
-              <a:rPr lang="fr-FR" dirty="0">
-                <a:effectLst/>
-                <a:latin typeface="Arial" panose="020B0604020202020204" pitchFamily="34" charset="0"/>
-              </a:rPr>
-              <a:t>d'une ville choisie, ce qu’on appellera dans la suite du projet la Balise Ville</a:t>
-            </a:r>
-          </a:p>
-          <a:p>
-            <a:endParaRPr lang="fr-FR" dirty="0">
-              <a:latin typeface="Arial" panose="020B0604020202020204" pitchFamily="34" charset="0"/>
-            </a:endParaRPr>
+            <a:off x="1066800" y="1300348"/>
+            <a:ext cx="10058400" cy="4652396"/>
+          </a:xfrm>
+        </p:spPr>
+        <p:txBody>
+          <a:bodyPr>
+            <a:normAutofit/>
+          </a:bodyPr>
+          <a:lstStyle/>
+          <a:p>
+            <a:pPr lvl="2"/>
+            <a:r>
+              <a:rPr lang="fr-FR" dirty="0"/>
+              <a:t>Création d’un projet cross platform UNIX/WINDOWS avec CMAKE </a:t>
+            </a:r>
+          </a:p>
+          <a:p>
+            <a:pPr lvl="3"/>
+            <a:r>
+              <a:rPr lang="fr-FR" dirty="0"/>
+              <a:t>L’idée était de :</a:t>
+            </a:r>
+          </a:p>
+          <a:p>
+            <a:pPr lvl="4"/>
+            <a:r>
+              <a:rPr lang="fr-FR" dirty="0"/>
+              <a:t>faire le plus gros du projet sous </a:t>
+            </a:r>
+            <a:r>
+              <a:rPr lang="fr-FR" dirty="0" err="1"/>
+              <a:t>windows</a:t>
+            </a:r>
+            <a:endParaRPr lang="fr-FR" dirty="0"/>
+          </a:p>
+          <a:p>
+            <a:pPr lvl="4"/>
+            <a:r>
+              <a:rPr lang="fr-FR" dirty="0"/>
+              <a:t>Faire le déploiement, derniers test, et configuration serveurs sur la machine linux</a:t>
+            </a:r>
+          </a:p>
+          <a:p>
+            <a:pPr lvl="3"/>
+            <a:endParaRPr lang="fr-FR" dirty="0"/>
+          </a:p>
+          <a:p>
+            <a:pPr lvl="3"/>
+            <a:r>
+              <a:rPr lang="fr-FR" dirty="0"/>
+              <a:t>Les  + de développer sous Windows : </a:t>
+            </a:r>
+          </a:p>
+          <a:p>
+            <a:pPr lvl="4"/>
+            <a:r>
+              <a:rPr lang="fr-FR" dirty="0"/>
+              <a:t>Pouvoir faciliter la mise au point et le </a:t>
+            </a:r>
+            <a:r>
+              <a:rPr lang="fr-FR" dirty="0" err="1"/>
+              <a:t>debug</a:t>
+            </a:r>
+            <a:r>
+              <a:rPr lang="fr-FR" dirty="0"/>
+              <a:t> avec les outils visuel de </a:t>
+            </a:r>
+            <a:r>
+              <a:rPr lang="fr-FR" dirty="0" err="1"/>
+              <a:t>visual</a:t>
+            </a:r>
+            <a:r>
+              <a:rPr lang="fr-FR" dirty="0"/>
+              <a:t> studio 2019 :</a:t>
+            </a:r>
+          </a:p>
+          <a:p>
+            <a:pPr lvl="5"/>
+            <a:r>
+              <a:rPr lang="fr-FR" dirty="0"/>
+              <a:t>Debugger</a:t>
+            </a:r>
+          </a:p>
+          <a:p>
+            <a:pPr lvl="5"/>
+            <a:r>
+              <a:rPr lang="fr-FR" dirty="0"/>
+              <a:t>Profiler</a:t>
+            </a:r>
+          </a:p>
+          <a:p>
+            <a:pPr lvl="5"/>
+            <a:r>
+              <a:rPr lang="fr-FR" dirty="0"/>
+              <a:t>Analyseur de fuite mémoire</a:t>
+            </a:r>
+          </a:p>
+          <a:p>
+            <a:pPr lvl="5"/>
+            <a:r>
+              <a:rPr lang="fr-FR" dirty="0" err="1"/>
+              <a:t>Refactoring</a:t>
+            </a:r>
+            <a:endParaRPr lang="fr-FR" dirty="0"/>
+          </a:p>
+          <a:p>
+            <a:pPr lvl="5"/>
+            <a:r>
+              <a:rPr lang="fr-FR" dirty="0"/>
+              <a:t>Test du serveur avec Firefox/Chrome</a:t>
+            </a:r>
+          </a:p>
+          <a:p>
+            <a:pPr lvl="5"/>
+            <a:endParaRPr lang="fr-FR" dirty="0"/>
+          </a:p>
+          <a:p>
+            <a:pPr lvl="3"/>
+            <a:r>
+              <a:rPr lang="fr-FR" dirty="0"/>
+              <a:t>Les - de développer sous Windows :</a:t>
+            </a:r>
+          </a:p>
+          <a:p>
+            <a:pPr lvl="4"/>
+            <a:r>
+              <a:rPr lang="fr-FR" dirty="0"/>
+              <a:t>Pas accès au capteur BME280.</a:t>
+            </a:r>
           </a:p>
           <a:p>
             <a:pPr marL="0" indent="0">
@@ -14433,6 +14883,16 @@
             </a:pPr>
             <a:endParaRPr lang="fr-FR" dirty="0"/>
           </a:p>
+          <a:p>
+            <a:pPr lvl="3"/>
+            <a:endParaRPr lang="fr-FR" dirty="0"/>
+          </a:p>
+          <a:p>
+            <a:pPr marL="0" indent="0">
+              <a:buNone/>
+            </a:pPr>
+            <a:endParaRPr lang="fr-FR" dirty="0"/>
+          </a:p>
         </p:txBody>
       </p:sp>
       <p:sp>
@@ -14440,7 +14900,7 @@
           <p:cNvPr id="4" name="Espace réservé de la date 3">
             <a:extLst>
               <a:ext uri="{FF2B5EF4-FFF2-40B4-BE49-F238E27FC236}">
-                <a16:creationId xmlns:a16="http://schemas.microsoft.com/office/drawing/2014/main" id="{E8D4DE4B-8C07-4B00-924C-42A26DD6A3E3}"/>
+                <a16:creationId xmlns:a16="http://schemas.microsoft.com/office/drawing/2014/main" id="{60BDC591-8D09-4D49-88A2-408CD1604F69}"/>
               </a:ext>
             </a:extLst>
           </p:cNvPr>
@@ -14468,7 +14928,1054 @@
     </p:spTree>
     <p:extLst>
       <p:ext uri="{BB962C8B-B14F-4D97-AF65-F5344CB8AC3E}">
-        <p14:creationId xmlns:p14="http://schemas.microsoft.com/office/powerpoint/2010/main" val="3953630026"/>
+        <p14:creationId xmlns:p14="http://schemas.microsoft.com/office/powerpoint/2010/main" val="2089308026"/>
+      </p:ext>
+    </p:extLst>
+  </p:cSld>
+  <p:clrMapOvr>
+    <a:masterClrMapping/>
+  </p:clrMapOvr>
+</p:sld>
+</file>
+
+<file path=ppt/slides/slide31.xml><?xml version="1.0" encoding="utf-8"?>
+<p:sld xmlns:a="http://schemas.openxmlformats.org/drawingml/2006/main" xmlns:r="http://schemas.openxmlformats.org/officeDocument/2006/relationships" xmlns:p="http://schemas.openxmlformats.org/presentationml/2006/main">
+  <p:cSld>
+    <p:spTree>
+      <p:nvGrpSpPr>
+        <p:cNvPr id="1" name=""/>
+        <p:cNvGrpSpPr/>
+        <p:nvPr/>
+      </p:nvGrpSpPr>
+      <p:grpSpPr>
+        <a:xfrm>
+          <a:off x="0" y="0"/>
+          <a:ext cx="0" cy="0"/>
+          <a:chOff x="0" y="0"/>
+          <a:chExt cx="0" cy="0"/>
+        </a:xfrm>
+      </p:grpSpPr>
+      <p:sp>
+        <p:nvSpPr>
+          <p:cNvPr id="2" name="Titre 1">
+            <a:extLst>
+              <a:ext uri="{FF2B5EF4-FFF2-40B4-BE49-F238E27FC236}">
+                <a16:creationId xmlns:a16="http://schemas.microsoft.com/office/drawing/2014/main" id="{EA53D9FC-3044-40B7-A8EB-EAB80F26D6FE}"/>
+              </a:ext>
+            </a:extLst>
+          </p:cNvPr>
+          <p:cNvSpPr>
+            <a:spLocks noGrp="1"/>
+          </p:cNvSpPr>
+          <p:nvPr>
+            <p:ph type="title"/>
+          </p:nvPr>
+        </p:nvSpPr>
+        <p:spPr>
+          <a:xfrm>
+            <a:off x="1066800" y="642594"/>
+            <a:ext cx="10058400" cy="556814"/>
+          </a:xfrm>
+        </p:spPr>
+        <p:txBody>
+          <a:bodyPr>
+            <a:normAutofit fontScale="90000"/>
+          </a:bodyPr>
+          <a:lstStyle/>
+          <a:p>
+            <a:r>
+              <a:rPr lang="fr-FR" dirty="0"/>
+              <a:t>Conception du Serveur : 2eme étape</a:t>
+            </a:r>
+          </a:p>
+        </p:txBody>
+      </p:sp>
+      <p:sp>
+        <p:nvSpPr>
+          <p:cNvPr id="3" name="Espace réservé du contenu 2">
+            <a:extLst>
+              <a:ext uri="{FF2B5EF4-FFF2-40B4-BE49-F238E27FC236}">
+                <a16:creationId xmlns:a16="http://schemas.microsoft.com/office/drawing/2014/main" id="{5837093E-200E-45C2-A38D-202DB399C72A}"/>
+              </a:ext>
+            </a:extLst>
+          </p:cNvPr>
+          <p:cNvSpPr>
+            <a:spLocks noGrp="1"/>
+          </p:cNvSpPr>
+          <p:nvPr>
+            <p:ph idx="1"/>
+          </p:nvPr>
+        </p:nvSpPr>
+        <p:spPr>
+          <a:xfrm>
+            <a:off x="1066800" y="1300348"/>
+            <a:ext cx="10058400" cy="4652396"/>
+          </a:xfrm>
+        </p:spPr>
+        <p:txBody>
+          <a:bodyPr>
+            <a:normAutofit/>
+          </a:bodyPr>
+          <a:lstStyle/>
+          <a:p>
+            <a:pPr marL="0" indent="0">
+              <a:buNone/>
+            </a:pPr>
+            <a:r>
+              <a:rPr lang="fr-FR" dirty="0"/>
+              <a:t>Mise au point sous Windows avec Visual studio :</a:t>
+            </a:r>
+          </a:p>
+          <a:p>
+            <a:pPr lvl="1"/>
+            <a:r>
+              <a:rPr lang="fr-FR" dirty="0"/>
+              <a:t>Création d’un projet cross platform UNIX/WINDOWS avec CMAKE :</a:t>
+            </a:r>
+          </a:p>
+          <a:p>
+            <a:pPr lvl="2"/>
+            <a:r>
+              <a:rPr lang="fr-FR" dirty="0"/>
+              <a:t>Ajout dans le projet de tierce partie :</a:t>
+            </a:r>
+          </a:p>
+          <a:p>
+            <a:pPr lvl="3"/>
+            <a:r>
+              <a:rPr lang="fr-FR" dirty="0"/>
+              <a:t>Du code source du Driver BME 280</a:t>
+            </a:r>
+          </a:p>
+          <a:p>
+            <a:pPr lvl="3"/>
+            <a:r>
+              <a:rPr lang="fr-FR" dirty="0"/>
+              <a:t>Du code source de </a:t>
+            </a:r>
+            <a:r>
+              <a:rPr lang="fr-FR" dirty="0" err="1"/>
+              <a:t>BuildInc</a:t>
+            </a:r>
+            <a:r>
+              <a:rPr lang="fr-FR" dirty="0"/>
+              <a:t> : petit utilitaire qui permet d’</a:t>
+            </a:r>
+            <a:r>
+              <a:rPr lang="fr-FR" dirty="0" err="1"/>
+              <a:t>incrementer</a:t>
+            </a:r>
+            <a:r>
+              <a:rPr lang="fr-FR" dirty="0"/>
+              <a:t> un numéro de </a:t>
+            </a:r>
+            <a:r>
+              <a:rPr lang="fr-FR" dirty="0" err="1"/>
+              <a:t>build</a:t>
+            </a:r>
+            <a:r>
+              <a:rPr lang="fr-FR" dirty="0"/>
+              <a:t> a chaque </a:t>
+            </a:r>
+            <a:r>
+              <a:rPr lang="fr-FR" dirty="0" err="1"/>
+              <a:t>build</a:t>
+            </a:r>
+            <a:endParaRPr lang="fr-FR" dirty="0"/>
+          </a:p>
+          <a:p>
+            <a:pPr lvl="3"/>
+            <a:r>
+              <a:rPr lang="fr-FR" dirty="0"/>
+              <a:t>Du code source de </a:t>
+            </a:r>
+            <a:r>
+              <a:rPr lang="fr-FR" dirty="0" err="1"/>
+              <a:t>libuv</a:t>
+            </a:r>
+            <a:r>
+              <a:rPr lang="fr-FR" dirty="0"/>
+              <a:t> : la libraire de communication réseau</a:t>
+            </a:r>
+          </a:p>
+          <a:p>
+            <a:pPr lvl="3"/>
+            <a:r>
+              <a:rPr lang="fr-FR" dirty="0"/>
+              <a:t>Du code source de SQlite3</a:t>
+            </a:r>
+          </a:p>
+          <a:p>
+            <a:pPr lvl="3"/>
+            <a:r>
+              <a:rPr lang="fr-FR" dirty="0"/>
+              <a:t>Du code source de </a:t>
+            </a:r>
+            <a:r>
+              <a:rPr lang="fr-FR" dirty="0" err="1"/>
+              <a:t>uv_cpp</a:t>
+            </a:r>
+            <a:r>
+              <a:rPr lang="fr-FR" dirty="0"/>
+              <a:t> : le </a:t>
+            </a:r>
+            <a:r>
+              <a:rPr lang="fr-FR" dirty="0" err="1"/>
+              <a:t>wrapper</a:t>
+            </a:r>
+            <a:r>
+              <a:rPr lang="fr-FR" dirty="0"/>
+              <a:t> </a:t>
+            </a:r>
+            <a:r>
+              <a:rPr lang="fr-FR" dirty="0" err="1"/>
+              <a:t>cpp</a:t>
+            </a:r>
+            <a:r>
+              <a:rPr lang="fr-FR" dirty="0"/>
+              <a:t> pour </a:t>
+            </a:r>
+            <a:r>
+              <a:rPr lang="fr-FR" dirty="0" err="1"/>
+              <a:t>libuv</a:t>
+            </a:r>
+            <a:endParaRPr lang="fr-FR" dirty="0"/>
+          </a:p>
+          <a:p>
+            <a:pPr lvl="2"/>
+            <a:r>
+              <a:rPr lang="fr-FR" dirty="0"/>
+              <a:t>Ajout dans le projet du code utile reparti en module :</a:t>
+            </a:r>
+          </a:p>
+          <a:p>
+            <a:pPr lvl="3"/>
+            <a:r>
+              <a:rPr lang="fr-FR" dirty="0"/>
+              <a:t>Un module pour gérer le serveur HTTP : réception / traitement / envoi de requête HTTP</a:t>
+            </a:r>
+          </a:p>
+          <a:p>
+            <a:pPr lvl="3"/>
+            <a:r>
+              <a:rPr lang="fr-FR" dirty="0"/>
+              <a:t>Un module pour gérer le capteur : mesure du capteur et formatage des données mesurées</a:t>
+            </a:r>
+          </a:p>
+          <a:p>
+            <a:pPr lvl="3"/>
+            <a:r>
+              <a:rPr lang="fr-FR" dirty="0"/>
+              <a:t>Un module pour gérer la base de donnée : ajout de donnée / extraction sous forme JSON</a:t>
+            </a:r>
+          </a:p>
+          <a:p>
+            <a:pPr lvl="3"/>
+            <a:r>
+              <a:rPr lang="fr-FR" dirty="0"/>
+              <a:t>Un module pour piloter la mesure et l’inscription dans la base de donnée suivant un </a:t>
+            </a:r>
+            <a:r>
+              <a:rPr lang="fr-FR" dirty="0" err="1"/>
+              <a:t>timer</a:t>
+            </a:r>
+            <a:r>
+              <a:rPr lang="fr-FR" dirty="0"/>
+              <a:t>. Ici toute les heures</a:t>
+            </a:r>
+          </a:p>
+          <a:p>
+            <a:pPr lvl="3"/>
+            <a:r>
+              <a:rPr lang="fr-FR" dirty="0"/>
+              <a:t>Un module pour extraire les infos du serveur : </a:t>
+            </a:r>
+          </a:p>
+          <a:p>
+            <a:pPr lvl="4"/>
+            <a:r>
+              <a:rPr lang="fr-FR" dirty="0"/>
+              <a:t>Infos de l’os : version, </a:t>
+            </a:r>
+            <a:r>
+              <a:rPr lang="fr-FR" dirty="0" err="1"/>
+              <a:t>cpu</a:t>
+            </a:r>
+            <a:endParaRPr lang="fr-FR" dirty="0"/>
+          </a:p>
+          <a:p>
+            <a:pPr lvl="4"/>
+            <a:r>
+              <a:rPr lang="fr-FR" dirty="0"/>
+              <a:t>Infos sur la bd : nombre d’enregistrements, version de la bd, chemin de la bd</a:t>
+            </a:r>
+          </a:p>
+          <a:p>
+            <a:pPr lvl="4"/>
+            <a:r>
+              <a:rPr lang="fr-FR" dirty="0"/>
+              <a:t>Infos sur le serveur : version, ligne de commande utilisé</a:t>
+            </a:r>
+          </a:p>
+          <a:p>
+            <a:pPr lvl="3"/>
+            <a:r>
+              <a:rPr lang="fr-FR" dirty="0"/>
+              <a:t>Ajout de l’</a:t>
+            </a:r>
+            <a:r>
+              <a:rPr lang="fr-FR" dirty="0" err="1"/>
+              <a:t>nty</a:t>
+            </a:r>
+            <a:r>
+              <a:rPr lang="fr-FR" dirty="0"/>
+              <a:t> point du projet :</a:t>
+            </a:r>
+          </a:p>
+          <a:p>
+            <a:pPr lvl="3"/>
+            <a:endParaRPr lang="fr-FR" dirty="0"/>
+          </a:p>
+          <a:p>
+            <a:pPr marL="0" indent="0">
+              <a:buNone/>
+            </a:pPr>
+            <a:endParaRPr lang="fr-FR" dirty="0"/>
+          </a:p>
+        </p:txBody>
+      </p:sp>
+      <p:sp>
+        <p:nvSpPr>
+          <p:cNvPr id="4" name="Espace réservé de la date 3">
+            <a:extLst>
+              <a:ext uri="{FF2B5EF4-FFF2-40B4-BE49-F238E27FC236}">
+                <a16:creationId xmlns:a16="http://schemas.microsoft.com/office/drawing/2014/main" id="{60BDC591-8D09-4D49-88A2-408CD1604F69}"/>
+              </a:ext>
+            </a:extLst>
+          </p:cNvPr>
+          <p:cNvSpPr>
+            <a:spLocks noGrp="1"/>
+          </p:cNvSpPr>
+          <p:nvPr>
+            <p:ph type="dt" sz="half" idx="10"/>
+          </p:nvPr>
+        </p:nvSpPr>
+        <p:spPr/>
+        <p:txBody>
+          <a:bodyPr/>
+          <a:lstStyle/>
+          <a:p>
+            <a:pPr rtl="0"/>
+            <a:fld id="{802FE938-1586-4780-B61A-DD3B60BAB93C}" type="datetime1">
+              <a:rPr lang="fr-FR" smtClean="0"/>
+              <a:t>22/06/2021</a:t>
+            </a:fld>
+            <a:endParaRPr lang="en-US"/>
+          </a:p>
+        </p:txBody>
+      </p:sp>
+    </p:spTree>
+    <p:extLst>
+      <p:ext uri="{BB962C8B-B14F-4D97-AF65-F5344CB8AC3E}">
+        <p14:creationId xmlns:p14="http://schemas.microsoft.com/office/powerpoint/2010/main" val="1185517342"/>
+      </p:ext>
+    </p:extLst>
+  </p:cSld>
+  <p:clrMapOvr>
+    <a:masterClrMapping/>
+  </p:clrMapOvr>
+</p:sld>
+</file>
+
+<file path=ppt/slides/slide32.xml><?xml version="1.0" encoding="utf-8"?>
+<p:sld xmlns:a="http://schemas.openxmlformats.org/drawingml/2006/main" xmlns:r="http://schemas.openxmlformats.org/officeDocument/2006/relationships" xmlns:p="http://schemas.openxmlformats.org/presentationml/2006/main">
+  <p:cSld>
+    <p:spTree>
+      <p:nvGrpSpPr>
+        <p:cNvPr id="1" name=""/>
+        <p:cNvGrpSpPr/>
+        <p:nvPr/>
+      </p:nvGrpSpPr>
+      <p:grpSpPr>
+        <a:xfrm>
+          <a:off x="0" y="0"/>
+          <a:ext cx="0" cy="0"/>
+          <a:chOff x="0" y="0"/>
+          <a:chExt cx="0" cy="0"/>
+        </a:xfrm>
+      </p:grpSpPr>
+      <p:sp>
+        <p:nvSpPr>
+          <p:cNvPr id="2" name="Titre 1">
+            <a:extLst>
+              <a:ext uri="{FF2B5EF4-FFF2-40B4-BE49-F238E27FC236}">
+                <a16:creationId xmlns:a16="http://schemas.microsoft.com/office/drawing/2014/main" id="{EA53D9FC-3044-40B7-A8EB-EAB80F26D6FE}"/>
+              </a:ext>
+            </a:extLst>
+          </p:cNvPr>
+          <p:cNvSpPr>
+            <a:spLocks noGrp="1"/>
+          </p:cNvSpPr>
+          <p:nvPr>
+            <p:ph type="title"/>
+          </p:nvPr>
+        </p:nvSpPr>
+        <p:spPr>
+          <a:xfrm>
+            <a:off x="1066800" y="642594"/>
+            <a:ext cx="10058400" cy="556814"/>
+          </a:xfrm>
+        </p:spPr>
+        <p:txBody>
+          <a:bodyPr>
+            <a:normAutofit fontScale="90000"/>
+          </a:bodyPr>
+          <a:lstStyle/>
+          <a:p>
+            <a:r>
+              <a:rPr lang="fr-FR" dirty="0"/>
+              <a:t>Conception du Serveur</a:t>
+            </a:r>
+          </a:p>
+        </p:txBody>
+      </p:sp>
+      <p:sp>
+        <p:nvSpPr>
+          <p:cNvPr id="3" name="Espace réservé du contenu 2">
+            <a:extLst>
+              <a:ext uri="{FF2B5EF4-FFF2-40B4-BE49-F238E27FC236}">
+                <a16:creationId xmlns:a16="http://schemas.microsoft.com/office/drawing/2014/main" id="{5837093E-200E-45C2-A38D-202DB399C72A}"/>
+              </a:ext>
+            </a:extLst>
+          </p:cNvPr>
+          <p:cNvSpPr>
+            <a:spLocks noGrp="1"/>
+          </p:cNvSpPr>
+          <p:nvPr>
+            <p:ph idx="1"/>
+          </p:nvPr>
+        </p:nvSpPr>
+        <p:spPr>
+          <a:xfrm>
+            <a:off x="1066800" y="1300348"/>
+            <a:ext cx="10058400" cy="4652396"/>
+          </a:xfrm>
+        </p:spPr>
+        <p:txBody>
+          <a:bodyPr>
+            <a:normAutofit lnSpcReduction="10000"/>
+          </a:bodyPr>
+          <a:lstStyle/>
+          <a:p>
+            <a:pPr marL="0" indent="0">
+              <a:buNone/>
+            </a:pPr>
+            <a:r>
+              <a:rPr lang="fr-FR" dirty="0"/>
+              <a:t>Mise au point sous Windows avec Visual studio :</a:t>
+            </a:r>
+          </a:p>
+          <a:p>
+            <a:pPr lvl="1"/>
+            <a:r>
+              <a:rPr lang="fr-FR" dirty="0"/>
+              <a:t>Création d’un projet cross platform UNIX/WINDOWS avec CMAKE :</a:t>
+            </a:r>
+          </a:p>
+          <a:p>
+            <a:pPr lvl="2"/>
+            <a:r>
+              <a:rPr lang="fr-FR" dirty="0"/>
+              <a:t>Ajout dans le projet de tierce partie :</a:t>
+            </a:r>
+          </a:p>
+          <a:p>
+            <a:pPr lvl="3"/>
+            <a:r>
+              <a:rPr lang="fr-FR" dirty="0"/>
+              <a:t>Du code source du Driver BME 280</a:t>
+            </a:r>
+          </a:p>
+          <a:p>
+            <a:pPr lvl="3"/>
+            <a:r>
+              <a:rPr lang="fr-FR" dirty="0"/>
+              <a:t>Du code source de </a:t>
+            </a:r>
+            <a:r>
+              <a:rPr lang="fr-FR" dirty="0" err="1"/>
+              <a:t>BuildInc</a:t>
+            </a:r>
+            <a:r>
+              <a:rPr lang="fr-FR" dirty="0"/>
+              <a:t> : petit utilitaire qui permet d’</a:t>
+            </a:r>
+            <a:r>
+              <a:rPr lang="fr-FR" dirty="0" err="1"/>
+              <a:t>incrementer</a:t>
+            </a:r>
+            <a:r>
+              <a:rPr lang="fr-FR" dirty="0"/>
+              <a:t> un numéro de </a:t>
+            </a:r>
+            <a:r>
+              <a:rPr lang="fr-FR" dirty="0" err="1"/>
+              <a:t>build</a:t>
+            </a:r>
+            <a:r>
+              <a:rPr lang="fr-FR" dirty="0"/>
+              <a:t> a chaque </a:t>
+            </a:r>
+            <a:r>
+              <a:rPr lang="fr-FR" dirty="0" err="1"/>
+              <a:t>build</a:t>
+            </a:r>
+            <a:endParaRPr lang="fr-FR" dirty="0"/>
+          </a:p>
+          <a:p>
+            <a:pPr lvl="3"/>
+            <a:r>
+              <a:rPr lang="fr-FR" dirty="0"/>
+              <a:t>Du code source de </a:t>
+            </a:r>
+            <a:r>
+              <a:rPr lang="fr-FR" dirty="0" err="1"/>
+              <a:t>libuv</a:t>
+            </a:r>
+            <a:r>
+              <a:rPr lang="fr-FR" dirty="0"/>
+              <a:t> : la libraire de communication réseau</a:t>
+            </a:r>
+          </a:p>
+          <a:p>
+            <a:pPr lvl="3"/>
+            <a:r>
+              <a:rPr lang="fr-FR" dirty="0"/>
+              <a:t>Du code source de SQlite3</a:t>
+            </a:r>
+          </a:p>
+          <a:p>
+            <a:pPr lvl="3"/>
+            <a:r>
+              <a:rPr lang="fr-FR" dirty="0"/>
+              <a:t>Du code source de </a:t>
+            </a:r>
+            <a:r>
+              <a:rPr lang="fr-FR" dirty="0" err="1"/>
+              <a:t>uv_cpp</a:t>
+            </a:r>
+            <a:r>
+              <a:rPr lang="fr-FR" dirty="0"/>
+              <a:t> : le </a:t>
+            </a:r>
+            <a:r>
+              <a:rPr lang="fr-FR" dirty="0" err="1"/>
+              <a:t>wrapper</a:t>
+            </a:r>
+            <a:r>
+              <a:rPr lang="fr-FR" dirty="0"/>
+              <a:t> </a:t>
+            </a:r>
+            <a:r>
+              <a:rPr lang="fr-FR" dirty="0" err="1"/>
+              <a:t>cpp</a:t>
+            </a:r>
+            <a:r>
+              <a:rPr lang="fr-FR" dirty="0"/>
+              <a:t> pour </a:t>
+            </a:r>
+            <a:r>
+              <a:rPr lang="fr-FR" dirty="0" err="1"/>
+              <a:t>libuv</a:t>
+            </a:r>
+            <a:endParaRPr lang="fr-FR" dirty="0"/>
+          </a:p>
+          <a:p>
+            <a:pPr lvl="2"/>
+            <a:r>
+              <a:rPr lang="fr-FR" dirty="0"/>
+              <a:t>Ajout dans le projet du code utile reparti en module :</a:t>
+            </a:r>
+          </a:p>
+          <a:p>
+            <a:pPr lvl="3"/>
+            <a:r>
+              <a:rPr lang="fr-FR" dirty="0"/>
+              <a:t>Un module pour gérer le serveur HTTP : réception / traitement / envoi de requête HTTP</a:t>
+            </a:r>
+          </a:p>
+          <a:p>
+            <a:pPr lvl="3"/>
+            <a:r>
+              <a:rPr lang="fr-FR" dirty="0"/>
+              <a:t>Un module pour gérer le capteur : mesure du capteur et formatage des données mesurées</a:t>
+            </a:r>
+          </a:p>
+          <a:p>
+            <a:pPr lvl="3"/>
+            <a:r>
+              <a:rPr lang="fr-FR" dirty="0"/>
+              <a:t>Un module pour gérer la base de donnée : ajout de donnée / extraction sous forme JSON</a:t>
+            </a:r>
+          </a:p>
+          <a:p>
+            <a:pPr lvl="3"/>
+            <a:r>
+              <a:rPr lang="fr-FR" dirty="0"/>
+              <a:t>Un module pour piloter la mesure et l’inscription dans la base de donnée suivant un </a:t>
+            </a:r>
+            <a:r>
+              <a:rPr lang="fr-FR" dirty="0" err="1"/>
+              <a:t>timer</a:t>
+            </a:r>
+            <a:r>
+              <a:rPr lang="fr-FR" dirty="0"/>
+              <a:t>. Ici toute les heures</a:t>
+            </a:r>
+          </a:p>
+          <a:p>
+            <a:pPr lvl="3"/>
+            <a:r>
+              <a:rPr lang="fr-FR" dirty="0"/>
+              <a:t>Un module pour extraire les infos du serveur : </a:t>
+            </a:r>
+          </a:p>
+          <a:p>
+            <a:pPr lvl="4"/>
+            <a:r>
+              <a:rPr lang="fr-FR" dirty="0"/>
+              <a:t>Infos de l’os : version, </a:t>
+            </a:r>
+            <a:r>
+              <a:rPr lang="fr-FR" dirty="0" err="1"/>
+              <a:t>cpu</a:t>
+            </a:r>
+            <a:endParaRPr lang="fr-FR" dirty="0"/>
+          </a:p>
+          <a:p>
+            <a:pPr lvl="4"/>
+            <a:r>
+              <a:rPr lang="fr-FR" dirty="0"/>
+              <a:t>Infos sur la bd : nombre d’enregistrements, version de la bd, chemin de la bd</a:t>
+            </a:r>
+          </a:p>
+          <a:p>
+            <a:pPr lvl="4"/>
+            <a:r>
+              <a:rPr lang="fr-FR" dirty="0"/>
+              <a:t>Infos sur le serveur : version, ligne de commande utilisé</a:t>
+            </a:r>
+          </a:p>
+          <a:p>
+            <a:pPr lvl="3"/>
+            <a:r>
+              <a:rPr lang="fr-FR" dirty="0"/>
+              <a:t>Ajout du point d’entrée du projet :</a:t>
+            </a:r>
+          </a:p>
+          <a:p>
+            <a:pPr lvl="4"/>
+            <a:r>
+              <a:rPr lang="fr-FR" dirty="0"/>
+              <a:t>Ajout d’une interface de ligne de commande configurable dans la logique des commande UNIX</a:t>
+            </a:r>
+          </a:p>
+          <a:p>
+            <a:pPr lvl="3"/>
+            <a:endParaRPr lang="fr-FR" dirty="0"/>
+          </a:p>
+          <a:p>
+            <a:pPr marL="0" indent="0">
+              <a:buNone/>
+            </a:pPr>
+            <a:endParaRPr lang="fr-FR" dirty="0"/>
+          </a:p>
+        </p:txBody>
+      </p:sp>
+      <p:sp>
+        <p:nvSpPr>
+          <p:cNvPr id="4" name="Espace réservé de la date 3">
+            <a:extLst>
+              <a:ext uri="{FF2B5EF4-FFF2-40B4-BE49-F238E27FC236}">
+                <a16:creationId xmlns:a16="http://schemas.microsoft.com/office/drawing/2014/main" id="{60BDC591-8D09-4D49-88A2-408CD1604F69}"/>
+              </a:ext>
+            </a:extLst>
+          </p:cNvPr>
+          <p:cNvSpPr>
+            <a:spLocks noGrp="1"/>
+          </p:cNvSpPr>
+          <p:nvPr>
+            <p:ph type="dt" sz="half" idx="10"/>
+          </p:nvPr>
+        </p:nvSpPr>
+        <p:spPr/>
+        <p:txBody>
+          <a:bodyPr/>
+          <a:lstStyle/>
+          <a:p>
+            <a:pPr rtl="0"/>
+            <a:fld id="{802FE938-1586-4780-B61A-DD3B60BAB93C}" type="datetime1">
+              <a:rPr lang="fr-FR" smtClean="0"/>
+              <a:t>22/06/2021</a:t>
+            </a:fld>
+            <a:endParaRPr lang="en-US"/>
+          </a:p>
+        </p:txBody>
+      </p:sp>
+    </p:spTree>
+    <p:extLst>
+      <p:ext uri="{BB962C8B-B14F-4D97-AF65-F5344CB8AC3E}">
+        <p14:creationId xmlns:p14="http://schemas.microsoft.com/office/powerpoint/2010/main" val="3877532116"/>
+      </p:ext>
+    </p:extLst>
+  </p:cSld>
+  <p:clrMapOvr>
+    <a:masterClrMapping/>
+  </p:clrMapOvr>
+</p:sld>
+</file>
+
+<file path=ppt/slides/slide33.xml><?xml version="1.0" encoding="utf-8"?>
+<p:sld xmlns:a="http://schemas.openxmlformats.org/drawingml/2006/main" xmlns:r="http://schemas.openxmlformats.org/officeDocument/2006/relationships" xmlns:p="http://schemas.openxmlformats.org/presentationml/2006/main">
+  <p:cSld>
+    <p:spTree>
+      <p:nvGrpSpPr>
+        <p:cNvPr id="1" name=""/>
+        <p:cNvGrpSpPr/>
+        <p:nvPr/>
+      </p:nvGrpSpPr>
+      <p:grpSpPr>
+        <a:xfrm>
+          <a:off x="0" y="0"/>
+          <a:ext cx="0" cy="0"/>
+          <a:chOff x="0" y="0"/>
+          <a:chExt cx="0" cy="0"/>
+        </a:xfrm>
+      </p:grpSpPr>
+      <p:sp>
+        <p:nvSpPr>
+          <p:cNvPr id="5" name="Titre 4">
+            <a:extLst>
+              <a:ext uri="{FF2B5EF4-FFF2-40B4-BE49-F238E27FC236}">
+                <a16:creationId xmlns:a16="http://schemas.microsoft.com/office/drawing/2014/main" id="{B535D397-2E1B-4C1E-A392-E2A43916D949}"/>
+              </a:ext>
+            </a:extLst>
+          </p:cNvPr>
+          <p:cNvSpPr>
+            <a:spLocks noGrp="1"/>
+          </p:cNvSpPr>
+          <p:nvPr>
+            <p:ph type="ctrTitle"/>
+          </p:nvPr>
+        </p:nvSpPr>
+        <p:spPr/>
+        <p:txBody>
+          <a:bodyPr/>
+          <a:lstStyle/>
+          <a:p>
+            <a:r>
+              <a:rPr lang="fr-FR" dirty="0"/>
+              <a:t>LA FINITION</a:t>
+            </a:r>
+          </a:p>
+        </p:txBody>
+      </p:sp>
+      <p:sp>
+        <p:nvSpPr>
+          <p:cNvPr id="6" name="Sous-titre 5">
+            <a:extLst>
+              <a:ext uri="{FF2B5EF4-FFF2-40B4-BE49-F238E27FC236}">
+                <a16:creationId xmlns:a16="http://schemas.microsoft.com/office/drawing/2014/main" id="{42DF712F-84EC-48F3-B510-83E590DD97F0}"/>
+              </a:ext>
+            </a:extLst>
+          </p:cNvPr>
+          <p:cNvSpPr>
+            <a:spLocks noGrp="1"/>
+          </p:cNvSpPr>
+          <p:nvPr>
+            <p:ph type="subTitle" idx="1"/>
+          </p:nvPr>
+        </p:nvSpPr>
+        <p:spPr/>
+        <p:txBody>
+          <a:bodyPr/>
+          <a:lstStyle/>
+          <a:p>
+            <a:r>
+              <a:rPr lang="fr-FR" dirty="0"/>
+              <a:t>DESIGN / OPTIMISATION / SIMPLIFCATION</a:t>
+            </a:r>
+          </a:p>
+        </p:txBody>
+      </p:sp>
+      <p:sp>
+        <p:nvSpPr>
+          <p:cNvPr id="4" name="Espace réservé de la date 3">
+            <a:extLst>
+              <a:ext uri="{FF2B5EF4-FFF2-40B4-BE49-F238E27FC236}">
+                <a16:creationId xmlns:a16="http://schemas.microsoft.com/office/drawing/2014/main" id="{030B0D3A-6441-43DC-BDBC-2E9EE16205E9}"/>
+              </a:ext>
+            </a:extLst>
+          </p:cNvPr>
+          <p:cNvSpPr>
+            <a:spLocks noGrp="1"/>
+          </p:cNvSpPr>
+          <p:nvPr>
+            <p:ph type="dt" sz="half" idx="10"/>
+          </p:nvPr>
+        </p:nvSpPr>
+        <p:spPr/>
+        <p:txBody>
+          <a:bodyPr/>
+          <a:lstStyle/>
+          <a:p>
+            <a:pPr rtl="0"/>
+            <a:fld id="{802FE938-1586-4780-B61A-DD3B60BAB93C}" type="datetime1">
+              <a:rPr lang="fr-FR" smtClean="0"/>
+              <a:t>22/06/2021</a:t>
+            </a:fld>
+            <a:endParaRPr lang="en-US"/>
+          </a:p>
+        </p:txBody>
+      </p:sp>
+    </p:spTree>
+    <p:extLst>
+      <p:ext uri="{BB962C8B-B14F-4D97-AF65-F5344CB8AC3E}">
+        <p14:creationId xmlns:p14="http://schemas.microsoft.com/office/powerpoint/2010/main" val="1130815813"/>
+      </p:ext>
+    </p:extLst>
+  </p:cSld>
+  <p:clrMapOvr>
+    <a:masterClrMapping/>
+  </p:clrMapOvr>
+</p:sld>
+</file>
+
+<file path=ppt/slides/slide34.xml><?xml version="1.0" encoding="utf-8"?>
+<p:sld xmlns:a="http://schemas.openxmlformats.org/drawingml/2006/main" xmlns:r="http://schemas.openxmlformats.org/officeDocument/2006/relationships" xmlns:p="http://schemas.openxmlformats.org/presentationml/2006/main">
+  <p:cSld>
+    <p:spTree>
+      <p:nvGrpSpPr>
+        <p:cNvPr id="1" name=""/>
+        <p:cNvGrpSpPr/>
+        <p:nvPr/>
+      </p:nvGrpSpPr>
+      <p:grpSpPr>
+        <a:xfrm>
+          <a:off x="0" y="0"/>
+          <a:ext cx="0" cy="0"/>
+          <a:chOff x="0" y="0"/>
+          <a:chExt cx="0" cy="0"/>
+        </a:xfrm>
+      </p:grpSpPr>
+      <p:sp>
+        <p:nvSpPr>
+          <p:cNvPr id="5" name="Titre 4">
+            <a:extLst>
+              <a:ext uri="{FF2B5EF4-FFF2-40B4-BE49-F238E27FC236}">
+                <a16:creationId xmlns:a16="http://schemas.microsoft.com/office/drawing/2014/main" id="{B535D397-2E1B-4C1E-A392-E2A43916D949}"/>
+              </a:ext>
+            </a:extLst>
+          </p:cNvPr>
+          <p:cNvSpPr>
+            <a:spLocks noGrp="1"/>
+          </p:cNvSpPr>
+          <p:nvPr>
+            <p:ph type="ctrTitle"/>
+          </p:nvPr>
+        </p:nvSpPr>
+        <p:spPr/>
+        <p:txBody>
+          <a:bodyPr/>
+          <a:lstStyle/>
+          <a:p>
+            <a:r>
+              <a:rPr lang="fr-FR" dirty="0"/>
+              <a:t>DEMONSTRATION</a:t>
+            </a:r>
+          </a:p>
+        </p:txBody>
+      </p:sp>
+      <p:sp>
+        <p:nvSpPr>
+          <p:cNvPr id="6" name="Sous-titre 5">
+            <a:extLst>
+              <a:ext uri="{FF2B5EF4-FFF2-40B4-BE49-F238E27FC236}">
+                <a16:creationId xmlns:a16="http://schemas.microsoft.com/office/drawing/2014/main" id="{42DF712F-84EC-48F3-B510-83E590DD97F0}"/>
+              </a:ext>
+            </a:extLst>
+          </p:cNvPr>
+          <p:cNvSpPr>
+            <a:spLocks noGrp="1"/>
+          </p:cNvSpPr>
+          <p:nvPr>
+            <p:ph type="subTitle" idx="1"/>
+          </p:nvPr>
+        </p:nvSpPr>
+        <p:spPr/>
+        <p:txBody>
+          <a:bodyPr/>
+          <a:lstStyle/>
+          <a:p>
+            <a:r>
+              <a:rPr lang="fr-FR" dirty="0"/>
+              <a:t>DEMO DU LOGICIEL FINI</a:t>
+            </a:r>
+          </a:p>
+        </p:txBody>
+      </p:sp>
+      <p:sp>
+        <p:nvSpPr>
+          <p:cNvPr id="4" name="Espace réservé de la date 3">
+            <a:extLst>
+              <a:ext uri="{FF2B5EF4-FFF2-40B4-BE49-F238E27FC236}">
+                <a16:creationId xmlns:a16="http://schemas.microsoft.com/office/drawing/2014/main" id="{030B0D3A-6441-43DC-BDBC-2E9EE16205E9}"/>
+              </a:ext>
+            </a:extLst>
+          </p:cNvPr>
+          <p:cNvSpPr>
+            <a:spLocks noGrp="1"/>
+          </p:cNvSpPr>
+          <p:nvPr>
+            <p:ph type="dt" sz="half" idx="10"/>
+          </p:nvPr>
+        </p:nvSpPr>
+        <p:spPr/>
+        <p:txBody>
+          <a:bodyPr/>
+          <a:lstStyle/>
+          <a:p>
+            <a:pPr rtl="0"/>
+            <a:fld id="{802FE938-1586-4780-B61A-DD3B60BAB93C}" type="datetime1">
+              <a:rPr lang="fr-FR" smtClean="0"/>
+              <a:t>22/06/2021</a:t>
+            </a:fld>
+            <a:endParaRPr lang="en-US"/>
+          </a:p>
+        </p:txBody>
+      </p:sp>
+    </p:spTree>
+    <p:extLst>
+      <p:ext uri="{BB962C8B-B14F-4D97-AF65-F5344CB8AC3E}">
+        <p14:creationId xmlns:p14="http://schemas.microsoft.com/office/powerpoint/2010/main" val="962287830"/>
+      </p:ext>
+    </p:extLst>
+  </p:cSld>
+  <p:clrMapOvr>
+    <a:masterClrMapping/>
+  </p:clrMapOvr>
+</p:sld>
+</file>
+
+<file path=ppt/slides/slide35.xml><?xml version="1.0" encoding="utf-8"?>
+<p:sld xmlns:a="http://schemas.openxmlformats.org/drawingml/2006/main" xmlns:r="http://schemas.openxmlformats.org/officeDocument/2006/relationships" xmlns:p="http://schemas.openxmlformats.org/presentationml/2006/main">
+  <p:cSld>
+    <p:spTree>
+      <p:nvGrpSpPr>
+        <p:cNvPr id="1" name=""/>
+        <p:cNvGrpSpPr/>
+        <p:nvPr/>
+      </p:nvGrpSpPr>
+      <p:grpSpPr>
+        <a:xfrm>
+          <a:off x="0" y="0"/>
+          <a:ext cx="0" cy="0"/>
+          <a:chOff x="0" y="0"/>
+          <a:chExt cx="0" cy="0"/>
+        </a:xfrm>
+      </p:grpSpPr>
+      <p:sp>
+        <p:nvSpPr>
+          <p:cNvPr id="5" name="Titre 4">
+            <a:extLst>
+              <a:ext uri="{FF2B5EF4-FFF2-40B4-BE49-F238E27FC236}">
+                <a16:creationId xmlns:a16="http://schemas.microsoft.com/office/drawing/2014/main" id="{B535D397-2E1B-4C1E-A392-E2A43916D949}"/>
+              </a:ext>
+            </a:extLst>
+          </p:cNvPr>
+          <p:cNvSpPr>
+            <a:spLocks noGrp="1"/>
+          </p:cNvSpPr>
+          <p:nvPr>
+            <p:ph type="ctrTitle"/>
+          </p:nvPr>
+        </p:nvSpPr>
+        <p:spPr/>
+        <p:txBody>
+          <a:bodyPr/>
+          <a:lstStyle/>
+          <a:p>
+            <a:r>
+              <a:rPr lang="fr-FR" dirty="0"/>
+              <a:t>CONCLUSION</a:t>
+            </a:r>
+          </a:p>
+        </p:txBody>
+      </p:sp>
+      <p:sp>
+        <p:nvSpPr>
+          <p:cNvPr id="6" name="Sous-titre 5">
+            <a:extLst>
+              <a:ext uri="{FF2B5EF4-FFF2-40B4-BE49-F238E27FC236}">
+                <a16:creationId xmlns:a16="http://schemas.microsoft.com/office/drawing/2014/main" id="{42DF712F-84EC-48F3-B510-83E590DD97F0}"/>
+              </a:ext>
+            </a:extLst>
+          </p:cNvPr>
+          <p:cNvSpPr>
+            <a:spLocks noGrp="1"/>
+          </p:cNvSpPr>
+          <p:nvPr>
+            <p:ph type="subTitle" idx="1"/>
+          </p:nvPr>
+        </p:nvSpPr>
+        <p:spPr/>
+        <p:txBody>
+          <a:bodyPr>
+            <a:normAutofit fontScale="92500"/>
+          </a:bodyPr>
+          <a:lstStyle/>
+          <a:p>
+            <a:r>
+              <a:rPr lang="fr-FR" dirty="0"/>
+              <a:t>PROBLEMES RENCONTRES / EVOLUTIONS POSSIBLES / APPORTS PERSONNELS </a:t>
+            </a:r>
+          </a:p>
+        </p:txBody>
+      </p:sp>
+      <p:sp>
+        <p:nvSpPr>
+          <p:cNvPr id="4" name="Espace réservé de la date 3">
+            <a:extLst>
+              <a:ext uri="{FF2B5EF4-FFF2-40B4-BE49-F238E27FC236}">
+                <a16:creationId xmlns:a16="http://schemas.microsoft.com/office/drawing/2014/main" id="{030B0D3A-6441-43DC-BDBC-2E9EE16205E9}"/>
+              </a:ext>
+            </a:extLst>
+          </p:cNvPr>
+          <p:cNvSpPr>
+            <a:spLocks noGrp="1"/>
+          </p:cNvSpPr>
+          <p:nvPr>
+            <p:ph type="dt" sz="half" idx="10"/>
+          </p:nvPr>
+        </p:nvSpPr>
+        <p:spPr/>
+        <p:txBody>
+          <a:bodyPr/>
+          <a:lstStyle/>
+          <a:p>
+            <a:pPr rtl="0"/>
+            <a:fld id="{802FE938-1586-4780-B61A-DD3B60BAB93C}" type="datetime1">
+              <a:rPr lang="fr-FR" smtClean="0"/>
+              <a:t>22/06/2021</a:t>
+            </a:fld>
+            <a:endParaRPr lang="en-US"/>
+          </a:p>
+        </p:txBody>
+      </p:sp>
+    </p:spTree>
+    <p:extLst>
+      <p:ext uri="{BB962C8B-B14F-4D97-AF65-F5344CB8AC3E}">
+        <p14:creationId xmlns:p14="http://schemas.microsoft.com/office/powerpoint/2010/main" val="2085507041"/>
       </p:ext>
     </p:extLst>
   </p:cSld>
@@ -14646,12 +16153,29 @@
               </a:rPr>
               <a:t>Nombre de ports USB 2.0: 4</a:t>
             </a:r>
-          </a:p>
-          <a:p>
-            <a:pPr lvl="1"/>
             <a:endParaRPr lang="fr-FR" dirty="0">
               <a:latin typeface="Arial" panose="020B0604020202020204" pitchFamily="34" charset="0"/>
             </a:endParaRPr>
+          </a:p>
+          <a:p>
+            <a:pPr lvl="1"/>
+            <a:r>
+              <a:rPr lang="fr-FR" dirty="0">
+                <a:latin typeface="Arial" panose="020B0604020202020204" pitchFamily="34" charset="0"/>
+              </a:rPr>
+              <a:t>Accès en TCP ou HTTP via passerelle AJC</a:t>
+            </a:r>
+          </a:p>
+          <a:p>
+            <a:pPr marL="274320" lvl="1" indent="0">
+              <a:buNone/>
+            </a:pPr>
+            <a:r>
+              <a:rPr lang="fr-FR" dirty="0">
+                <a:latin typeface="Arial" panose="020B0604020202020204" pitchFamily="34" charset="0"/>
+              </a:rPr>
+              <a:t>et redirection par port </a:t>
+            </a:r>
           </a:p>
           <a:p>
             <a:endParaRPr lang="fr-FR" dirty="0"/>
@@ -14710,8 +16234,8 @@
         </p:blipFill>
         <p:spPr>
           <a:xfrm>
-            <a:off x="6503596" y="2553318"/>
-            <a:ext cx="3448050" cy="2190750"/>
+            <a:off x="5876440" y="2286123"/>
+            <a:ext cx="5653751" cy="3592162"/>
           </a:xfrm>
           <a:prstGeom prst="rect">
             <a:avLst/>
@@ -14877,7 +16401,7 @@
             <a:pPr lvl="2"/>
             <a:r>
               <a:rPr lang="it-IT" dirty="0"/>
-              <a:t>Capteur d’humidite</a:t>
+              <a:t>Capteur d’humidité</a:t>
             </a:r>
           </a:p>
           <a:p>
@@ -14911,9 +16435,8 @@
             </a:r>
             <a:r>
               <a:rPr lang="fr-FR" dirty="0"/>
-              <a:t>±3% d’humidité relative</a:t>
-            </a:r>
-            <a:endParaRPr lang="it-IT" dirty="0"/>
+              <a:t>±3%</a:t>
+            </a:r>
           </a:p>
           <a:p>
             <a:pPr lvl="2"/>
@@ -14933,18 +16456,18 @@
             <a:pPr lvl="3"/>
             <a:r>
               <a:rPr lang="it-IT" dirty="0"/>
-              <a:t>Bruit de emsure : </a:t>
-            </a:r>
-            <a:r>
-              <a:rPr lang="fr-FR" dirty="0"/>
-              <a:t>0.2Pa</a:t>
+              <a:t>Bruit de mesure : </a:t>
+            </a:r>
+            <a:r>
+              <a:rPr lang="fr-FR" dirty="0"/>
+              <a:t>0.2 Pa</a:t>
             </a:r>
           </a:p>
           <a:p>
             <a:pPr lvl="2"/>
             <a:r>
               <a:rPr lang="it-IT" dirty="0"/>
-              <a:t>Interface  : I</a:t>
+              <a:t>Interface : I</a:t>
             </a:r>
             <a:r>
               <a:rPr lang="fr-FR" dirty="0"/>
@@ -15212,7 +16735,7 @@
                 <a:effectLst/>
                 <a:latin typeface="Arial" panose="020B0604020202020204" pitchFamily="34" charset="0"/>
               </a:rPr>
-              <a:t>Résolution : 0.1°C relevé toutes les minutes</a:t>
+              <a:t>Résolution : 0.1°C relevé toutes les 10? minutes</a:t>
             </a:r>
           </a:p>
           <a:p>
@@ -15445,21 +16968,7 @@
                 <a:effectLst/>
                 <a:latin typeface="Arial" panose="020B0604020202020204" pitchFamily="34" charset="0"/>
               </a:rPr>
-              <a:t>Création d’une partie d’administration permettant de configurer certaine </a:t>
-            </a:r>
-            <a:r>
-              <a:rPr lang="fr-FR" dirty="0" err="1">
-                <a:effectLst/>
-                <a:latin typeface="Arial" panose="020B0604020202020204" pitchFamily="34" charset="0"/>
-              </a:rPr>
-              <a:t>parametres</a:t>
-            </a:r>
-            <a:r>
-              <a:rPr lang="fr-FR" dirty="0">
-                <a:effectLst/>
-                <a:latin typeface="Arial" panose="020B0604020202020204" pitchFamily="34" charset="0"/>
-              </a:rPr>
-              <a:t> :</a:t>
+              <a:t>Création d’une partie d’administration permettant de configurer certaine paramètres :</a:t>
             </a:r>
           </a:p>
           <a:p>
